--- a/Kapcsolati ALkalmazás.pptx
+++ b/Kapcsolati ALkalmazás.pptx
@@ -2,7 +2,7 @@
 <file path=ppt/presentation.xml><?xml version="1.0" encoding="utf-8"?>
 <p:presentation xmlns:a="http://schemas.openxmlformats.org/drawingml/2006/main" xmlns:r="http://schemas.openxmlformats.org/officeDocument/2006/relationships" xmlns:p="http://schemas.openxmlformats.org/presentationml/2006/main" saveSubsetFonts="1">
   <p:sldMasterIdLst>
-    <p:sldMasterId id="2147483660" r:id="rId1"/>
+    <p:sldMasterId id="2147483712" r:id="rId1"/>
   </p:sldMasterIdLst>
   <p:sldIdLst>
     <p:sldId id="256" r:id="rId2"/>
@@ -112,11 +112,16 @@
       </a:defRPr>
     </a:lvl9pPr>
   </p:defaultTextStyle>
+  <p:extLst>
+    <p:ext uri="{EFAFB233-063F-42B5-8137-9DF3F51BA10A}">
+      <p15:sldGuideLst xmlns:p15="http://schemas.microsoft.com/office/powerpoint/2012/main"/>
+    </p:ext>
+  </p:extLst>
 </p:presentation>
 </file>
 
 <file path=ppt/slideLayouts/slideLayout1.xml><?xml version="1.0" encoding="utf-8"?>
-<p:sldLayout xmlns:a="http://schemas.openxmlformats.org/drawingml/2006/main" xmlns:r="http://schemas.openxmlformats.org/officeDocument/2006/relationships" xmlns:p="http://schemas.openxmlformats.org/presentationml/2006/main" type="title" preserve="1">
+<p:sldLayout xmlns:a="http://schemas.openxmlformats.org/drawingml/2006/main" xmlns:r="http://schemas.openxmlformats.org/officeDocument/2006/relationships" xmlns:p="http://schemas.openxmlformats.org/presentationml/2006/main" showMasterSp="0" type="title" preserve="1">
   <p:cSld name="Címdia">
     <p:spTree>
       <p:nvGrpSpPr>
@@ -132,126 +137,685 @@
           <a:chExt cx="0" cy="0"/>
         </a:xfrm>
       </p:grpSpPr>
-      <p:pic>
-        <p:nvPicPr>
-          <p:cNvPr id="7" name="Picture 6" descr="C0-HD-BTM.png"/>
-          <p:cNvPicPr>
-            <a:picLocks noChangeAspect="1"/>
-          </p:cNvPicPr>
+      <p:grpSp>
+        <p:nvGrpSpPr>
+          <p:cNvPr id="8" name="Group 7"/>
+          <p:cNvGrpSpPr/>
           <p:nvPr/>
-        </p:nvPicPr>
-        <p:blipFill>
-          <a:blip r:embed="rId2">
-            <a:extLst>
-              <a:ext uri="{28A0092B-C50C-407E-A947-70E740481C1C}">
-                <a14:useLocalDpi xmlns:a14="http://schemas.microsoft.com/office/drawing/2010/main" val="0"/>
-              </a:ext>
-            </a:extLst>
-          </a:blip>
-          <a:stretch>
-            <a:fillRect/>
-          </a:stretch>
-        </p:blipFill>
+        </p:nvGrpSpPr>
+        <p:grpSpPr>
+          <a:xfrm>
+            <a:off x="0" y="-8467"/>
+            <a:ext cx="12192000" cy="6866467"/>
+            <a:chOff x="0" y="-8467"/>
+            <a:chExt cx="12192000" cy="6866467"/>
+          </a:xfrm>
+        </p:grpSpPr>
+        <p:cxnSp>
+          <p:nvCxnSpPr>
+            <p:cNvPr id="32" name="Straight Connector 31"/>
+            <p:cNvCxnSpPr/>
+            <p:nvPr/>
+          </p:nvCxnSpPr>
+          <p:spPr>
+            <a:xfrm>
+              <a:off x="9371012" y="0"/>
+              <a:ext cx="1219200" cy="6858000"/>
+            </a:xfrm>
+            <a:prstGeom prst="line">
+              <a:avLst/>
+            </a:prstGeom>
+            <a:ln w="9525">
+              <a:solidFill>
+                <a:schemeClr val="bg1">
+                  <a:lumMod val="85000"/>
+                  <a:lumOff val="15000"/>
+                </a:schemeClr>
+              </a:solidFill>
+            </a:ln>
+          </p:spPr>
+          <p:style>
+            <a:lnRef idx="2">
+              <a:schemeClr val="accent1"/>
+            </a:lnRef>
+            <a:fillRef idx="0">
+              <a:schemeClr val="accent1"/>
+            </a:fillRef>
+            <a:effectRef idx="1">
+              <a:schemeClr val="accent1"/>
+            </a:effectRef>
+            <a:fontRef idx="minor">
+              <a:schemeClr val="tx1"/>
+            </a:fontRef>
+          </p:style>
+        </p:cxnSp>
+        <p:cxnSp>
+          <p:nvCxnSpPr>
+            <p:cNvPr id="21" name="Straight Connector 20"/>
+            <p:cNvCxnSpPr/>
+            <p:nvPr/>
+          </p:nvCxnSpPr>
+          <p:spPr>
+            <a:xfrm flipH="1">
+              <a:off x="7425267" y="3681413"/>
+              <a:ext cx="4763558" cy="3176587"/>
+            </a:xfrm>
+            <a:prstGeom prst="line">
+              <a:avLst/>
+            </a:prstGeom>
+            <a:ln w="9525">
+              <a:solidFill>
+                <a:schemeClr val="bg1">
+                  <a:lumMod val="85000"/>
+                  <a:lumOff val="15000"/>
+                </a:schemeClr>
+              </a:solidFill>
+            </a:ln>
+          </p:spPr>
+          <p:style>
+            <a:lnRef idx="2">
+              <a:schemeClr val="accent1"/>
+            </a:lnRef>
+            <a:fillRef idx="0">
+              <a:schemeClr val="accent1"/>
+            </a:fillRef>
+            <a:effectRef idx="1">
+              <a:schemeClr val="accent1"/>
+            </a:effectRef>
+            <a:fontRef idx="minor">
+              <a:schemeClr val="tx1"/>
+            </a:fontRef>
+          </p:style>
+        </p:cxnSp>
+        <p:sp>
+          <p:nvSpPr>
+            <p:cNvPr id="24" name="Rectangle 23"/>
+            <p:cNvSpPr/>
+            <p:nvPr/>
+          </p:nvSpPr>
+          <p:spPr>
+            <a:xfrm>
+              <a:off x="9181476" y="-8467"/>
+              <a:ext cx="3007349" cy="6866467"/>
+            </a:xfrm>
+            <a:custGeom>
+              <a:avLst/>
+              <a:gdLst/>
+              <a:ahLst/>
+              <a:cxnLst/>
+              <a:rect l="l" t="t" r="r" b="b"/>
+              <a:pathLst>
+                <a:path w="3007349" h="6866467">
+                  <a:moveTo>
+                    <a:pt x="2045532" y="0"/>
+                  </a:moveTo>
+                  <a:lnTo>
+                    <a:pt x="3007349" y="0"/>
+                  </a:lnTo>
+                  <a:lnTo>
+                    <a:pt x="3007349" y="6866467"/>
+                  </a:lnTo>
+                  <a:lnTo>
+                    <a:pt x="0" y="6866467"/>
+                  </a:lnTo>
+                  <a:lnTo>
+                    <a:pt x="2045532" y="0"/>
+                  </a:lnTo>
+                  <a:close/>
+                </a:path>
+              </a:pathLst>
+            </a:custGeom>
+            <a:solidFill>
+              <a:schemeClr val="accent1">
+                <a:alpha val="30000"/>
+              </a:schemeClr>
+            </a:solidFill>
+            <a:ln>
+              <a:noFill/>
+            </a:ln>
+            <a:effectLst/>
+          </p:spPr>
+          <p:style>
+            <a:lnRef idx="1">
+              <a:schemeClr val="accent1"/>
+            </a:lnRef>
+            <a:fillRef idx="3">
+              <a:schemeClr val="accent1"/>
+            </a:fillRef>
+            <a:effectRef idx="2">
+              <a:schemeClr val="accent1"/>
+            </a:effectRef>
+            <a:fontRef idx="minor">
+              <a:schemeClr val="lt1"/>
+            </a:fontRef>
+          </p:style>
+        </p:sp>
+        <p:sp>
+          <p:nvSpPr>
+            <p:cNvPr id="26" name="Rectangle 25"/>
+            <p:cNvSpPr/>
+            <p:nvPr/>
+          </p:nvSpPr>
+          <p:spPr>
+            <a:xfrm>
+              <a:off x="9603442" y="-8467"/>
+              <a:ext cx="2588558" cy="6866467"/>
+            </a:xfrm>
+            <a:custGeom>
+              <a:avLst/>
+              <a:gdLst/>
+              <a:ahLst/>
+              <a:cxnLst/>
+              <a:rect l="l" t="t" r="r" b="b"/>
+              <a:pathLst>
+                <a:path w="2573311" h="6866467">
+                  <a:moveTo>
+                    <a:pt x="0" y="0"/>
+                  </a:moveTo>
+                  <a:lnTo>
+                    <a:pt x="2573311" y="0"/>
+                  </a:lnTo>
+                  <a:lnTo>
+                    <a:pt x="2573311" y="6866467"/>
+                  </a:lnTo>
+                  <a:lnTo>
+                    <a:pt x="1202336" y="6866467"/>
+                  </a:lnTo>
+                  <a:lnTo>
+                    <a:pt x="0" y="0"/>
+                  </a:lnTo>
+                  <a:close/>
+                </a:path>
+              </a:pathLst>
+            </a:custGeom>
+            <a:solidFill>
+              <a:schemeClr val="accent1">
+                <a:alpha val="20000"/>
+              </a:schemeClr>
+            </a:solidFill>
+            <a:ln>
+              <a:noFill/>
+            </a:ln>
+            <a:effectLst/>
+          </p:spPr>
+          <p:style>
+            <a:lnRef idx="1">
+              <a:schemeClr val="accent1"/>
+            </a:lnRef>
+            <a:fillRef idx="3">
+              <a:schemeClr val="accent1"/>
+            </a:fillRef>
+            <a:effectRef idx="2">
+              <a:schemeClr val="accent1"/>
+            </a:effectRef>
+            <a:fontRef idx="minor">
+              <a:schemeClr val="lt1"/>
+            </a:fontRef>
+          </p:style>
+        </p:sp>
+        <p:sp>
+          <p:nvSpPr>
+            <p:cNvPr id="27" name="Isosceles Triangle 26"/>
+            <p:cNvSpPr/>
+            <p:nvPr/>
+          </p:nvSpPr>
+          <p:spPr>
+            <a:xfrm>
+              <a:off x="8932333" y="3048000"/>
+              <a:ext cx="3259667" cy="3810000"/>
+            </a:xfrm>
+            <a:prstGeom prst="triangle">
+              <a:avLst>
+                <a:gd name="adj" fmla="val 100000"/>
+              </a:avLst>
+            </a:prstGeom>
+            <a:solidFill>
+              <a:schemeClr val="accent2">
+                <a:alpha val="72000"/>
+              </a:schemeClr>
+            </a:solidFill>
+            <a:ln>
+              <a:noFill/>
+            </a:ln>
+            <a:effectLst/>
+          </p:spPr>
+          <p:style>
+            <a:lnRef idx="1">
+              <a:schemeClr val="accent1"/>
+            </a:lnRef>
+            <a:fillRef idx="3">
+              <a:schemeClr val="accent1"/>
+            </a:fillRef>
+            <a:effectRef idx="2">
+              <a:schemeClr val="accent1"/>
+            </a:effectRef>
+            <a:fontRef idx="minor">
+              <a:schemeClr val="lt1"/>
+            </a:fontRef>
+          </p:style>
+        </p:sp>
+        <p:sp>
+          <p:nvSpPr>
+            <p:cNvPr id="28" name="Rectangle 27"/>
+            <p:cNvSpPr/>
+            <p:nvPr/>
+          </p:nvSpPr>
+          <p:spPr>
+            <a:xfrm>
+              <a:off x="9334500" y="-8467"/>
+              <a:ext cx="2854326" cy="6866467"/>
+            </a:xfrm>
+            <a:custGeom>
+              <a:avLst/>
+              <a:gdLst/>
+              <a:ahLst/>
+              <a:cxnLst/>
+              <a:rect l="l" t="t" r="r" b="b"/>
+              <a:pathLst>
+                <a:path w="2858013" h="6866467">
+                  <a:moveTo>
+                    <a:pt x="0" y="0"/>
+                  </a:moveTo>
+                  <a:lnTo>
+                    <a:pt x="2858013" y="0"/>
+                  </a:lnTo>
+                  <a:lnTo>
+                    <a:pt x="2858013" y="6866467"/>
+                  </a:lnTo>
+                  <a:lnTo>
+                    <a:pt x="2473942" y="6866467"/>
+                  </a:lnTo>
+                  <a:lnTo>
+                    <a:pt x="0" y="0"/>
+                  </a:lnTo>
+                  <a:close/>
+                </a:path>
+              </a:pathLst>
+            </a:custGeom>
+            <a:solidFill>
+              <a:schemeClr val="accent2">
+                <a:lumMod val="75000"/>
+                <a:alpha val="70000"/>
+              </a:schemeClr>
+            </a:solidFill>
+            <a:ln>
+              <a:noFill/>
+            </a:ln>
+            <a:effectLst/>
+          </p:spPr>
+          <p:style>
+            <a:lnRef idx="1">
+              <a:schemeClr val="accent1"/>
+            </a:lnRef>
+            <a:fillRef idx="3">
+              <a:schemeClr val="accent1"/>
+            </a:fillRef>
+            <a:effectRef idx="2">
+              <a:schemeClr val="accent1"/>
+            </a:effectRef>
+            <a:fontRef idx="minor">
+              <a:schemeClr val="lt1"/>
+            </a:fontRef>
+          </p:style>
+        </p:sp>
+        <p:sp>
+          <p:nvSpPr>
+            <p:cNvPr id="29" name="Rectangle 28"/>
+            <p:cNvSpPr/>
+            <p:nvPr/>
+          </p:nvSpPr>
+          <p:spPr>
+            <a:xfrm>
+              <a:off x="10898730" y="-8467"/>
+              <a:ext cx="1290094" cy="6866467"/>
+            </a:xfrm>
+            <a:custGeom>
+              <a:avLst/>
+              <a:gdLst/>
+              <a:ahLst/>
+              <a:cxnLst/>
+              <a:rect l="l" t="t" r="r" b="b"/>
+              <a:pathLst>
+                <a:path w="1290094" h="6858000">
+                  <a:moveTo>
+                    <a:pt x="1019735" y="0"/>
+                  </a:moveTo>
+                  <a:lnTo>
+                    <a:pt x="1290094" y="0"/>
+                  </a:lnTo>
+                  <a:lnTo>
+                    <a:pt x="1290094" y="6858000"/>
+                  </a:lnTo>
+                  <a:lnTo>
+                    <a:pt x="0" y="6858000"/>
+                  </a:lnTo>
+                  <a:lnTo>
+                    <a:pt x="1019735" y="0"/>
+                  </a:lnTo>
+                  <a:close/>
+                </a:path>
+              </a:pathLst>
+            </a:custGeom>
+            <a:solidFill>
+              <a:schemeClr val="accent1">
+                <a:lumMod val="60000"/>
+                <a:lumOff val="40000"/>
+                <a:alpha val="70000"/>
+              </a:schemeClr>
+            </a:solidFill>
+            <a:ln>
+              <a:noFill/>
+            </a:ln>
+            <a:effectLst/>
+          </p:spPr>
+          <p:style>
+            <a:lnRef idx="1">
+              <a:schemeClr val="accent1"/>
+            </a:lnRef>
+            <a:fillRef idx="3">
+              <a:schemeClr val="accent1"/>
+            </a:fillRef>
+            <a:effectRef idx="2">
+              <a:schemeClr val="accent1"/>
+            </a:effectRef>
+            <a:fontRef idx="minor">
+              <a:schemeClr val="lt1"/>
+            </a:fontRef>
+          </p:style>
+        </p:sp>
+        <p:sp>
+          <p:nvSpPr>
+            <p:cNvPr id="30" name="Rectangle 29"/>
+            <p:cNvSpPr/>
+            <p:nvPr/>
+          </p:nvSpPr>
+          <p:spPr>
+            <a:xfrm>
+              <a:off x="10938999" y="-8467"/>
+              <a:ext cx="1249825" cy="6866467"/>
+            </a:xfrm>
+            <a:custGeom>
+              <a:avLst/>
+              <a:gdLst/>
+              <a:ahLst/>
+              <a:cxnLst/>
+              <a:rect l="l" t="t" r="r" b="b"/>
+              <a:pathLst>
+                <a:path w="1249825" h="6858000">
+                  <a:moveTo>
+                    <a:pt x="0" y="0"/>
+                  </a:moveTo>
+                  <a:lnTo>
+                    <a:pt x="1249825" y="0"/>
+                  </a:lnTo>
+                  <a:lnTo>
+                    <a:pt x="1249825" y="6858000"/>
+                  </a:lnTo>
+                  <a:lnTo>
+                    <a:pt x="1109382" y="6858000"/>
+                  </a:lnTo>
+                  <a:lnTo>
+                    <a:pt x="0" y="0"/>
+                  </a:lnTo>
+                  <a:close/>
+                </a:path>
+              </a:pathLst>
+            </a:custGeom>
+            <a:solidFill>
+              <a:schemeClr val="accent1">
+                <a:alpha val="65000"/>
+              </a:schemeClr>
+            </a:solidFill>
+            <a:ln>
+              <a:noFill/>
+            </a:ln>
+            <a:effectLst/>
+          </p:spPr>
+          <p:style>
+            <a:lnRef idx="1">
+              <a:schemeClr val="accent1"/>
+            </a:lnRef>
+            <a:fillRef idx="3">
+              <a:schemeClr val="accent1"/>
+            </a:fillRef>
+            <a:effectRef idx="2">
+              <a:schemeClr val="accent1"/>
+            </a:effectRef>
+            <a:fontRef idx="minor">
+              <a:schemeClr val="lt1"/>
+            </a:fontRef>
+          </p:style>
+        </p:sp>
+        <p:sp>
+          <p:nvSpPr>
+            <p:cNvPr id="31" name="Isosceles Triangle 30"/>
+            <p:cNvSpPr/>
+            <p:nvPr/>
+          </p:nvSpPr>
+          <p:spPr>
+            <a:xfrm>
+              <a:off x="10371666" y="3589867"/>
+              <a:ext cx="1817159" cy="3268133"/>
+            </a:xfrm>
+            <a:prstGeom prst="triangle">
+              <a:avLst>
+                <a:gd name="adj" fmla="val 100000"/>
+              </a:avLst>
+            </a:prstGeom>
+            <a:solidFill>
+              <a:schemeClr val="accent1">
+                <a:alpha val="80000"/>
+              </a:schemeClr>
+            </a:solidFill>
+            <a:ln>
+              <a:noFill/>
+            </a:ln>
+            <a:effectLst/>
+          </p:spPr>
+          <p:style>
+            <a:lnRef idx="1">
+              <a:schemeClr val="accent1"/>
+            </a:lnRef>
+            <a:fillRef idx="3">
+              <a:schemeClr val="accent1"/>
+            </a:fillRef>
+            <a:effectRef idx="2">
+              <a:schemeClr val="accent1"/>
+            </a:effectRef>
+            <a:fontRef idx="minor">
+              <a:schemeClr val="lt1"/>
+            </a:fontRef>
+          </p:style>
+        </p:sp>
+        <p:sp>
+          <p:nvSpPr>
+            <p:cNvPr id="19" name="Isosceles Triangle 18"/>
+            <p:cNvSpPr/>
+            <p:nvPr/>
+          </p:nvSpPr>
+          <p:spPr>
+            <a:xfrm rot="10800000">
+              <a:off x="0" y="0"/>
+              <a:ext cx="842596" cy="5666154"/>
+            </a:xfrm>
+            <a:prstGeom prst="triangle">
+              <a:avLst>
+                <a:gd name="adj" fmla="val 100000"/>
+              </a:avLst>
+            </a:prstGeom>
+            <a:solidFill>
+              <a:schemeClr val="accent1">
+                <a:alpha val="85000"/>
+              </a:schemeClr>
+            </a:solidFill>
+            <a:ln>
+              <a:noFill/>
+            </a:ln>
+            <a:effectLst/>
+          </p:spPr>
+          <p:style>
+            <a:lnRef idx="1">
+              <a:schemeClr val="accent1"/>
+            </a:lnRef>
+            <a:fillRef idx="3">
+              <a:schemeClr val="accent1"/>
+            </a:fillRef>
+            <a:effectRef idx="2">
+              <a:schemeClr val="accent1"/>
+            </a:effectRef>
+            <a:fontRef idx="minor">
+              <a:schemeClr val="lt1"/>
+            </a:fontRef>
+          </p:style>
+        </p:sp>
+      </p:grpSp>
+      <p:sp>
+        <p:nvSpPr>
+          <p:cNvPr id="2" name="Title 1"/>
+          <p:cNvSpPr>
+            <a:spLocks noGrp="1"/>
+          </p:cNvSpPr>
+          <p:nvPr>
+            <p:ph type="ctrTitle"/>
+          </p:nvPr>
+        </p:nvSpPr>
         <p:spPr>
           <a:xfrm>
-            <a:off x="0" y="4375150"/>
-            <a:ext cx="12192000" cy="2482850"/>
+            <a:off x="1507067" y="2404534"/>
+            <a:ext cx="7766936" cy="1646302"/>
           </a:xfrm>
-          <a:prstGeom prst="rect">
-            <a:avLst/>
-          </a:prstGeom>
         </p:spPr>
-      </p:pic>
-      <p:sp>
-        <p:nvSpPr>
-          <p:cNvPr id="2" name="Title 1"/>
-          <p:cNvSpPr>
-            <a:spLocks noGrp="1"/>
-          </p:cNvSpPr>
-          <p:nvPr>
-            <p:ph type="ctrTitle"/>
+        <p:txBody>
+          <a:bodyPr anchor="b">
+            <a:noAutofit/>
+          </a:bodyPr>
+          <a:lstStyle>
+            <a:lvl1pPr algn="r">
+              <a:defRPr sz="5400">
+                <a:solidFill>
+                  <a:schemeClr val="accent1"/>
+                </a:solidFill>
+              </a:defRPr>
+            </a:lvl1pPr>
+          </a:lstStyle>
+          <a:p>
+            <a:r>
+              <a:rPr lang="hu-HU"/>
+              <a:t>Mintacím szerkesztése</a:t>
+            </a:r>
+            <a:endParaRPr lang="en-US" dirty="0"/>
+          </a:p>
+        </p:txBody>
+      </p:sp>
+      <p:sp>
+        <p:nvSpPr>
+          <p:cNvPr id="3" name="Subtitle 2"/>
+          <p:cNvSpPr>
+            <a:spLocks noGrp="1"/>
+          </p:cNvSpPr>
+          <p:nvPr>
+            <p:ph type="subTitle" idx="1"/>
           </p:nvPr>
         </p:nvSpPr>
         <p:spPr>
           <a:xfrm>
-            <a:off x="1371600" y="1803405"/>
-            <a:ext cx="9448800" cy="1825096"/>
+            <a:off x="1507067" y="4050833"/>
+            <a:ext cx="7766936" cy="1096899"/>
           </a:xfrm>
         </p:spPr>
         <p:txBody>
-          <a:bodyPr anchor="b">
-            <a:normAutofit/>
-          </a:bodyPr>
+          <a:bodyPr anchor="t"/>
           <a:lstStyle>
-            <a:lvl1pPr algn="l">
-              <a:defRPr sz="6000"/>
-            </a:lvl1pPr>
-          </a:lstStyle>
-          <a:p>
-            <a:r>
-              <a:rPr lang="hu-HU"/>
-              <a:t>Mintacím szerkesztése</a:t>
-            </a:r>
-            <a:endParaRPr lang="en-US" dirty="0"/>
-          </a:p>
-        </p:txBody>
-      </p:sp>
-      <p:sp>
-        <p:nvSpPr>
-          <p:cNvPr id="3" name="Subtitle 2"/>
-          <p:cNvSpPr>
-            <a:spLocks noGrp="1"/>
-          </p:cNvSpPr>
-          <p:nvPr>
-            <p:ph type="subTitle" idx="1"/>
-          </p:nvPr>
-        </p:nvSpPr>
-        <p:spPr>
-          <a:xfrm>
-            <a:off x="1371600" y="3632201"/>
-            <a:ext cx="9448800" cy="685800"/>
-          </a:xfrm>
-        </p:spPr>
-        <p:txBody>
-          <a:bodyPr>
-            <a:normAutofit/>
-          </a:bodyPr>
-          <a:lstStyle>
-            <a:lvl1pPr marL="0" indent="0" algn="l">
-              <a:buNone/>
-              <a:defRPr sz="2000"/>
+            <a:lvl1pPr marL="0" indent="0" algn="r">
+              <a:buNone/>
+              <a:defRPr>
+                <a:solidFill>
+                  <a:schemeClr val="tx1">
+                    <a:lumMod val="50000"/>
+                    <a:lumOff val="50000"/>
+                  </a:schemeClr>
+                </a:solidFill>
+              </a:defRPr>
             </a:lvl1pPr>
             <a:lvl2pPr marL="457200" indent="0" algn="ctr">
               <a:buNone/>
-              <a:defRPr sz="2000"/>
+              <a:defRPr>
+                <a:solidFill>
+                  <a:schemeClr val="tx1">
+                    <a:tint val="75000"/>
+                  </a:schemeClr>
+                </a:solidFill>
+              </a:defRPr>
             </a:lvl2pPr>
             <a:lvl3pPr marL="914400" indent="0" algn="ctr">
               <a:buNone/>
-              <a:defRPr sz="1800"/>
+              <a:defRPr>
+                <a:solidFill>
+                  <a:schemeClr val="tx1">
+                    <a:tint val="75000"/>
+                  </a:schemeClr>
+                </a:solidFill>
+              </a:defRPr>
             </a:lvl3pPr>
             <a:lvl4pPr marL="1371600" indent="0" algn="ctr">
               <a:buNone/>
-              <a:defRPr sz="1600"/>
+              <a:defRPr>
+                <a:solidFill>
+                  <a:schemeClr val="tx1">
+                    <a:tint val="75000"/>
+                  </a:schemeClr>
+                </a:solidFill>
+              </a:defRPr>
             </a:lvl4pPr>
             <a:lvl5pPr marL="1828800" indent="0" algn="ctr">
               <a:buNone/>
-              <a:defRPr sz="1600"/>
+              <a:defRPr>
+                <a:solidFill>
+                  <a:schemeClr val="tx1">
+                    <a:tint val="75000"/>
+                  </a:schemeClr>
+                </a:solidFill>
+              </a:defRPr>
             </a:lvl5pPr>
             <a:lvl6pPr marL="2286000" indent="0" algn="ctr">
               <a:buNone/>
-              <a:defRPr sz="1600"/>
+              <a:defRPr>
+                <a:solidFill>
+                  <a:schemeClr val="tx1">
+                    <a:tint val="75000"/>
+                  </a:schemeClr>
+                </a:solidFill>
+              </a:defRPr>
             </a:lvl6pPr>
             <a:lvl7pPr marL="2743200" indent="0" algn="ctr">
               <a:buNone/>
-              <a:defRPr sz="1600"/>
+              <a:defRPr>
+                <a:solidFill>
+                  <a:schemeClr val="tx1">
+                    <a:tint val="75000"/>
+                  </a:schemeClr>
+                </a:solidFill>
+              </a:defRPr>
             </a:lvl7pPr>
             <a:lvl8pPr marL="3200400" indent="0" algn="ctr">
               <a:buNone/>
-              <a:defRPr sz="1600"/>
+              <a:defRPr>
+                <a:solidFill>
+                  <a:schemeClr val="tx1">
+                    <a:tint val="75000"/>
+                  </a:schemeClr>
+                </a:solidFill>
+              </a:defRPr>
             </a:lvl8pPr>
             <a:lvl9pPr marL="3657600" indent="0" algn="ctr">
               <a:buNone/>
-              <a:defRPr sz="1600"/>
+              <a:defRPr>
+                <a:solidFill>
+                  <a:schemeClr val="tx1">
+                    <a:tint val="75000"/>
+                  </a:schemeClr>
+                </a:solidFill>
+              </a:defRPr>
             </a:lvl9pPr>
           </a:lstStyle>
           <a:p>
@@ -273,19 +837,14 @@
             <p:ph type="dt" sz="half" idx="10"/>
           </p:nvPr>
         </p:nvSpPr>
-        <p:spPr>
-          <a:xfrm>
-            <a:off x="7909561" y="4314328"/>
-            <a:ext cx="2910840" cy="374642"/>
-          </a:xfrm>
-        </p:spPr>
+        <p:spPr/>
         <p:txBody>
           <a:bodyPr/>
           <a:lstStyle/>
           <a:p>
             <a:fld id="{7A9F1192-88F1-4A84-B1DE-40B39580FAB6}" type="datetimeFigureOut">
               <a:rPr lang="hu-HU" smtClean="0"/>
-              <a:t>2025. 12. 14.</a:t>
+              <a:t>2025. 12. 15.</a:t>
             </a:fld>
             <a:endParaRPr lang="hu-HU"/>
           </a:p>
@@ -301,12 +860,7 @@
             <p:ph type="ftr" sz="quarter" idx="11"/>
           </p:nvPr>
         </p:nvSpPr>
-        <p:spPr>
-          <a:xfrm>
-            <a:off x="1371600" y="4323845"/>
-            <a:ext cx="6400800" cy="365125"/>
-          </a:xfrm>
-        </p:spPr>
+        <p:spPr/>
         <p:txBody>
           <a:bodyPr/>
           <a:lstStyle/>
@@ -325,12 +879,7 @@
             <p:ph type="sldNum" sz="quarter" idx="12"/>
           </p:nvPr>
         </p:nvSpPr>
-        <p:spPr>
-          <a:xfrm>
-            <a:off x="8077200" y="1430866"/>
-            <a:ext cx="2743200" cy="365125"/>
-          </a:xfrm>
-        </p:spPr>
+        <p:spPr/>
         <p:txBody>
           <a:bodyPr/>
           <a:lstStyle/>
@@ -346,7 +895,7 @@
     </p:spTree>
     <p:extLst>
       <p:ext uri="{BB962C8B-B14F-4D97-AF65-F5344CB8AC3E}">
-        <p14:creationId xmlns:p14="http://schemas.microsoft.com/office/powerpoint/2010/main" val="2697270238"/>
+        <p14:creationId xmlns:p14="http://schemas.microsoft.com/office/powerpoint/2010/main" val="1003636726"/>
       </p:ext>
     </p:extLst>
   </p:cSld>
@@ -358,263 +907,6 @@
 
 <file path=ppt/slideLayouts/slideLayout10.xml><?xml version="1.0" encoding="utf-8"?>
 <p:sldLayout xmlns:a="http://schemas.openxmlformats.org/drawingml/2006/main" xmlns:r="http://schemas.openxmlformats.org/officeDocument/2006/relationships" xmlns:p="http://schemas.openxmlformats.org/presentationml/2006/main" preserve="1">
-  <p:cSld name="Panorámakép képaláírással">
-    <p:spTree>
-      <p:nvGrpSpPr>
-        <p:cNvPr id="1" name=""/>
-        <p:cNvGrpSpPr/>
-        <p:nvPr/>
-      </p:nvGrpSpPr>
-      <p:grpSpPr>
-        <a:xfrm>
-          <a:off x="0" y="0"/>
-          <a:ext cx="0" cy="0"/>
-          <a:chOff x="0" y="0"/>
-          <a:chExt cx="0" cy="0"/>
-        </a:xfrm>
-      </p:grpSpPr>
-      <p:sp>
-        <p:nvSpPr>
-          <p:cNvPr id="2" name="Title 1"/>
-          <p:cNvSpPr>
-            <a:spLocks noGrp="1"/>
-          </p:cNvSpPr>
-          <p:nvPr>
-            <p:ph type="title"/>
-          </p:nvPr>
-        </p:nvSpPr>
-        <p:spPr>
-          <a:xfrm>
-            <a:off x="685777" y="4697360"/>
-            <a:ext cx="10822034" cy="819355"/>
-          </a:xfrm>
-        </p:spPr>
-        <p:txBody>
-          <a:bodyPr anchor="b"/>
-          <a:lstStyle>
-            <a:lvl1pPr algn="l">
-              <a:defRPr sz="3200"/>
-            </a:lvl1pPr>
-          </a:lstStyle>
-          <a:p>
-            <a:r>
-              <a:rPr lang="hu-HU"/>
-              <a:t>Mintacím szerkesztése</a:t>
-            </a:r>
-            <a:endParaRPr lang="en-US" dirty="0"/>
-          </a:p>
-        </p:txBody>
-      </p:sp>
-      <p:sp>
-        <p:nvSpPr>
-          <p:cNvPr id="3" name="Picture Placeholder 2"/>
-          <p:cNvSpPr>
-            <a:spLocks noGrp="1" noChangeAspect="1"/>
-          </p:cNvSpPr>
-          <p:nvPr>
-            <p:ph type="pic" idx="1"/>
-          </p:nvPr>
-        </p:nvSpPr>
-        <p:spPr>
-          <a:xfrm>
-            <a:off x="681727" y="941439"/>
-            <a:ext cx="10821840" cy="3478161"/>
-          </a:xfrm>
-        </p:spPr>
-        <p:txBody>
-          <a:bodyPr anchor="t"/>
-          <a:lstStyle>
-            <a:lvl1pPr marL="0" indent="0">
-              <a:buNone/>
-              <a:defRPr sz="3200"/>
-            </a:lvl1pPr>
-            <a:lvl2pPr marL="457200" indent="0">
-              <a:buNone/>
-              <a:defRPr sz="2800"/>
-            </a:lvl2pPr>
-            <a:lvl3pPr marL="914400" indent="0">
-              <a:buNone/>
-              <a:defRPr sz="2400"/>
-            </a:lvl3pPr>
-            <a:lvl4pPr marL="1371600" indent="0">
-              <a:buNone/>
-              <a:defRPr sz="2000"/>
-            </a:lvl4pPr>
-            <a:lvl5pPr marL="1828800" indent="0">
-              <a:buNone/>
-              <a:defRPr sz="2000"/>
-            </a:lvl5pPr>
-            <a:lvl6pPr marL="2286000" indent="0">
-              <a:buNone/>
-              <a:defRPr sz="2000"/>
-            </a:lvl6pPr>
-            <a:lvl7pPr marL="2743200" indent="0">
-              <a:buNone/>
-              <a:defRPr sz="2000"/>
-            </a:lvl7pPr>
-            <a:lvl8pPr marL="3200400" indent="0">
-              <a:buNone/>
-              <a:defRPr sz="2000"/>
-            </a:lvl8pPr>
-            <a:lvl9pPr marL="3657600" indent="0">
-              <a:buNone/>
-              <a:defRPr sz="2000"/>
-            </a:lvl9pPr>
-          </a:lstStyle>
-          <a:p>
-            <a:r>
-              <a:rPr lang="hu-HU"/>
-              <a:t>Kép beszúrásához kattintson az ikonra</a:t>
-            </a:r>
-            <a:endParaRPr lang="en-US" dirty="0"/>
-          </a:p>
-        </p:txBody>
-      </p:sp>
-      <p:sp>
-        <p:nvSpPr>
-          <p:cNvPr id="4" name="Text Placeholder 3"/>
-          <p:cNvSpPr>
-            <a:spLocks noGrp="1"/>
-          </p:cNvSpPr>
-          <p:nvPr>
-            <p:ph type="body" sz="half" idx="2"/>
-          </p:nvPr>
-        </p:nvSpPr>
-        <p:spPr>
-          <a:xfrm>
-            <a:off x="685800" y="5516715"/>
-            <a:ext cx="10820400" cy="701969"/>
-          </a:xfrm>
-        </p:spPr>
-        <p:txBody>
-          <a:bodyPr/>
-          <a:lstStyle>
-            <a:lvl1pPr marL="0" indent="0" algn="l">
-              <a:buNone/>
-              <a:defRPr sz="1600"/>
-            </a:lvl1pPr>
-            <a:lvl2pPr marL="457200" indent="0">
-              <a:buNone/>
-              <a:defRPr sz="1400"/>
-            </a:lvl2pPr>
-            <a:lvl3pPr marL="914400" indent="0">
-              <a:buNone/>
-              <a:defRPr sz="1200"/>
-            </a:lvl3pPr>
-            <a:lvl4pPr marL="1371600" indent="0">
-              <a:buNone/>
-              <a:defRPr sz="1000"/>
-            </a:lvl4pPr>
-            <a:lvl5pPr marL="1828800" indent="0">
-              <a:buNone/>
-              <a:defRPr sz="1000"/>
-            </a:lvl5pPr>
-            <a:lvl6pPr marL="2286000" indent="0">
-              <a:buNone/>
-              <a:defRPr sz="1000"/>
-            </a:lvl6pPr>
-            <a:lvl7pPr marL="2743200" indent="0">
-              <a:buNone/>
-              <a:defRPr sz="1000"/>
-            </a:lvl7pPr>
-            <a:lvl8pPr marL="3200400" indent="0">
-              <a:buNone/>
-              <a:defRPr sz="1000"/>
-            </a:lvl8pPr>
-            <a:lvl9pPr marL="3657600" indent="0">
-              <a:buNone/>
-              <a:defRPr sz="1000"/>
-            </a:lvl9pPr>
-          </a:lstStyle>
-          <a:p>
-            <a:pPr lvl="0"/>
-            <a:r>
-              <a:rPr lang="hu-HU"/>
-              <a:t>Mintaszöveg szerkesztése</a:t>
-            </a:r>
-          </a:p>
-        </p:txBody>
-      </p:sp>
-      <p:sp>
-        <p:nvSpPr>
-          <p:cNvPr id="5" name="Date Placeholder 4"/>
-          <p:cNvSpPr>
-            <a:spLocks noGrp="1"/>
-          </p:cNvSpPr>
-          <p:nvPr>
-            <p:ph type="dt" sz="half" idx="10"/>
-          </p:nvPr>
-        </p:nvSpPr>
-        <p:spPr/>
-        <p:txBody>
-          <a:bodyPr/>
-          <a:lstStyle/>
-          <a:p>
-            <a:fld id="{7A9F1192-88F1-4A84-B1DE-40B39580FAB6}" type="datetimeFigureOut">
-              <a:rPr lang="hu-HU" smtClean="0"/>
-              <a:t>2025. 12. 14.</a:t>
-            </a:fld>
-            <a:endParaRPr lang="hu-HU"/>
-          </a:p>
-        </p:txBody>
-      </p:sp>
-      <p:sp>
-        <p:nvSpPr>
-          <p:cNvPr id="6" name="Footer Placeholder 5"/>
-          <p:cNvSpPr>
-            <a:spLocks noGrp="1"/>
-          </p:cNvSpPr>
-          <p:nvPr>
-            <p:ph type="ftr" sz="quarter" idx="11"/>
-          </p:nvPr>
-        </p:nvSpPr>
-        <p:spPr/>
-        <p:txBody>
-          <a:bodyPr/>
-          <a:lstStyle/>
-          <a:p>
-            <a:endParaRPr lang="hu-HU"/>
-          </a:p>
-        </p:txBody>
-      </p:sp>
-      <p:sp>
-        <p:nvSpPr>
-          <p:cNvPr id="7" name="Slide Number Placeholder 6"/>
-          <p:cNvSpPr>
-            <a:spLocks noGrp="1"/>
-          </p:cNvSpPr>
-          <p:nvPr>
-            <p:ph type="sldNum" sz="quarter" idx="12"/>
-          </p:nvPr>
-        </p:nvSpPr>
-        <p:spPr/>
-        <p:txBody>
-          <a:bodyPr/>
-          <a:lstStyle/>
-          <a:p>
-            <a:fld id="{C63FCEA0-4108-497B-AA09-3DC0A5DF65C5}" type="slidenum">
-              <a:rPr lang="hu-HU" smtClean="0"/>
-              <a:t>‹#›</a:t>
-            </a:fld>
-            <a:endParaRPr lang="hu-HU"/>
-          </a:p>
-        </p:txBody>
-      </p:sp>
-    </p:spTree>
-    <p:extLst>
-      <p:ext uri="{BB962C8B-B14F-4D97-AF65-F5344CB8AC3E}">
-        <p14:creationId xmlns:p14="http://schemas.microsoft.com/office/powerpoint/2010/main" val="1307880743"/>
-      </p:ext>
-    </p:extLst>
-  </p:cSld>
-  <p:clrMapOvr>
-    <a:masterClrMapping/>
-  </p:clrMapOvr>
-</p:sldLayout>
-</file>
-
-<file path=ppt/slideLayouts/slideLayout11.xml><?xml version="1.0" encoding="utf-8"?>
-<p:sldLayout xmlns:a="http://schemas.openxmlformats.org/drawingml/2006/main" xmlns:r="http://schemas.openxmlformats.org/officeDocument/2006/relationships" xmlns:p="http://schemas.openxmlformats.org/presentationml/2006/main" showMasterSp="0" preserve="1">
   <p:cSld name="Cím és képaláírás">
     <p:spTree>
       <p:nvGrpSpPr>
@@ -630,122 +922,151 @@
           <a:chExt cx="0" cy="0"/>
         </a:xfrm>
       </p:grpSpPr>
-      <p:pic>
-        <p:nvPicPr>
-          <p:cNvPr id="8" name="Picture 7" descr="C0-HD-BTM.png"/>
-          <p:cNvPicPr>
-            <a:picLocks noChangeAspect="1"/>
-          </p:cNvPicPr>
-          <p:nvPr/>
-        </p:nvPicPr>
-        <p:blipFill>
-          <a:blip r:embed="rId2">
-            <a:extLst>
-              <a:ext uri="{28A0092B-C50C-407E-A947-70E740481C1C}">
-                <a14:useLocalDpi xmlns:a14="http://schemas.microsoft.com/office/drawing/2010/main" val="0"/>
-              </a:ext>
-            </a:extLst>
-          </a:blip>
-          <a:stretch>
-            <a:fillRect/>
-          </a:stretch>
-        </p:blipFill>
+      <p:sp>
+        <p:nvSpPr>
+          <p:cNvPr id="2" name="Title 1"/>
+          <p:cNvSpPr>
+            <a:spLocks noGrp="1"/>
+          </p:cNvSpPr>
+          <p:nvPr>
+            <p:ph type="title"/>
+          </p:nvPr>
+        </p:nvSpPr>
         <p:spPr>
           <a:xfrm>
-            <a:off x="0" y="4375150"/>
-            <a:ext cx="12192000" cy="2482850"/>
+            <a:off x="677335" y="609600"/>
+            <a:ext cx="8596668" cy="3403600"/>
           </a:xfrm>
-          <a:prstGeom prst="rect">
-            <a:avLst/>
-          </a:prstGeom>
         </p:spPr>
-      </p:pic>
-      <p:sp>
-        <p:nvSpPr>
-          <p:cNvPr id="2" name="Title 1"/>
-          <p:cNvSpPr>
-            <a:spLocks noGrp="1"/>
-          </p:cNvSpPr>
-          <p:nvPr>
-            <p:ph type="title"/>
+        <p:txBody>
+          <a:bodyPr anchor="ctr">
+            <a:normAutofit/>
+          </a:bodyPr>
+          <a:lstStyle>
+            <a:lvl1pPr algn="l">
+              <a:defRPr sz="4400" b="0" cap="none"/>
+            </a:lvl1pPr>
+          </a:lstStyle>
+          <a:p>
+            <a:r>
+              <a:rPr lang="hu-HU"/>
+              <a:t>Mintacím szerkesztése</a:t>
+            </a:r>
+            <a:endParaRPr lang="en-US" dirty="0"/>
+          </a:p>
+        </p:txBody>
+      </p:sp>
+      <p:sp>
+        <p:nvSpPr>
+          <p:cNvPr id="3" name="Text Placeholder 2"/>
+          <p:cNvSpPr>
+            <a:spLocks noGrp="1"/>
+          </p:cNvSpPr>
+          <p:nvPr>
+            <p:ph type="body" idx="1"/>
           </p:nvPr>
         </p:nvSpPr>
         <p:spPr>
           <a:xfrm>
-            <a:off x="685800" y="753532"/>
-            <a:ext cx="10820400" cy="2802467"/>
+            <a:off x="677335" y="4470400"/>
+            <a:ext cx="8596668" cy="1570962"/>
           </a:xfrm>
         </p:spPr>
         <p:txBody>
-          <a:bodyPr anchor="ctr"/>
+          <a:bodyPr anchor="ctr">
+            <a:normAutofit/>
+          </a:bodyPr>
           <a:lstStyle>
-            <a:lvl1pPr algn="l">
-              <a:defRPr sz="3200"/>
-            </a:lvl1pPr>
-          </a:lstStyle>
-          <a:p>
-            <a:r>
-              <a:rPr lang="hu-HU"/>
-              <a:t>Mintacím szerkesztése</a:t>
-            </a:r>
-            <a:endParaRPr lang="en-US" dirty="0"/>
-          </a:p>
-        </p:txBody>
-      </p:sp>
-      <p:sp>
-        <p:nvSpPr>
-          <p:cNvPr id="4" name="Text Placeholder 3"/>
-          <p:cNvSpPr>
-            <a:spLocks noGrp="1"/>
-          </p:cNvSpPr>
-          <p:nvPr>
-            <p:ph type="body" sz="half" idx="2"/>
-          </p:nvPr>
-        </p:nvSpPr>
-        <p:spPr>
-          <a:xfrm>
-            <a:off x="1024467" y="3649133"/>
-            <a:ext cx="10130516" cy="999067"/>
-          </a:xfrm>
-        </p:spPr>
-        <p:txBody>
-          <a:bodyPr anchor="ctr"/>
-          <a:lstStyle>
-            <a:lvl1pPr marL="0" indent="0">
-              <a:buNone/>
-              <a:defRPr sz="1600"/>
+            <a:lvl1pPr marL="0" indent="0" algn="l">
+              <a:buNone/>
+              <a:defRPr sz="1800">
+                <a:solidFill>
+                  <a:schemeClr val="tx1">
+                    <a:lumMod val="75000"/>
+                    <a:lumOff val="25000"/>
+                  </a:schemeClr>
+                </a:solidFill>
+              </a:defRPr>
             </a:lvl1pPr>
             <a:lvl2pPr marL="457200" indent="0">
               <a:buNone/>
-              <a:defRPr sz="1400"/>
+              <a:defRPr sz="1800">
+                <a:solidFill>
+                  <a:schemeClr val="tx1">
+                    <a:tint val="75000"/>
+                  </a:schemeClr>
+                </a:solidFill>
+              </a:defRPr>
             </a:lvl2pPr>
             <a:lvl3pPr marL="914400" indent="0">
               <a:buNone/>
-              <a:defRPr sz="1200"/>
+              <a:defRPr sz="1600">
+                <a:solidFill>
+                  <a:schemeClr val="tx1">
+                    <a:tint val="75000"/>
+                  </a:schemeClr>
+                </a:solidFill>
+              </a:defRPr>
             </a:lvl3pPr>
             <a:lvl4pPr marL="1371600" indent="0">
               <a:buNone/>
-              <a:defRPr sz="1000"/>
+              <a:defRPr sz="1400">
+                <a:solidFill>
+                  <a:schemeClr val="tx1">
+                    <a:tint val="75000"/>
+                  </a:schemeClr>
+                </a:solidFill>
+              </a:defRPr>
             </a:lvl4pPr>
             <a:lvl5pPr marL="1828800" indent="0">
               <a:buNone/>
-              <a:defRPr sz="1000"/>
+              <a:defRPr sz="1400">
+                <a:solidFill>
+                  <a:schemeClr val="tx1">
+                    <a:tint val="75000"/>
+                  </a:schemeClr>
+                </a:solidFill>
+              </a:defRPr>
             </a:lvl5pPr>
             <a:lvl6pPr marL="2286000" indent="0">
               <a:buNone/>
-              <a:defRPr sz="1000"/>
+              <a:defRPr sz="1400">
+                <a:solidFill>
+                  <a:schemeClr val="tx1">
+                    <a:tint val="75000"/>
+                  </a:schemeClr>
+                </a:solidFill>
+              </a:defRPr>
             </a:lvl6pPr>
             <a:lvl7pPr marL="2743200" indent="0">
               <a:buNone/>
-              <a:defRPr sz="1000"/>
+              <a:defRPr sz="1400">
+                <a:solidFill>
+                  <a:schemeClr val="tx1">
+                    <a:tint val="75000"/>
+                  </a:schemeClr>
+                </a:solidFill>
+              </a:defRPr>
             </a:lvl7pPr>
             <a:lvl8pPr marL="3200400" indent="0">
               <a:buNone/>
-              <a:defRPr sz="1000"/>
+              <a:defRPr sz="1400">
+                <a:solidFill>
+                  <a:schemeClr val="tx1">
+                    <a:tint val="75000"/>
+                  </a:schemeClr>
+                </a:solidFill>
+              </a:defRPr>
             </a:lvl8pPr>
             <a:lvl9pPr marL="3657600" indent="0">
               <a:buNone/>
-              <a:defRPr sz="1000"/>
+              <a:defRPr sz="1400">
+                <a:solidFill>
+                  <a:schemeClr val="tx1">
+                    <a:tint val="75000"/>
+                  </a:schemeClr>
+                </a:solidFill>
+              </a:defRPr>
             </a:lvl9pPr>
           </a:lstStyle>
           <a:p>
@@ -759,7 +1080,7 @@
       </p:sp>
       <p:sp>
         <p:nvSpPr>
-          <p:cNvPr id="5" name="Date Placeholder 4"/>
+          <p:cNvPr id="4" name="Date Placeholder 3"/>
           <p:cNvSpPr>
             <a:spLocks noGrp="1"/>
           </p:cNvSpPr>
@@ -767,23 +1088,14 @@
             <p:ph type="dt" sz="half" idx="10"/>
           </p:nvPr>
         </p:nvSpPr>
-        <p:spPr>
-          <a:xfrm>
-            <a:off x="7814452" y="381000"/>
-            <a:ext cx="2910840" cy="365125"/>
-          </a:xfrm>
-        </p:spPr>
-        <p:txBody>
-          <a:bodyPr/>
-          <a:lstStyle>
-            <a:lvl1pPr algn="r">
-              <a:defRPr/>
-            </a:lvl1pPr>
-          </a:lstStyle>
+        <p:spPr/>
+        <p:txBody>
+          <a:bodyPr/>
+          <a:lstStyle/>
           <a:p>
             <a:fld id="{7A9F1192-88F1-4A84-B1DE-40B39580FAB6}" type="datetimeFigureOut">
               <a:rPr lang="hu-HU" smtClean="0"/>
-              <a:t>2025. 12. 14.</a:t>
+              <a:t>2025. 12. 15.</a:t>
             </a:fld>
             <a:endParaRPr lang="hu-HU"/>
           </a:p>
@@ -791,7 +1103,7 @@
       </p:sp>
       <p:sp>
         <p:nvSpPr>
-          <p:cNvPr id="6" name="Footer Placeholder 5"/>
+          <p:cNvPr id="5" name="Footer Placeholder 4"/>
           <p:cNvSpPr>
             <a:spLocks noGrp="1"/>
           </p:cNvSpPr>
@@ -799,12 +1111,7 @@
             <p:ph type="ftr" sz="quarter" idx="11"/>
           </p:nvPr>
         </p:nvSpPr>
-        <p:spPr>
-          <a:xfrm>
-            <a:off x="685800" y="379941"/>
-            <a:ext cx="6991492" cy="365125"/>
-          </a:xfrm>
-        </p:spPr>
+        <p:spPr/>
         <p:txBody>
           <a:bodyPr/>
           <a:lstStyle/>
@@ -815,7 +1122,7 @@
       </p:sp>
       <p:sp>
         <p:nvSpPr>
-          <p:cNvPr id="7" name="Slide Number Placeholder 6"/>
+          <p:cNvPr id="6" name="Slide Number Placeholder 5"/>
           <p:cNvSpPr>
             <a:spLocks noGrp="1"/>
           </p:cNvSpPr>
@@ -823,12 +1130,7 @@
             <p:ph type="sldNum" sz="quarter" idx="12"/>
           </p:nvPr>
         </p:nvSpPr>
-        <p:spPr>
-          <a:xfrm>
-            <a:off x="10862452" y="381000"/>
-            <a:ext cx="643748" cy="365125"/>
-          </a:xfrm>
-        </p:spPr>
+        <p:spPr/>
         <p:txBody>
           <a:bodyPr/>
           <a:lstStyle/>
@@ -844,7 +1146,7 @@
     </p:spTree>
     <p:extLst>
       <p:ext uri="{BB962C8B-B14F-4D97-AF65-F5344CB8AC3E}">
-        <p14:creationId xmlns:p14="http://schemas.microsoft.com/office/powerpoint/2010/main" val="428692097"/>
+        <p14:creationId xmlns:p14="http://schemas.microsoft.com/office/powerpoint/2010/main" val="1954415391"/>
       </p:ext>
     </p:extLst>
   </p:cSld>
@@ -854,8 +1156,8 @@
 </p:sldLayout>
 </file>
 
-<file path=ppt/slideLayouts/slideLayout12.xml><?xml version="1.0" encoding="utf-8"?>
-<p:sldLayout xmlns:a="http://schemas.openxmlformats.org/drawingml/2006/main" xmlns:r="http://schemas.openxmlformats.org/officeDocument/2006/relationships" xmlns:p="http://schemas.openxmlformats.org/presentationml/2006/main" showMasterSp="0" preserve="1">
+<file path=ppt/slideLayouts/slideLayout11.xml><?xml version="1.0" encoding="utf-8"?>
+<p:sldLayout xmlns:a="http://schemas.openxmlformats.org/drawingml/2006/main" xmlns:r="http://schemas.openxmlformats.org/officeDocument/2006/relationships" xmlns:p="http://schemas.openxmlformats.org/presentationml/2006/main" preserve="1">
   <p:cSld name="Idézet képaláírással">
     <p:spTree>
       <p:nvGrpSpPr>
@@ -871,149 +1173,20 @@
           <a:chExt cx="0" cy="0"/>
         </a:xfrm>
       </p:grpSpPr>
-      <p:pic>
-        <p:nvPicPr>
-          <p:cNvPr id="13" name="Picture 12" descr="C0-HD-BTM.png"/>
-          <p:cNvPicPr>
-            <a:picLocks noChangeAspect="1"/>
-          </p:cNvPicPr>
-          <p:nvPr/>
-        </p:nvPicPr>
-        <p:blipFill>
-          <a:blip r:embed="rId2">
-            <a:extLst>
-              <a:ext uri="{28A0092B-C50C-407E-A947-70E740481C1C}">
-                <a14:useLocalDpi xmlns:a14="http://schemas.microsoft.com/office/drawing/2010/main" val="0"/>
-              </a:ext>
-            </a:extLst>
-          </a:blip>
-          <a:stretch>
-            <a:fillRect/>
-          </a:stretch>
-        </p:blipFill>
+      <p:sp>
+        <p:nvSpPr>
+          <p:cNvPr id="2" name="Title 1"/>
+          <p:cNvSpPr>
+            <a:spLocks noGrp="1"/>
+          </p:cNvSpPr>
+          <p:nvPr>
+            <p:ph type="title"/>
+          </p:nvPr>
+        </p:nvSpPr>
         <p:spPr>
           <a:xfrm>
-            <a:off x="0" y="4375150"/>
-            <a:ext cx="12192000" cy="2482850"/>
-          </a:xfrm>
-          <a:prstGeom prst="rect">
-            <a:avLst/>
-          </a:prstGeom>
-        </p:spPr>
-      </p:pic>
-      <p:sp>
-        <p:nvSpPr>
-          <p:cNvPr id="2" name="Title 1"/>
-          <p:cNvSpPr>
-            <a:spLocks noGrp="1"/>
-          </p:cNvSpPr>
-          <p:nvPr>
-            <p:ph type="title"/>
-          </p:nvPr>
-        </p:nvSpPr>
-        <p:spPr>
-          <a:xfrm>
-            <a:off x="1024467" y="753533"/>
-            <a:ext cx="10151533" cy="2604495"/>
-          </a:xfrm>
-        </p:spPr>
-        <p:txBody>
-          <a:bodyPr anchor="ctr"/>
-          <a:lstStyle>
-            <a:lvl1pPr algn="l">
-              <a:defRPr sz="3200"/>
-            </a:lvl1pPr>
-          </a:lstStyle>
-          <a:p>
-            <a:r>
-              <a:rPr lang="hu-HU"/>
-              <a:t>Mintacím szerkesztése</a:t>
-            </a:r>
-            <a:endParaRPr lang="en-US" dirty="0"/>
-          </a:p>
-        </p:txBody>
-      </p:sp>
-      <p:sp>
-        <p:nvSpPr>
-          <p:cNvPr id="12" name="Text Placeholder 3"/>
-          <p:cNvSpPr>
-            <a:spLocks noGrp="1"/>
-          </p:cNvSpPr>
-          <p:nvPr>
-            <p:ph type="body" sz="half" idx="13"/>
-          </p:nvPr>
-        </p:nvSpPr>
-        <p:spPr>
-          <a:xfrm>
-            <a:off x="1303865" y="3365556"/>
-            <a:ext cx="9592736" cy="444443"/>
-          </a:xfrm>
-        </p:spPr>
-        <p:txBody>
-          <a:bodyPr anchor="t">
-            <a:normAutofit/>
-          </a:bodyPr>
-          <a:lstStyle>
-            <a:lvl1pPr marL="0" indent="0">
-              <a:buNone/>
-              <a:defRPr sz="1400"/>
-            </a:lvl1pPr>
-            <a:lvl2pPr marL="457200" indent="0">
-              <a:buNone/>
-              <a:defRPr sz="1400"/>
-            </a:lvl2pPr>
-            <a:lvl3pPr marL="914400" indent="0">
-              <a:buNone/>
-              <a:defRPr sz="1200"/>
-            </a:lvl3pPr>
-            <a:lvl4pPr marL="1371600" indent="0">
-              <a:buNone/>
-              <a:defRPr sz="1000"/>
-            </a:lvl4pPr>
-            <a:lvl5pPr marL="1828800" indent="0">
-              <a:buNone/>
-              <a:defRPr sz="1000"/>
-            </a:lvl5pPr>
-            <a:lvl6pPr marL="2286000" indent="0">
-              <a:buNone/>
-              <a:defRPr sz="1000"/>
-            </a:lvl6pPr>
-            <a:lvl7pPr marL="2743200" indent="0">
-              <a:buNone/>
-              <a:defRPr sz="1000"/>
-            </a:lvl7pPr>
-            <a:lvl8pPr marL="3200400" indent="0">
-              <a:buNone/>
-              <a:defRPr sz="1000"/>
-            </a:lvl8pPr>
-            <a:lvl9pPr marL="3657600" indent="0">
-              <a:buNone/>
-              <a:defRPr sz="1000"/>
-            </a:lvl9pPr>
-          </a:lstStyle>
-          <a:p>
-            <a:pPr lvl="0"/>
-            <a:r>
-              <a:rPr lang="hu-HU"/>
-              <a:t>Mintaszöveg szerkesztése</a:t>
-            </a:r>
-          </a:p>
-        </p:txBody>
-      </p:sp>
-      <p:sp>
-        <p:nvSpPr>
-          <p:cNvPr id="4" name="Text Placeholder 3"/>
-          <p:cNvSpPr>
-            <a:spLocks noGrp="1"/>
-          </p:cNvSpPr>
-          <p:nvPr>
-            <p:ph type="body" sz="half" idx="2"/>
-          </p:nvPr>
-        </p:nvSpPr>
-        <p:spPr>
-          <a:xfrm>
-            <a:off x="1024467" y="3959862"/>
-            <a:ext cx="10151533" cy="679871"/>
+            <a:off x="931334" y="609600"/>
+            <a:ext cx="8094134" cy="3022600"/>
           </a:xfrm>
         </p:spPr>
         <p:txBody>
@@ -1021,41 +1194,193 @@
             <a:normAutofit/>
           </a:bodyPr>
           <a:lstStyle>
+            <a:lvl1pPr algn="l">
+              <a:defRPr sz="4400" b="0" cap="none"/>
+            </a:lvl1pPr>
+          </a:lstStyle>
+          <a:p>
+            <a:r>
+              <a:rPr lang="hu-HU"/>
+              <a:t>Mintacím szerkesztése</a:t>
+            </a:r>
+            <a:endParaRPr lang="en-US" dirty="0"/>
+          </a:p>
+        </p:txBody>
+      </p:sp>
+      <p:sp>
+        <p:nvSpPr>
+          <p:cNvPr id="23" name="Text Placeholder 9"/>
+          <p:cNvSpPr>
+            <a:spLocks noGrp="1"/>
+          </p:cNvSpPr>
+          <p:nvPr>
+            <p:ph type="body" sz="quarter" idx="13"/>
+          </p:nvPr>
+        </p:nvSpPr>
+        <p:spPr>
+          <a:xfrm>
+            <a:off x="1366139" y="3632200"/>
+            <a:ext cx="7224524" cy="381000"/>
+          </a:xfrm>
+        </p:spPr>
+        <p:txBody>
+          <a:bodyPr anchor="ctr">
+            <a:noAutofit/>
+          </a:bodyPr>
+          <a:lstStyle>
             <a:lvl1pPr marL="0" indent="0">
-              <a:buNone/>
-              <a:defRPr sz="1600"/>
+              <a:buFontTx/>
+              <a:buNone/>
+              <a:defRPr sz="1600">
+                <a:solidFill>
+                  <a:schemeClr val="tx1">
+                    <a:lumMod val="50000"/>
+                    <a:lumOff val="50000"/>
+                  </a:schemeClr>
+                </a:solidFill>
+              </a:defRPr>
             </a:lvl1pPr>
             <a:lvl2pPr marL="457200" indent="0">
-              <a:buNone/>
-              <a:defRPr sz="1400"/>
+              <a:buFontTx/>
+              <a:buNone/>
+              <a:defRPr/>
             </a:lvl2pPr>
             <a:lvl3pPr marL="914400" indent="0">
-              <a:buNone/>
-              <a:defRPr sz="1200"/>
+              <a:buFontTx/>
+              <a:buNone/>
+              <a:defRPr/>
             </a:lvl3pPr>
             <a:lvl4pPr marL="1371600" indent="0">
-              <a:buNone/>
-              <a:defRPr sz="1000"/>
+              <a:buFontTx/>
+              <a:buNone/>
+              <a:defRPr/>
             </a:lvl4pPr>
             <a:lvl5pPr marL="1828800" indent="0">
-              <a:buNone/>
-              <a:defRPr sz="1000"/>
+              <a:buFontTx/>
+              <a:buNone/>
+              <a:defRPr/>
+            </a:lvl5pPr>
+          </a:lstStyle>
+          <a:p>
+            <a:pPr lvl="0"/>
+            <a:r>
+              <a:rPr lang="hu-HU"/>
+              <a:t>Mintaszöveg szerkesztése</a:t>
+            </a:r>
+          </a:p>
+        </p:txBody>
+      </p:sp>
+      <p:sp>
+        <p:nvSpPr>
+          <p:cNvPr id="3" name="Text Placeholder 2"/>
+          <p:cNvSpPr>
+            <a:spLocks noGrp="1"/>
+          </p:cNvSpPr>
+          <p:nvPr>
+            <p:ph type="body" idx="1"/>
+          </p:nvPr>
+        </p:nvSpPr>
+        <p:spPr>
+          <a:xfrm>
+            <a:off x="677335" y="4470400"/>
+            <a:ext cx="8596668" cy="1570962"/>
+          </a:xfrm>
+        </p:spPr>
+        <p:txBody>
+          <a:bodyPr anchor="ctr">
+            <a:normAutofit/>
+          </a:bodyPr>
+          <a:lstStyle>
+            <a:lvl1pPr marL="0" indent="0" algn="l">
+              <a:buNone/>
+              <a:defRPr sz="1800">
+                <a:solidFill>
+                  <a:schemeClr val="tx1">
+                    <a:lumMod val="75000"/>
+                    <a:lumOff val="25000"/>
+                  </a:schemeClr>
+                </a:solidFill>
+              </a:defRPr>
+            </a:lvl1pPr>
+            <a:lvl2pPr marL="457200" indent="0">
+              <a:buNone/>
+              <a:defRPr sz="1800">
+                <a:solidFill>
+                  <a:schemeClr val="tx1">
+                    <a:tint val="75000"/>
+                  </a:schemeClr>
+                </a:solidFill>
+              </a:defRPr>
+            </a:lvl2pPr>
+            <a:lvl3pPr marL="914400" indent="0">
+              <a:buNone/>
+              <a:defRPr sz="1600">
+                <a:solidFill>
+                  <a:schemeClr val="tx1">
+                    <a:tint val="75000"/>
+                  </a:schemeClr>
+                </a:solidFill>
+              </a:defRPr>
+            </a:lvl3pPr>
+            <a:lvl4pPr marL="1371600" indent="0">
+              <a:buNone/>
+              <a:defRPr sz="1400">
+                <a:solidFill>
+                  <a:schemeClr val="tx1">
+                    <a:tint val="75000"/>
+                  </a:schemeClr>
+                </a:solidFill>
+              </a:defRPr>
+            </a:lvl4pPr>
+            <a:lvl5pPr marL="1828800" indent="0">
+              <a:buNone/>
+              <a:defRPr sz="1400">
+                <a:solidFill>
+                  <a:schemeClr val="tx1">
+                    <a:tint val="75000"/>
+                  </a:schemeClr>
+                </a:solidFill>
+              </a:defRPr>
             </a:lvl5pPr>
             <a:lvl6pPr marL="2286000" indent="0">
               <a:buNone/>
-              <a:defRPr sz="1000"/>
+              <a:defRPr sz="1400">
+                <a:solidFill>
+                  <a:schemeClr val="tx1">
+                    <a:tint val="75000"/>
+                  </a:schemeClr>
+                </a:solidFill>
+              </a:defRPr>
             </a:lvl6pPr>
             <a:lvl7pPr marL="2743200" indent="0">
               <a:buNone/>
-              <a:defRPr sz="1000"/>
+              <a:defRPr sz="1400">
+                <a:solidFill>
+                  <a:schemeClr val="tx1">
+                    <a:tint val="75000"/>
+                  </a:schemeClr>
+                </a:solidFill>
+              </a:defRPr>
             </a:lvl7pPr>
             <a:lvl8pPr marL="3200400" indent="0">
               <a:buNone/>
-              <a:defRPr sz="1000"/>
+              <a:defRPr sz="1400">
+                <a:solidFill>
+                  <a:schemeClr val="tx1">
+                    <a:tint val="75000"/>
+                  </a:schemeClr>
+                </a:solidFill>
+              </a:defRPr>
             </a:lvl8pPr>
             <a:lvl9pPr marL="3657600" indent="0">
               <a:buNone/>
-              <a:defRPr sz="1000"/>
+              <a:defRPr sz="1400">
+                <a:solidFill>
+                  <a:schemeClr val="tx1">
+                    <a:tint val="75000"/>
+                  </a:schemeClr>
+                </a:solidFill>
+              </a:defRPr>
             </a:lvl9pPr>
           </a:lstStyle>
           <a:p>
@@ -1069,7 +1394,7 @@
       </p:sp>
       <p:sp>
         <p:nvSpPr>
-          <p:cNvPr id="5" name="Date Placeholder 4"/>
+          <p:cNvPr id="4" name="Date Placeholder 3"/>
           <p:cNvSpPr>
             <a:spLocks noGrp="1"/>
           </p:cNvSpPr>
@@ -1077,23 +1402,14 @@
             <p:ph type="dt" sz="half" idx="10"/>
           </p:nvPr>
         </p:nvSpPr>
-        <p:spPr>
-          <a:xfrm>
-            <a:off x="7814452" y="381000"/>
-            <a:ext cx="2910840" cy="365125"/>
-          </a:xfrm>
-        </p:spPr>
-        <p:txBody>
-          <a:bodyPr/>
-          <a:lstStyle>
-            <a:lvl1pPr algn="r">
-              <a:defRPr/>
-            </a:lvl1pPr>
-          </a:lstStyle>
+        <p:spPr/>
+        <p:txBody>
+          <a:bodyPr/>
+          <a:lstStyle/>
           <a:p>
             <a:fld id="{7A9F1192-88F1-4A84-B1DE-40B39580FAB6}" type="datetimeFigureOut">
               <a:rPr lang="hu-HU" smtClean="0"/>
-              <a:t>2025. 12. 14.</a:t>
+              <a:t>2025. 12. 15.</a:t>
             </a:fld>
             <a:endParaRPr lang="hu-HU"/>
           </a:p>
@@ -1101,7 +1417,7 @@
       </p:sp>
       <p:sp>
         <p:nvSpPr>
-          <p:cNvPr id="6" name="Footer Placeholder 5"/>
+          <p:cNvPr id="5" name="Footer Placeholder 4"/>
           <p:cNvSpPr>
             <a:spLocks noGrp="1"/>
           </p:cNvSpPr>
@@ -1109,12 +1425,7 @@
             <p:ph type="ftr" sz="quarter" idx="11"/>
           </p:nvPr>
         </p:nvSpPr>
-        <p:spPr>
-          <a:xfrm>
-            <a:off x="685800" y="379941"/>
-            <a:ext cx="6991492" cy="365125"/>
-          </a:xfrm>
-        </p:spPr>
+        <p:spPr/>
         <p:txBody>
           <a:bodyPr/>
           <a:lstStyle/>
@@ -1125,7 +1436,7 @@
       </p:sp>
       <p:sp>
         <p:nvSpPr>
-          <p:cNvPr id="7" name="Slide Number Placeholder 6"/>
+          <p:cNvPr id="6" name="Slide Number Placeholder 5"/>
           <p:cNvSpPr>
             <a:spLocks noGrp="1"/>
           </p:cNvSpPr>
@@ -1133,12 +1444,7 @@
             <p:ph type="sldNum" sz="quarter" idx="12"/>
           </p:nvPr>
         </p:nvSpPr>
-        <p:spPr>
-          <a:xfrm>
-            <a:off x="10862452" y="381000"/>
-            <a:ext cx="643748" cy="365125"/>
-          </a:xfrm>
-        </p:spPr>
+        <p:spPr/>
         <p:txBody>
           <a:bodyPr/>
           <a:lstStyle/>
@@ -1153,13 +1459,13 @@
       </p:sp>
       <p:sp>
         <p:nvSpPr>
-          <p:cNvPr id="9" name="TextBox 8"/>
+          <p:cNvPr id="20" name="TextBox 19"/>
           <p:cNvSpPr txBox="1"/>
           <p:nvPr/>
         </p:nvSpPr>
         <p:spPr>
           <a:xfrm>
-            <a:off x="476250" y="933450"/>
+            <a:off x="541870" y="790378"/>
             <a:ext cx="609600" cy="584776"/>
           </a:xfrm>
           <a:prstGeom prst="rect">
@@ -1170,97 +1476,19 @@
           <a:bodyPr vert="horz" lIns="91440" tIns="45720" rIns="91440" bIns="45720" rtlCol="0" anchor="ctr">
             <a:noAutofit/>
           </a:bodyPr>
-          <a:lstStyle>
-            <a:lvl1pPr>
-              <a:spcBef>
-                <a:spcPct val="0"/>
-              </a:spcBef>
-              <a:buNone/>
-              <a:defRPr sz="3200" b="0" cap="all">
+          <a:lstStyle/>
+          <a:p>
+            <a:pPr lvl="0"/>
+            <a:r>
+              <a:rPr lang="en-US" sz="8000" baseline="0" dirty="0">
                 <a:ln w="3175" cmpd="sng">
                   <a:noFill/>
                 </a:ln>
-                <a:effectLst>
-                  <a:glow rad="38100">
-                    <a:schemeClr val="bg1">
-                      <a:lumMod val="65000"/>
-                      <a:lumOff val="35000"/>
-                      <a:alpha val="40000"/>
-                    </a:schemeClr>
-                  </a:glow>
-                  <a:outerShdw blurRad="28575" dist="38100" dir="14040000" algn="tl" rotWithShape="0">
-                    <a:srgbClr val="000000">
-                      <a:alpha val="25000"/>
-                    </a:srgbClr>
-                  </a:outerShdw>
-                </a:effectLst>
-              </a:defRPr>
-            </a:lvl1pPr>
-            <a:lvl2pPr>
-              <a:defRPr>
-                <a:solidFill>
-                  <a:schemeClr val="tx2"/>
-                </a:solidFill>
-              </a:defRPr>
-            </a:lvl2pPr>
-            <a:lvl3pPr>
-              <a:defRPr>
-                <a:solidFill>
-                  <a:schemeClr val="tx2"/>
-                </a:solidFill>
-              </a:defRPr>
-            </a:lvl3pPr>
-            <a:lvl4pPr>
-              <a:defRPr>
-                <a:solidFill>
-                  <a:schemeClr val="tx2"/>
-                </a:solidFill>
-              </a:defRPr>
-            </a:lvl4pPr>
-            <a:lvl5pPr>
-              <a:defRPr>
-                <a:solidFill>
-                  <a:schemeClr val="tx2"/>
-                </a:solidFill>
-              </a:defRPr>
-            </a:lvl5pPr>
-            <a:lvl6pPr>
-              <a:defRPr>
-                <a:solidFill>
-                  <a:schemeClr val="tx2"/>
-                </a:solidFill>
-              </a:defRPr>
-            </a:lvl6pPr>
-            <a:lvl7pPr>
-              <a:defRPr>
-                <a:solidFill>
-                  <a:schemeClr val="tx2"/>
-                </a:solidFill>
-              </a:defRPr>
-            </a:lvl7pPr>
-            <a:lvl8pPr>
-              <a:defRPr>
-                <a:solidFill>
-                  <a:schemeClr val="tx2"/>
-                </a:solidFill>
-              </a:defRPr>
-            </a:lvl8pPr>
-            <a:lvl9pPr>
-              <a:defRPr>
-                <a:solidFill>
-                  <a:schemeClr val="tx2"/>
-                </a:solidFill>
-              </a:defRPr>
-            </a:lvl9pPr>
-          </a:lstStyle>
-          <a:p>
-            <a:pPr lvl="0"/>
-            <a:r>
-              <a:rPr lang="en-US" sz="8000" dirty="0">
-                <a:solidFill>
-                  <a:schemeClr val="tx1"/>
+                <a:solidFill>
+                  <a:schemeClr val="accent1"/>
                 </a:solidFill>
                 <a:effectLst/>
+                <a:latin typeface="Arial"/>
               </a:rPr>
               <a:t>“</a:t>
             </a:r>
@@ -1269,13 +1497,13 @@
       </p:sp>
       <p:sp>
         <p:nvSpPr>
-          <p:cNvPr id="10" name="TextBox 9"/>
+          <p:cNvPr id="22" name="TextBox 21"/>
           <p:cNvSpPr txBox="1"/>
           <p:nvPr/>
         </p:nvSpPr>
         <p:spPr>
           <a:xfrm>
-            <a:off x="10984230" y="2701290"/>
+            <a:off x="8893011" y="2886556"/>
             <a:ext cx="609600" cy="584776"/>
           </a:xfrm>
           <a:prstGeom prst="rect">
@@ -1286,97 +1514,19 @@
           <a:bodyPr vert="horz" lIns="91440" tIns="45720" rIns="91440" bIns="45720" rtlCol="0" anchor="ctr">
             <a:noAutofit/>
           </a:bodyPr>
-          <a:lstStyle>
-            <a:lvl1pPr>
-              <a:spcBef>
-                <a:spcPct val="0"/>
-              </a:spcBef>
-              <a:buNone/>
-              <a:defRPr sz="3200" b="0" cap="all">
+          <a:lstStyle/>
+          <a:p>
+            <a:pPr lvl="0"/>
+            <a:r>
+              <a:rPr lang="en-US" sz="8000" baseline="0" dirty="0">
                 <a:ln w="3175" cmpd="sng">
                   <a:noFill/>
                 </a:ln>
-                <a:effectLst>
-                  <a:glow rad="38100">
-                    <a:schemeClr val="bg1">
-                      <a:lumMod val="65000"/>
-                      <a:lumOff val="35000"/>
-                      <a:alpha val="40000"/>
-                    </a:schemeClr>
-                  </a:glow>
-                  <a:outerShdw blurRad="28575" dist="38100" dir="14040000" algn="tl" rotWithShape="0">
-                    <a:srgbClr val="000000">
-                      <a:alpha val="25000"/>
-                    </a:srgbClr>
-                  </a:outerShdw>
-                </a:effectLst>
-              </a:defRPr>
-            </a:lvl1pPr>
-            <a:lvl2pPr>
-              <a:defRPr>
-                <a:solidFill>
-                  <a:schemeClr val="tx2"/>
-                </a:solidFill>
-              </a:defRPr>
-            </a:lvl2pPr>
-            <a:lvl3pPr>
-              <a:defRPr>
-                <a:solidFill>
-                  <a:schemeClr val="tx2"/>
-                </a:solidFill>
-              </a:defRPr>
-            </a:lvl3pPr>
-            <a:lvl4pPr>
-              <a:defRPr>
-                <a:solidFill>
-                  <a:schemeClr val="tx2"/>
-                </a:solidFill>
-              </a:defRPr>
-            </a:lvl4pPr>
-            <a:lvl5pPr>
-              <a:defRPr>
-                <a:solidFill>
-                  <a:schemeClr val="tx2"/>
-                </a:solidFill>
-              </a:defRPr>
-            </a:lvl5pPr>
-            <a:lvl6pPr>
-              <a:defRPr>
-                <a:solidFill>
-                  <a:schemeClr val="tx2"/>
-                </a:solidFill>
-              </a:defRPr>
-            </a:lvl6pPr>
-            <a:lvl7pPr>
-              <a:defRPr>
-                <a:solidFill>
-                  <a:schemeClr val="tx2"/>
-                </a:solidFill>
-              </a:defRPr>
-            </a:lvl7pPr>
-            <a:lvl8pPr>
-              <a:defRPr>
-                <a:solidFill>
-                  <a:schemeClr val="tx2"/>
-                </a:solidFill>
-              </a:defRPr>
-            </a:lvl8pPr>
-            <a:lvl9pPr>
-              <a:defRPr>
-                <a:solidFill>
-                  <a:schemeClr val="tx2"/>
-                </a:solidFill>
-              </a:defRPr>
-            </a:lvl9pPr>
-          </a:lstStyle>
-          <a:p>
-            <a:pPr lvl="0" algn="r"/>
-            <a:r>
-              <a:rPr lang="en-US" sz="8000" dirty="0">
-                <a:solidFill>
-                  <a:schemeClr val="tx1"/>
+                <a:solidFill>
+                  <a:schemeClr val="accent1"/>
                 </a:solidFill>
                 <a:effectLst/>
+                <a:latin typeface="Arial"/>
               </a:rPr>
               <a:t>”</a:t>
             </a:r>
@@ -1386,7 +1536,7 @@
     </p:spTree>
     <p:extLst>
       <p:ext uri="{BB962C8B-B14F-4D97-AF65-F5344CB8AC3E}">
-        <p14:creationId xmlns:p14="http://schemas.microsoft.com/office/powerpoint/2010/main" val="772754210"/>
+        <p14:creationId xmlns:p14="http://schemas.microsoft.com/office/powerpoint/2010/main" val="20573301"/>
       </p:ext>
     </p:extLst>
   </p:cSld>
@@ -1396,8 +1546,8 @@
 </p:sldLayout>
 </file>
 
-<file path=ppt/slideLayouts/slideLayout13.xml><?xml version="1.0" encoding="utf-8"?>
-<p:sldLayout xmlns:a="http://schemas.openxmlformats.org/drawingml/2006/main" xmlns:r="http://schemas.openxmlformats.org/officeDocument/2006/relationships" xmlns:p="http://schemas.openxmlformats.org/presentationml/2006/main" showMasterSp="0" preserve="1">
+<file path=ppt/slideLayouts/slideLayout12.xml><?xml version="1.0" encoding="utf-8"?>
+<p:sldLayout xmlns:a="http://schemas.openxmlformats.org/drawingml/2006/main" xmlns:r="http://schemas.openxmlformats.org/officeDocument/2006/relationships" xmlns:p="http://schemas.openxmlformats.org/presentationml/2006/main" preserve="1">
   <p:cSld name="Névkártya">
     <p:spTree>
       <p:nvGrpSpPr>
@@ -1413,122 +1563,151 @@
           <a:chExt cx="0" cy="0"/>
         </a:xfrm>
       </p:grpSpPr>
-      <p:pic>
-        <p:nvPicPr>
-          <p:cNvPr id="9" name="Picture 8" descr="C0-HD-BTM.png"/>
-          <p:cNvPicPr>
-            <a:picLocks noChangeAspect="1"/>
-          </p:cNvPicPr>
-          <p:nvPr/>
-        </p:nvPicPr>
-        <p:blipFill>
-          <a:blip r:embed="rId2">
-            <a:extLst>
-              <a:ext uri="{28A0092B-C50C-407E-A947-70E740481C1C}">
-                <a14:useLocalDpi xmlns:a14="http://schemas.microsoft.com/office/drawing/2010/main" val="0"/>
-              </a:ext>
-            </a:extLst>
-          </a:blip>
-          <a:stretch>
-            <a:fillRect/>
-          </a:stretch>
-        </p:blipFill>
+      <p:sp>
+        <p:nvSpPr>
+          <p:cNvPr id="2" name="Title 1"/>
+          <p:cNvSpPr>
+            <a:spLocks noGrp="1"/>
+          </p:cNvSpPr>
+          <p:nvPr>
+            <p:ph type="title"/>
+          </p:nvPr>
+        </p:nvSpPr>
         <p:spPr>
           <a:xfrm>
-            <a:off x="0" y="4375150"/>
-            <a:ext cx="12192000" cy="2482850"/>
+            <a:off x="677335" y="1931988"/>
+            <a:ext cx="8596668" cy="2595460"/>
           </a:xfrm>
-          <a:prstGeom prst="rect">
-            <a:avLst/>
-          </a:prstGeom>
         </p:spPr>
-      </p:pic>
-      <p:sp>
-        <p:nvSpPr>
-          <p:cNvPr id="2" name="Title 1"/>
-          <p:cNvSpPr>
-            <a:spLocks noGrp="1"/>
-          </p:cNvSpPr>
-          <p:nvPr>
-            <p:ph type="title"/>
+        <p:txBody>
+          <a:bodyPr anchor="b">
+            <a:normAutofit/>
+          </a:bodyPr>
+          <a:lstStyle>
+            <a:lvl1pPr algn="l">
+              <a:defRPr sz="4400" b="0" cap="none"/>
+            </a:lvl1pPr>
+          </a:lstStyle>
+          <a:p>
+            <a:r>
+              <a:rPr lang="hu-HU"/>
+              <a:t>Mintacím szerkesztése</a:t>
+            </a:r>
+            <a:endParaRPr lang="en-US" dirty="0"/>
+          </a:p>
+        </p:txBody>
+      </p:sp>
+      <p:sp>
+        <p:nvSpPr>
+          <p:cNvPr id="3" name="Text Placeholder 2"/>
+          <p:cNvSpPr>
+            <a:spLocks noGrp="1"/>
+          </p:cNvSpPr>
+          <p:nvPr>
+            <p:ph type="body" idx="1"/>
           </p:nvPr>
         </p:nvSpPr>
         <p:spPr>
           <a:xfrm>
-            <a:off x="1024495" y="1124701"/>
-            <a:ext cx="10146186" cy="2511835"/>
+            <a:off x="677335" y="4527448"/>
+            <a:ext cx="8596668" cy="1513914"/>
           </a:xfrm>
         </p:spPr>
         <p:txBody>
-          <a:bodyPr anchor="b"/>
+          <a:bodyPr anchor="t">
+            <a:normAutofit/>
+          </a:bodyPr>
           <a:lstStyle>
-            <a:lvl1pPr algn="l">
-              <a:defRPr sz="3200"/>
-            </a:lvl1pPr>
-          </a:lstStyle>
-          <a:p>
-            <a:r>
-              <a:rPr lang="hu-HU"/>
-              <a:t>Mintacím szerkesztése</a:t>
-            </a:r>
-            <a:endParaRPr lang="en-US" dirty="0"/>
-          </a:p>
-        </p:txBody>
-      </p:sp>
-      <p:sp>
-        <p:nvSpPr>
-          <p:cNvPr id="4" name="Text Placeholder 3"/>
-          <p:cNvSpPr>
-            <a:spLocks noGrp="1"/>
-          </p:cNvSpPr>
-          <p:nvPr>
-            <p:ph type="body" sz="half" idx="2"/>
-          </p:nvPr>
-        </p:nvSpPr>
-        <p:spPr>
-          <a:xfrm>
-            <a:off x="1024467" y="3648315"/>
-            <a:ext cx="10144654" cy="999885"/>
-          </a:xfrm>
-        </p:spPr>
-        <p:txBody>
-          <a:bodyPr anchor="t"/>
-          <a:lstStyle>
-            <a:lvl1pPr marL="0" indent="0">
-              <a:buNone/>
-              <a:defRPr sz="1600"/>
+            <a:lvl1pPr marL="0" indent="0" algn="l">
+              <a:buNone/>
+              <a:defRPr sz="1800">
+                <a:solidFill>
+                  <a:schemeClr val="tx1">
+                    <a:lumMod val="75000"/>
+                    <a:lumOff val="25000"/>
+                  </a:schemeClr>
+                </a:solidFill>
+              </a:defRPr>
             </a:lvl1pPr>
             <a:lvl2pPr marL="457200" indent="0">
               <a:buNone/>
-              <a:defRPr sz="1400"/>
+              <a:defRPr sz="1800">
+                <a:solidFill>
+                  <a:schemeClr val="tx1">
+                    <a:tint val="75000"/>
+                  </a:schemeClr>
+                </a:solidFill>
+              </a:defRPr>
             </a:lvl2pPr>
             <a:lvl3pPr marL="914400" indent="0">
               <a:buNone/>
-              <a:defRPr sz="1200"/>
+              <a:defRPr sz="1600">
+                <a:solidFill>
+                  <a:schemeClr val="tx1">
+                    <a:tint val="75000"/>
+                  </a:schemeClr>
+                </a:solidFill>
+              </a:defRPr>
             </a:lvl3pPr>
             <a:lvl4pPr marL="1371600" indent="0">
               <a:buNone/>
-              <a:defRPr sz="1000"/>
+              <a:defRPr sz="1400">
+                <a:solidFill>
+                  <a:schemeClr val="tx1">
+                    <a:tint val="75000"/>
+                  </a:schemeClr>
+                </a:solidFill>
+              </a:defRPr>
             </a:lvl4pPr>
             <a:lvl5pPr marL="1828800" indent="0">
               <a:buNone/>
-              <a:defRPr sz="1000"/>
+              <a:defRPr sz="1400">
+                <a:solidFill>
+                  <a:schemeClr val="tx1">
+                    <a:tint val="75000"/>
+                  </a:schemeClr>
+                </a:solidFill>
+              </a:defRPr>
             </a:lvl5pPr>
             <a:lvl6pPr marL="2286000" indent="0">
               <a:buNone/>
-              <a:defRPr sz="1000"/>
+              <a:defRPr sz="1400">
+                <a:solidFill>
+                  <a:schemeClr val="tx1">
+                    <a:tint val="75000"/>
+                  </a:schemeClr>
+                </a:solidFill>
+              </a:defRPr>
             </a:lvl6pPr>
             <a:lvl7pPr marL="2743200" indent="0">
               <a:buNone/>
-              <a:defRPr sz="1000"/>
+              <a:defRPr sz="1400">
+                <a:solidFill>
+                  <a:schemeClr val="tx1">
+                    <a:tint val="75000"/>
+                  </a:schemeClr>
+                </a:solidFill>
+              </a:defRPr>
             </a:lvl7pPr>
             <a:lvl8pPr marL="3200400" indent="0">
               <a:buNone/>
-              <a:defRPr sz="1000"/>
+              <a:defRPr sz="1400">
+                <a:solidFill>
+                  <a:schemeClr val="tx1">
+                    <a:tint val="75000"/>
+                  </a:schemeClr>
+                </a:solidFill>
+              </a:defRPr>
             </a:lvl8pPr>
             <a:lvl9pPr marL="3657600" indent="0">
               <a:buNone/>
-              <a:defRPr sz="1000"/>
+              <a:defRPr sz="1400">
+                <a:solidFill>
+                  <a:schemeClr val="tx1">
+                    <a:tint val="75000"/>
+                  </a:schemeClr>
+                </a:solidFill>
+              </a:defRPr>
             </a:lvl9pPr>
           </a:lstStyle>
           <a:p>
@@ -1542,7 +1721,7 @@
       </p:sp>
       <p:sp>
         <p:nvSpPr>
-          <p:cNvPr id="5" name="Date Placeholder 4"/>
+          <p:cNvPr id="4" name="Date Placeholder 3"/>
           <p:cNvSpPr>
             <a:spLocks noGrp="1"/>
           </p:cNvSpPr>
@@ -1550,23 +1729,14 @@
             <p:ph type="dt" sz="half" idx="10"/>
           </p:nvPr>
         </p:nvSpPr>
-        <p:spPr>
-          <a:xfrm>
-            <a:off x="7814452" y="378883"/>
-            <a:ext cx="2910840" cy="365125"/>
-          </a:xfrm>
-        </p:spPr>
-        <p:txBody>
-          <a:bodyPr/>
-          <a:lstStyle>
-            <a:lvl1pPr algn="r">
-              <a:defRPr/>
-            </a:lvl1pPr>
-          </a:lstStyle>
+        <p:spPr/>
+        <p:txBody>
+          <a:bodyPr/>
+          <a:lstStyle/>
           <a:p>
             <a:fld id="{7A9F1192-88F1-4A84-B1DE-40B39580FAB6}" type="datetimeFigureOut">
               <a:rPr lang="hu-HU" smtClean="0"/>
-              <a:t>2025. 12. 14.</a:t>
+              <a:t>2025. 12. 15.</a:t>
             </a:fld>
             <a:endParaRPr lang="hu-HU"/>
           </a:p>
@@ -1574,7 +1744,7 @@
       </p:sp>
       <p:sp>
         <p:nvSpPr>
-          <p:cNvPr id="6" name="Footer Placeholder 5"/>
+          <p:cNvPr id="5" name="Footer Placeholder 4"/>
           <p:cNvSpPr>
             <a:spLocks noGrp="1"/>
           </p:cNvSpPr>
@@ -1582,12 +1752,7 @@
             <p:ph type="ftr" sz="quarter" idx="11"/>
           </p:nvPr>
         </p:nvSpPr>
-        <p:spPr>
-          <a:xfrm>
-            <a:off x="685800" y="378883"/>
-            <a:ext cx="6991492" cy="365125"/>
-          </a:xfrm>
-        </p:spPr>
+        <p:spPr/>
         <p:txBody>
           <a:bodyPr/>
           <a:lstStyle/>
@@ -1598,7 +1763,7 @@
       </p:sp>
       <p:sp>
         <p:nvSpPr>
-          <p:cNvPr id="7" name="Slide Number Placeholder 6"/>
+          <p:cNvPr id="6" name="Slide Number Placeholder 5"/>
           <p:cNvSpPr>
             <a:spLocks noGrp="1"/>
           </p:cNvSpPr>
@@ -1606,12 +1771,7 @@
             <p:ph type="sldNum" sz="quarter" idx="12"/>
           </p:nvPr>
         </p:nvSpPr>
-        <p:spPr>
-          <a:xfrm>
-            <a:off x="10862452" y="381000"/>
-            <a:ext cx="643748" cy="365125"/>
-          </a:xfrm>
-        </p:spPr>
+        <p:spPr/>
         <p:txBody>
           <a:bodyPr/>
           <a:lstStyle/>
@@ -1627,7 +1787,7 @@
     </p:spTree>
     <p:extLst>
       <p:ext uri="{BB962C8B-B14F-4D97-AF65-F5344CB8AC3E}">
-        <p14:creationId xmlns:p14="http://schemas.microsoft.com/office/powerpoint/2010/main" val="891765747"/>
+        <p14:creationId xmlns:p14="http://schemas.microsoft.com/office/powerpoint/2010/main" val="690221170"/>
       </p:ext>
     </p:extLst>
   </p:cSld>
@@ -1637,9 +1797,9 @@
 </p:sldLayout>
 </file>
 
-<file path=ppt/slideLayouts/slideLayout14.xml><?xml version="1.0" encoding="utf-8"?>
+<file path=ppt/slideLayouts/slideLayout13.xml><?xml version="1.0" encoding="utf-8"?>
 <p:sldLayout xmlns:a="http://schemas.openxmlformats.org/drawingml/2006/main" xmlns:r="http://schemas.openxmlformats.org/officeDocument/2006/relationships" xmlns:p="http://schemas.openxmlformats.org/presentationml/2006/main" preserve="1">
-  <p:cSld name="3 hasáb">
+  <p:cSld name="Névkártya idézettel">
     <p:spTree>
       <p:nvGrpSpPr>
         <p:cNvPr id="1" name=""/>
@@ -1656,7 +1816,7 @@
       </p:grpSpPr>
       <p:sp>
         <p:nvSpPr>
-          <p:cNvPr id="15" name="Title 1"/>
+          <p:cNvPr id="2" name="Title 1"/>
           <p:cNvSpPr>
             <a:spLocks noGrp="1"/>
           </p:cNvSpPr>
@@ -1666,13 +1826,19 @@
         </p:nvSpPr>
         <p:spPr>
           <a:xfrm>
-            <a:off x="2895600" y="761999"/>
-            <a:ext cx="8610599" cy="1303867"/>
+            <a:off x="931334" y="609600"/>
+            <a:ext cx="8094134" cy="3022600"/>
           </a:xfrm>
         </p:spPr>
         <p:txBody>
-          <a:bodyPr/>
-          <a:lstStyle/>
+          <a:bodyPr anchor="ctr">
+            <a:normAutofit/>
+          </a:bodyPr>
+          <a:lstStyle>
+            <a:lvl1pPr algn="l">
+              <a:defRPr sz="4400" b="0" cap="none"/>
+            </a:lvl1pPr>
+          </a:lstStyle>
           <a:p>
             <a:r>
               <a:rPr lang="hu-HU"/>
@@ -1684,18 +1850,18 @@
       </p:sp>
       <p:sp>
         <p:nvSpPr>
-          <p:cNvPr id="7" name="Text Placeholder 2"/>
-          <p:cNvSpPr>
-            <a:spLocks noGrp="1"/>
-          </p:cNvSpPr>
-          <p:nvPr>
-            <p:ph type="body" idx="1"/>
+          <p:cNvPr id="23" name="Text Placeholder 9"/>
+          <p:cNvSpPr>
+            <a:spLocks noGrp="1"/>
+          </p:cNvSpPr>
+          <p:nvPr>
+            <p:ph type="body" sz="quarter" idx="13"/>
           </p:nvPr>
         </p:nvSpPr>
         <p:spPr>
           <a:xfrm>
-            <a:off x="685800" y="2202080"/>
-            <a:ext cx="3456432" cy="617320"/>
+            <a:off x="677332" y="4013200"/>
+            <a:ext cx="8596669" cy="514248"/>
           </a:xfrm>
         </p:spPr>
         <p:txBody>
@@ -1704,45 +1870,37 @@
           </a:bodyPr>
           <a:lstStyle>
             <a:lvl1pPr marL="0" indent="0">
-              <a:buNone/>
-              <a:defRPr sz="2400" b="0">
-                <a:solidFill>
-                  <a:schemeClr val="tx1"/>
+              <a:buFontTx/>
+              <a:buNone/>
+              <a:defRPr sz="2400">
+                <a:solidFill>
+                  <a:schemeClr val="tx1">
+                    <a:lumMod val="75000"/>
+                    <a:lumOff val="25000"/>
+                  </a:schemeClr>
                 </a:solidFill>
               </a:defRPr>
             </a:lvl1pPr>
             <a:lvl2pPr marL="457200" indent="0">
-              <a:buNone/>
-              <a:defRPr sz="2000" b="1"/>
+              <a:buFontTx/>
+              <a:buNone/>
+              <a:defRPr/>
             </a:lvl2pPr>
             <a:lvl3pPr marL="914400" indent="0">
-              <a:buNone/>
-              <a:defRPr sz="1800" b="1"/>
+              <a:buFontTx/>
+              <a:buNone/>
+              <a:defRPr/>
             </a:lvl3pPr>
             <a:lvl4pPr marL="1371600" indent="0">
-              <a:buNone/>
-              <a:defRPr sz="1600" b="1"/>
+              <a:buFontTx/>
+              <a:buNone/>
+              <a:defRPr/>
             </a:lvl4pPr>
             <a:lvl5pPr marL="1828800" indent="0">
-              <a:buNone/>
-              <a:defRPr sz="1600" b="1"/>
+              <a:buFontTx/>
+              <a:buNone/>
+              <a:defRPr/>
             </a:lvl5pPr>
-            <a:lvl6pPr marL="2286000" indent="0">
-              <a:buNone/>
-              <a:defRPr sz="1600" b="1"/>
-            </a:lvl6pPr>
-            <a:lvl7pPr marL="2743200" indent="0">
-              <a:buNone/>
-              <a:defRPr sz="1600" b="1"/>
-            </a:lvl7pPr>
-            <a:lvl8pPr marL="3200400" indent="0">
-              <a:buNone/>
-              <a:defRPr sz="1600" b="1"/>
-            </a:lvl8pPr>
-            <a:lvl9pPr marL="3657600" indent="0">
-              <a:buNone/>
-              <a:defRPr sz="1600" b="1"/>
-            </a:lvl9pPr>
           </a:lstStyle>
           <a:p>
             <a:pPr lvl="0"/>
@@ -1755,18 +1913,18 @@
       </p:sp>
       <p:sp>
         <p:nvSpPr>
-          <p:cNvPr id="8" name="Text Placeholder 3"/>
-          <p:cNvSpPr>
-            <a:spLocks noGrp="1"/>
-          </p:cNvSpPr>
-          <p:nvPr>
-            <p:ph type="body" sz="half" idx="15"/>
+          <p:cNvPr id="3" name="Text Placeholder 2"/>
+          <p:cNvSpPr>
+            <a:spLocks noGrp="1"/>
+          </p:cNvSpPr>
+          <p:nvPr>
+            <p:ph type="body" idx="1"/>
           </p:nvPr>
         </p:nvSpPr>
         <p:spPr>
           <a:xfrm>
-            <a:off x="685799" y="2904565"/>
-            <a:ext cx="3456432" cy="3314132"/>
+            <a:off x="677335" y="4527448"/>
+            <a:ext cx="8596668" cy="1513914"/>
           </a:xfrm>
         </p:spPr>
         <p:txBody>
@@ -1774,112 +1932,96 @@
             <a:normAutofit/>
           </a:bodyPr>
           <a:lstStyle>
-            <a:lvl1pPr marL="0" indent="0">
-              <a:buNone/>
-              <a:defRPr sz="1400"/>
-            </a:lvl1pPr>
-            <a:lvl2pPr marL="457200" indent="0">
-              <a:buNone/>
-              <a:defRPr sz="1200"/>
-            </a:lvl2pPr>
-            <a:lvl3pPr marL="914400" indent="0">
-              <a:buNone/>
-              <a:defRPr sz="1000"/>
-            </a:lvl3pPr>
-            <a:lvl4pPr marL="1371600" indent="0">
-              <a:buNone/>
-              <a:defRPr sz="900"/>
-            </a:lvl4pPr>
-            <a:lvl5pPr marL="1828800" indent="0">
-              <a:buNone/>
-              <a:defRPr sz="900"/>
-            </a:lvl5pPr>
-            <a:lvl6pPr marL="2286000" indent="0">
-              <a:buNone/>
-              <a:defRPr sz="900"/>
-            </a:lvl6pPr>
-            <a:lvl7pPr marL="2743200" indent="0">
-              <a:buNone/>
-              <a:defRPr sz="900"/>
-            </a:lvl7pPr>
-            <a:lvl8pPr marL="3200400" indent="0">
-              <a:buNone/>
-              <a:defRPr sz="900"/>
-            </a:lvl8pPr>
-            <a:lvl9pPr marL="3657600" indent="0">
-              <a:buNone/>
-              <a:defRPr sz="900"/>
-            </a:lvl9pPr>
-          </a:lstStyle>
-          <a:p>
-            <a:pPr lvl="0"/>
-            <a:r>
-              <a:rPr lang="hu-HU"/>
-              <a:t>Mintaszöveg szerkesztése</a:t>
-            </a:r>
-          </a:p>
-        </p:txBody>
-      </p:sp>
-      <p:sp>
-        <p:nvSpPr>
-          <p:cNvPr id="9" name="Text Placeholder 4"/>
-          <p:cNvSpPr>
-            <a:spLocks noGrp="1"/>
-          </p:cNvSpPr>
-          <p:nvPr>
-            <p:ph type="body" sz="quarter" idx="3"/>
-          </p:nvPr>
-        </p:nvSpPr>
-        <p:spPr>
-          <a:xfrm>
-            <a:off x="4368800" y="2201333"/>
-            <a:ext cx="3456432" cy="626534"/>
-          </a:xfrm>
-        </p:spPr>
-        <p:txBody>
-          <a:bodyPr anchor="b">
-            <a:noAutofit/>
-          </a:bodyPr>
-          <a:lstStyle>
-            <a:lvl1pPr marL="0" indent="0">
-              <a:buNone/>
-              <a:defRPr sz="2400" b="0">
-                <a:solidFill>
-                  <a:schemeClr val="tx1"/>
+            <a:lvl1pPr marL="0" indent="0" algn="l">
+              <a:buNone/>
+              <a:defRPr sz="1800">
+                <a:solidFill>
+                  <a:schemeClr val="tx1">
+                    <a:lumMod val="50000"/>
+                    <a:lumOff val="50000"/>
+                  </a:schemeClr>
                 </a:solidFill>
               </a:defRPr>
             </a:lvl1pPr>
             <a:lvl2pPr marL="457200" indent="0">
               <a:buNone/>
-              <a:defRPr sz="2000" b="1"/>
+              <a:defRPr sz="1800">
+                <a:solidFill>
+                  <a:schemeClr val="tx1">
+                    <a:tint val="75000"/>
+                  </a:schemeClr>
+                </a:solidFill>
+              </a:defRPr>
             </a:lvl2pPr>
             <a:lvl3pPr marL="914400" indent="0">
               <a:buNone/>
-              <a:defRPr sz="1800" b="1"/>
+              <a:defRPr sz="1600">
+                <a:solidFill>
+                  <a:schemeClr val="tx1">
+                    <a:tint val="75000"/>
+                  </a:schemeClr>
+                </a:solidFill>
+              </a:defRPr>
             </a:lvl3pPr>
             <a:lvl4pPr marL="1371600" indent="0">
               <a:buNone/>
-              <a:defRPr sz="1600" b="1"/>
+              <a:defRPr sz="1400">
+                <a:solidFill>
+                  <a:schemeClr val="tx1">
+                    <a:tint val="75000"/>
+                  </a:schemeClr>
+                </a:solidFill>
+              </a:defRPr>
             </a:lvl4pPr>
             <a:lvl5pPr marL="1828800" indent="0">
               <a:buNone/>
-              <a:defRPr sz="1600" b="1"/>
+              <a:defRPr sz="1400">
+                <a:solidFill>
+                  <a:schemeClr val="tx1">
+                    <a:tint val="75000"/>
+                  </a:schemeClr>
+                </a:solidFill>
+              </a:defRPr>
             </a:lvl5pPr>
             <a:lvl6pPr marL="2286000" indent="0">
               <a:buNone/>
-              <a:defRPr sz="1600" b="1"/>
+              <a:defRPr sz="1400">
+                <a:solidFill>
+                  <a:schemeClr val="tx1">
+                    <a:tint val="75000"/>
+                  </a:schemeClr>
+                </a:solidFill>
+              </a:defRPr>
             </a:lvl6pPr>
             <a:lvl7pPr marL="2743200" indent="0">
               <a:buNone/>
-              <a:defRPr sz="1600" b="1"/>
+              <a:defRPr sz="1400">
+                <a:solidFill>
+                  <a:schemeClr val="tx1">
+                    <a:tint val="75000"/>
+                  </a:schemeClr>
+                </a:solidFill>
+              </a:defRPr>
             </a:lvl7pPr>
             <a:lvl8pPr marL="3200400" indent="0">
               <a:buNone/>
-              <a:defRPr sz="1600" b="1"/>
+              <a:defRPr sz="1400">
+                <a:solidFill>
+                  <a:schemeClr val="tx1">
+                    <a:tint val="75000"/>
+                  </a:schemeClr>
+                </a:solidFill>
+              </a:defRPr>
             </a:lvl8pPr>
             <a:lvl9pPr marL="3657600" indent="0">
               <a:buNone/>
-              <a:defRPr sz="1600" b="1"/>
+              <a:defRPr sz="1400">
+                <a:solidFill>
+                  <a:schemeClr val="tx1">
+                    <a:tint val="75000"/>
+                  </a:schemeClr>
+                </a:solidFill>
+              </a:defRPr>
             </a:lvl9pPr>
           </a:lstStyle>
           <a:p>
@@ -1893,212 +2035,7 @@
       </p:sp>
       <p:sp>
         <p:nvSpPr>
-          <p:cNvPr id="10" name="Text Placeholder 3"/>
-          <p:cNvSpPr>
-            <a:spLocks noGrp="1"/>
-          </p:cNvSpPr>
-          <p:nvPr>
-            <p:ph type="body" sz="half" idx="16"/>
-          </p:nvPr>
-        </p:nvSpPr>
-        <p:spPr>
-          <a:xfrm>
-            <a:off x="4366858" y="2904067"/>
-            <a:ext cx="3456432" cy="3314618"/>
-          </a:xfrm>
-        </p:spPr>
-        <p:txBody>
-          <a:bodyPr anchor="t">
-            <a:normAutofit/>
-          </a:bodyPr>
-          <a:lstStyle>
-            <a:lvl1pPr marL="0" indent="0">
-              <a:buNone/>
-              <a:defRPr sz="1400"/>
-            </a:lvl1pPr>
-            <a:lvl2pPr marL="457200" indent="0">
-              <a:buNone/>
-              <a:defRPr sz="1200"/>
-            </a:lvl2pPr>
-            <a:lvl3pPr marL="914400" indent="0">
-              <a:buNone/>
-              <a:defRPr sz="1000"/>
-            </a:lvl3pPr>
-            <a:lvl4pPr marL="1371600" indent="0">
-              <a:buNone/>
-              <a:defRPr sz="900"/>
-            </a:lvl4pPr>
-            <a:lvl5pPr marL="1828800" indent="0">
-              <a:buNone/>
-              <a:defRPr sz="900"/>
-            </a:lvl5pPr>
-            <a:lvl6pPr marL="2286000" indent="0">
-              <a:buNone/>
-              <a:defRPr sz="900"/>
-            </a:lvl6pPr>
-            <a:lvl7pPr marL="2743200" indent="0">
-              <a:buNone/>
-              <a:defRPr sz="900"/>
-            </a:lvl7pPr>
-            <a:lvl8pPr marL="3200400" indent="0">
-              <a:buNone/>
-              <a:defRPr sz="900"/>
-            </a:lvl8pPr>
-            <a:lvl9pPr marL="3657600" indent="0">
-              <a:buNone/>
-              <a:defRPr sz="900"/>
-            </a:lvl9pPr>
-          </a:lstStyle>
-          <a:p>
-            <a:pPr lvl="0"/>
-            <a:r>
-              <a:rPr lang="hu-HU"/>
-              <a:t>Mintaszöveg szerkesztése</a:t>
-            </a:r>
-          </a:p>
-        </p:txBody>
-      </p:sp>
-      <p:sp>
-        <p:nvSpPr>
-          <p:cNvPr id="11" name="Text Placeholder 4"/>
-          <p:cNvSpPr>
-            <a:spLocks noGrp="1"/>
-          </p:cNvSpPr>
-          <p:nvPr>
-            <p:ph type="body" sz="quarter" idx="13"/>
-          </p:nvPr>
-        </p:nvSpPr>
-        <p:spPr>
-          <a:xfrm>
-            <a:off x="8051800" y="2192866"/>
-            <a:ext cx="3456432" cy="626534"/>
-          </a:xfrm>
-        </p:spPr>
-        <p:txBody>
-          <a:bodyPr anchor="b">
-            <a:noAutofit/>
-          </a:bodyPr>
-          <a:lstStyle>
-            <a:lvl1pPr marL="0" indent="0">
-              <a:buNone/>
-              <a:defRPr sz="2400" b="0">
-                <a:solidFill>
-                  <a:schemeClr val="tx1"/>
-                </a:solidFill>
-              </a:defRPr>
-            </a:lvl1pPr>
-            <a:lvl2pPr marL="457200" indent="0">
-              <a:buNone/>
-              <a:defRPr sz="2000" b="1"/>
-            </a:lvl2pPr>
-            <a:lvl3pPr marL="914400" indent="0">
-              <a:buNone/>
-              <a:defRPr sz="1800" b="1"/>
-            </a:lvl3pPr>
-            <a:lvl4pPr marL="1371600" indent="0">
-              <a:buNone/>
-              <a:defRPr sz="1600" b="1"/>
-            </a:lvl4pPr>
-            <a:lvl5pPr marL="1828800" indent="0">
-              <a:buNone/>
-              <a:defRPr sz="1600" b="1"/>
-            </a:lvl5pPr>
-            <a:lvl6pPr marL="2286000" indent="0">
-              <a:buNone/>
-              <a:defRPr sz="1600" b="1"/>
-            </a:lvl6pPr>
-            <a:lvl7pPr marL="2743200" indent="0">
-              <a:buNone/>
-              <a:defRPr sz="1600" b="1"/>
-            </a:lvl7pPr>
-            <a:lvl8pPr marL="3200400" indent="0">
-              <a:buNone/>
-              <a:defRPr sz="1600" b="1"/>
-            </a:lvl8pPr>
-            <a:lvl9pPr marL="3657600" indent="0">
-              <a:buNone/>
-              <a:defRPr sz="1600" b="1"/>
-            </a:lvl9pPr>
-          </a:lstStyle>
-          <a:p>
-            <a:pPr lvl="0"/>
-            <a:r>
-              <a:rPr lang="hu-HU"/>
-              <a:t>Mintaszöveg szerkesztése</a:t>
-            </a:r>
-          </a:p>
-        </p:txBody>
-      </p:sp>
-      <p:sp>
-        <p:nvSpPr>
-          <p:cNvPr id="12" name="Text Placeholder 3"/>
-          <p:cNvSpPr>
-            <a:spLocks noGrp="1"/>
-          </p:cNvSpPr>
-          <p:nvPr>
-            <p:ph type="body" sz="half" idx="17"/>
-          </p:nvPr>
-        </p:nvSpPr>
-        <p:spPr>
-          <a:xfrm>
-            <a:off x="8051801" y="2904565"/>
-            <a:ext cx="3456432" cy="3314132"/>
-          </a:xfrm>
-        </p:spPr>
-        <p:txBody>
-          <a:bodyPr anchor="t">
-            <a:normAutofit/>
-          </a:bodyPr>
-          <a:lstStyle>
-            <a:lvl1pPr marL="0" indent="0">
-              <a:buNone/>
-              <a:defRPr sz="1400"/>
-            </a:lvl1pPr>
-            <a:lvl2pPr marL="457200" indent="0">
-              <a:buNone/>
-              <a:defRPr sz="1200"/>
-            </a:lvl2pPr>
-            <a:lvl3pPr marL="914400" indent="0">
-              <a:buNone/>
-              <a:defRPr sz="1000"/>
-            </a:lvl3pPr>
-            <a:lvl4pPr marL="1371600" indent="0">
-              <a:buNone/>
-              <a:defRPr sz="900"/>
-            </a:lvl4pPr>
-            <a:lvl5pPr marL="1828800" indent="0">
-              <a:buNone/>
-              <a:defRPr sz="900"/>
-            </a:lvl5pPr>
-            <a:lvl6pPr marL="2286000" indent="0">
-              <a:buNone/>
-              <a:defRPr sz="900"/>
-            </a:lvl6pPr>
-            <a:lvl7pPr marL="2743200" indent="0">
-              <a:buNone/>
-              <a:defRPr sz="900"/>
-            </a:lvl7pPr>
-            <a:lvl8pPr marL="3200400" indent="0">
-              <a:buNone/>
-              <a:defRPr sz="900"/>
-            </a:lvl8pPr>
-            <a:lvl9pPr marL="3657600" indent="0">
-              <a:buNone/>
-              <a:defRPr sz="900"/>
-            </a:lvl9pPr>
-          </a:lstStyle>
-          <a:p>
-            <a:pPr lvl="0"/>
-            <a:r>
-              <a:rPr lang="hu-HU"/>
-              <a:t>Mintaszöveg szerkesztése</a:t>
-            </a:r>
-          </a:p>
-        </p:txBody>
-      </p:sp>
-      <p:sp>
-        <p:nvSpPr>
-          <p:cNvPr id="3" name="Date Placeholder 2"/>
+          <p:cNvPr id="4" name="Date Placeholder 3"/>
           <p:cNvSpPr>
             <a:spLocks noGrp="1"/>
           </p:cNvSpPr>
@@ -2113,7 +2050,7 @@
           <a:p>
             <a:fld id="{7A9F1192-88F1-4A84-B1DE-40B39580FAB6}" type="datetimeFigureOut">
               <a:rPr lang="hu-HU" smtClean="0"/>
-              <a:t>2025. 12. 14.</a:t>
+              <a:t>2025. 12. 15.</a:t>
             </a:fld>
             <a:endParaRPr lang="hu-HU"/>
           </a:p>
@@ -2121,7 +2058,7 @@
       </p:sp>
       <p:sp>
         <p:nvSpPr>
-          <p:cNvPr id="4" name="Footer Placeholder 3"/>
+          <p:cNvPr id="5" name="Footer Placeholder 4"/>
           <p:cNvSpPr>
             <a:spLocks noGrp="1"/>
           </p:cNvSpPr>
@@ -2140,7 +2077,7 @@
       </p:sp>
       <p:sp>
         <p:nvSpPr>
-          <p:cNvPr id="5" name="Slide Number Placeholder 4"/>
+          <p:cNvPr id="6" name="Slide Number Placeholder 5"/>
           <p:cNvSpPr>
             <a:spLocks noGrp="1"/>
           </p:cNvSpPr>
@@ -2161,10 +2098,86 @@
           </a:p>
         </p:txBody>
       </p:sp>
+      <p:sp>
+        <p:nvSpPr>
+          <p:cNvPr id="24" name="TextBox 23"/>
+          <p:cNvSpPr txBox="1"/>
+          <p:nvPr/>
+        </p:nvSpPr>
+        <p:spPr>
+          <a:xfrm>
+            <a:off x="541870" y="790378"/>
+            <a:ext cx="609600" cy="584776"/>
+          </a:xfrm>
+          <a:prstGeom prst="rect">
+            <a:avLst/>
+          </a:prstGeom>
+        </p:spPr>
+        <p:txBody>
+          <a:bodyPr vert="horz" lIns="91440" tIns="45720" rIns="91440" bIns="45720" rtlCol="0" anchor="ctr">
+            <a:noAutofit/>
+          </a:bodyPr>
+          <a:lstStyle/>
+          <a:p>
+            <a:pPr lvl="0"/>
+            <a:r>
+              <a:rPr lang="en-US" sz="8000" baseline="0" dirty="0">
+                <a:ln w="3175" cmpd="sng">
+                  <a:noFill/>
+                </a:ln>
+                <a:solidFill>
+                  <a:schemeClr val="accent1"/>
+                </a:solidFill>
+                <a:effectLst/>
+                <a:latin typeface="Arial"/>
+              </a:rPr>
+              <a:t>“</a:t>
+            </a:r>
+          </a:p>
+        </p:txBody>
+      </p:sp>
+      <p:sp>
+        <p:nvSpPr>
+          <p:cNvPr id="25" name="TextBox 24"/>
+          <p:cNvSpPr txBox="1"/>
+          <p:nvPr/>
+        </p:nvSpPr>
+        <p:spPr>
+          <a:xfrm>
+            <a:off x="8893011" y="2886556"/>
+            <a:ext cx="609600" cy="584776"/>
+          </a:xfrm>
+          <a:prstGeom prst="rect">
+            <a:avLst/>
+          </a:prstGeom>
+        </p:spPr>
+        <p:txBody>
+          <a:bodyPr vert="horz" lIns="91440" tIns="45720" rIns="91440" bIns="45720" rtlCol="0" anchor="ctr">
+            <a:noAutofit/>
+          </a:bodyPr>
+          <a:lstStyle/>
+          <a:p>
+            <a:pPr lvl="0"/>
+            <a:r>
+              <a:rPr lang="en-US" sz="8000" baseline="0" dirty="0">
+                <a:ln w="3175" cmpd="sng">
+                  <a:noFill/>
+                </a:ln>
+                <a:solidFill>
+                  <a:schemeClr val="accent1"/>
+                </a:solidFill>
+                <a:effectLst/>
+                <a:latin typeface="Arial"/>
+              </a:rPr>
+              <a:t>”</a:t>
+            </a:r>
+          </a:p>
+        </p:txBody>
+      </p:sp>
     </p:spTree>
     <p:extLst>
       <p:ext uri="{BB962C8B-B14F-4D97-AF65-F5344CB8AC3E}">
-        <p14:creationId xmlns:p14="http://schemas.microsoft.com/office/powerpoint/2010/main" val="854743321"/>
+        <p14:creationId xmlns:p14="http://schemas.microsoft.com/office/powerpoint/2010/main" val="3729893873"/>
       </p:ext>
     </p:extLst>
   </p:cSld>
@@ -2174,9 +2187,9 @@
 </p:sldLayout>
 </file>
 
-<file path=ppt/slideLayouts/slideLayout15.xml><?xml version="1.0" encoding="utf-8"?>
+<file path=ppt/slideLayouts/slideLayout14.xml><?xml version="1.0" encoding="utf-8"?>
 <p:sldLayout xmlns:a="http://schemas.openxmlformats.org/drawingml/2006/main" xmlns:r="http://schemas.openxmlformats.org/officeDocument/2006/relationships" xmlns:p="http://schemas.openxmlformats.org/presentationml/2006/main" preserve="1">
-  <p:cSld name="3 képhasáb">
+  <p:cSld name="Igaz vagy hamis">
     <p:spTree>
       <p:nvGrpSpPr>
         <p:cNvPr id="1" name=""/>
@@ -2193,7 +2206,7 @@
       </p:grpSpPr>
       <p:sp>
         <p:nvSpPr>
-          <p:cNvPr id="30" name="Title 1"/>
+          <p:cNvPr id="2" name="Title 1"/>
           <p:cNvSpPr>
             <a:spLocks noGrp="1"/>
           </p:cNvSpPr>
@@ -2203,13 +2216,19 @@
         </p:nvSpPr>
         <p:spPr>
           <a:xfrm>
-            <a:off x="2895600" y="762000"/>
-            <a:ext cx="8610599" cy="1295400"/>
+            <a:off x="685799" y="609600"/>
+            <a:ext cx="8588203" cy="3022600"/>
           </a:xfrm>
         </p:spPr>
         <p:txBody>
-          <a:bodyPr/>
-          <a:lstStyle/>
+          <a:bodyPr anchor="ctr">
+            <a:normAutofit/>
+          </a:bodyPr>
+          <a:lstStyle>
+            <a:lvl1pPr algn="l">
+              <a:defRPr sz="4400" b="0" cap="none"/>
+            </a:lvl1pPr>
+          </a:lstStyle>
           <a:p>
             <a:r>
               <a:rPr lang="hu-HU"/>
@@ -2221,18 +2240,18 @@
       </p:sp>
       <p:sp>
         <p:nvSpPr>
-          <p:cNvPr id="19" name="Text Placeholder 2"/>
-          <p:cNvSpPr>
-            <a:spLocks noGrp="1"/>
-          </p:cNvSpPr>
-          <p:nvPr>
-            <p:ph type="body" idx="1"/>
+          <p:cNvPr id="23" name="Text Placeholder 9"/>
+          <p:cNvSpPr>
+            <a:spLocks noGrp="1"/>
+          </p:cNvSpPr>
+          <p:nvPr>
+            <p:ph type="body" sz="quarter" idx="13"/>
           </p:nvPr>
         </p:nvSpPr>
         <p:spPr>
           <a:xfrm>
-            <a:off x="688618" y="4191000"/>
-            <a:ext cx="3451582" cy="682765"/>
+            <a:off x="677332" y="4013200"/>
+            <a:ext cx="8596669" cy="514248"/>
           </a:xfrm>
         </p:spPr>
         <p:txBody>
@@ -2241,45 +2260,34 @@
           </a:bodyPr>
           <a:lstStyle>
             <a:lvl1pPr marL="0" indent="0">
-              <a:buNone/>
-              <a:defRPr sz="2400" b="0">
-                <a:solidFill>
-                  <a:schemeClr val="tx1"/>
+              <a:buFontTx/>
+              <a:buNone/>
+              <a:defRPr sz="2400">
+                <a:solidFill>
+                  <a:schemeClr val="accent1"/>
                 </a:solidFill>
               </a:defRPr>
             </a:lvl1pPr>
             <a:lvl2pPr marL="457200" indent="0">
-              <a:buNone/>
-              <a:defRPr sz="2000" b="1"/>
+              <a:buFontTx/>
+              <a:buNone/>
+              <a:defRPr/>
             </a:lvl2pPr>
             <a:lvl3pPr marL="914400" indent="0">
-              <a:buNone/>
-              <a:defRPr sz="1800" b="1"/>
+              <a:buFontTx/>
+              <a:buNone/>
+              <a:defRPr/>
             </a:lvl3pPr>
             <a:lvl4pPr marL="1371600" indent="0">
-              <a:buNone/>
-              <a:defRPr sz="1600" b="1"/>
+              <a:buFontTx/>
+              <a:buNone/>
+              <a:defRPr/>
             </a:lvl4pPr>
             <a:lvl5pPr marL="1828800" indent="0">
-              <a:buNone/>
-              <a:defRPr sz="1600" b="1"/>
+              <a:buFontTx/>
+              <a:buNone/>
+              <a:defRPr/>
             </a:lvl5pPr>
-            <a:lvl6pPr marL="2286000" indent="0">
-              <a:buNone/>
-              <a:defRPr sz="1600" b="1"/>
-            </a:lvl6pPr>
-            <a:lvl7pPr marL="2743200" indent="0">
-              <a:buNone/>
-              <a:defRPr sz="1600" b="1"/>
-            </a:lvl7pPr>
-            <a:lvl8pPr marL="3200400" indent="0">
-              <a:buNone/>
-              <a:defRPr sz="1600" b="1"/>
-            </a:lvl8pPr>
-            <a:lvl9pPr marL="3657600" indent="0">
-              <a:buNone/>
-              <a:defRPr sz="1600" b="1"/>
-            </a:lvl9pPr>
           </a:lstStyle>
           <a:p>
             <a:pPr lvl="0"/>
@@ -2292,210 +2300,115 @@
       </p:sp>
       <p:sp>
         <p:nvSpPr>
-          <p:cNvPr id="20" name="Picture Placeholder 2"/>
-          <p:cNvSpPr>
-            <a:spLocks noGrp="1" noChangeAspect="1"/>
-          </p:cNvSpPr>
-          <p:nvPr>
-            <p:ph type="pic" idx="15"/>
+          <p:cNvPr id="3" name="Text Placeholder 2"/>
+          <p:cNvSpPr>
+            <a:spLocks noGrp="1"/>
+          </p:cNvSpPr>
+          <p:nvPr>
+            <p:ph type="body" idx="1"/>
           </p:nvPr>
         </p:nvSpPr>
         <p:spPr>
           <a:xfrm>
-            <a:off x="688618" y="2362200"/>
-            <a:ext cx="3451582" cy="1524000"/>
+            <a:off x="677335" y="4527448"/>
+            <a:ext cx="8596668" cy="1513914"/>
           </a:xfrm>
-          <a:prstGeom prst="roundRect">
-            <a:avLst>
-              <a:gd name="adj" fmla="val 0"/>
-            </a:avLst>
-          </a:prstGeom>
-          <a:effectLst>
-            <a:outerShdw blurRad="50800" dist="50800" dir="5400000" algn="tl" rotWithShape="0">
-              <a:srgbClr val="000000">
-                <a:alpha val="43000"/>
-              </a:srgbClr>
-            </a:outerShdw>
-          </a:effectLst>
         </p:spPr>
         <p:txBody>
           <a:bodyPr anchor="t">
             <a:normAutofit/>
           </a:bodyPr>
           <a:lstStyle>
-            <a:lvl1pPr marL="0" indent="0" algn="ctr">
-              <a:buNone/>
-              <a:defRPr sz="1600"/>
-            </a:lvl1pPr>
-            <a:lvl2pPr marL="457200" indent="0">
-              <a:buNone/>
-              <a:defRPr sz="1600"/>
-            </a:lvl2pPr>
-            <a:lvl3pPr marL="914400" indent="0">
-              <a:buNone/>
-              <a:defRPr sz="1600"/>
-            </a:lvl3pPr>
-            <a:lvl4pPr marL="1371600" indent="0">
-              <a:buNone/>
-              <a:defRPr sz="1600"/>
-            </a:lvl4pPr>
-            <a:lvl5pPr marL="1828800" indent="0">
-              <a:buNone/>
-              <a:defRPr sz="1600"/>
-            </a:lvl5pPr>
-            <a:lvl6pPr marL="2286000" indent="0">
-              <a:buNone/>
-              <a:defRPr sz="1600"/>
-            </a:lvl6pPr>
-            <a:lvl7pPr marL="2743200" indent="0">
-              <a:buNone/>
-              <a:defRPr sz="1600"/>
-            </a:lvl7pPr>
-            <a:lvl8pPr marL="3200400" indent="0">
-              <a:buNone/>
-              <a:defRPr sz="1600"/>
-            </a:lvl8pPr>
-            <a:lvl9pPr marL="3657600" indent="0">
-              <a:buNone/>
-              <a:defRPr sz="1600"/>
-            </a:lvl9pPr>
-          </a:lstStyle>
-          <a:p>
-            <a:r>
-              <a:rPr lang="hu-HU"/>
-              <a:t>Kép beszúrásához kattintson az ikonra</a:t>
-            </a:r>
-            <a:endParaRPr lang="en-US" dirty="0"/>
-          </a:p>
-        </p:txBody>
-      </p:sp>
-      <p:sp>
-        <p:nvSpPr>
-          <p:cNvPr id="21" name="Text Placeholder 3"/>
-          <p:cNvSpPr>
-            <a:spLocks noGrp="1"/>
-          </p:cNvSpPr>
-          <p:nvPr>
-            <p:ph type="body" sz="half" idx="18"/>
-          </p:nvPr>
-        </p:nvSpPr>
-        <p:spPr>
-          <a:xfrm>
-            <a:off x="688618" y="4873764"/>
-            <a:ext cx="3451582" cy="1344921"/>
-          </a:xfrm>
-        </p:spPr>
-        <p:txBody>
-          <a:bodyPr anchor="t">
-            <a:normAutofit/>
-          </a:bodyPr>
-          <a:lstStyle>
-            <a:lvl1pPr marL="0" indent="0">
-              <a:buNone/>
-              <a:defRPr sz="1400"/>
-            </a:lvl1pPr>
-            <a:lvl2pPr marL="457200" indent="0">
-              <a:buNone/>
-              <a:defRPr sz="1200"/>
-            </a:lvl2pPr>
-            <a:lvl3pPr marL="914400" indent="0">
-              <a:buNone/>
-              <a:defRPr sz="1000"/>
-            </a:lvl3pPr>
-            <a:lvl4pPr marL="1371600" indent="0">
-              <a:buNone/>
-              <a:defRPr sz="900"/>
-            </a:lvl4pPr>
-            <a:lvl5pPr marL="1828800" indent="0">
-              <a:buNone/>
-              <a:defRPr sz="900"/>
-            </a:lvl5pPr>
-            <a:lvl6pPr marL="2286000" indent="0">
-              <a:buNone/>
-              <a:defRPr sz="900"/>
-            </a:lvl6pPr>
-            <a:lvl7pPr marL="2743200" indent="0">
-              <a:buNone/>
-              <a:defRPr sz="900"/>
-            </a:lvl7pPr>
-            <a:lvl8pPr marL="3200400" indent="0">
-              <a:buNone/>
-              <a:defRPr sz="900"/>
-            </a:lvl8pPr>
-            <a:lvl9pPr marL="3657600" indent="0">
-              <a:buNone/>
-              <a:defRPr sz="900"/>
-            </a:lvl9pPr>
-          </a:lstStyle>
-          <a:p>
-            <a:pPr lvl="0"/>
-            <a:r>
-              <a:rPr lang="hu-HU"/>
-              <a:t>Mintaszöveg szerkesztése</a:t>
-            </a:r>
-          </a:p>
-        </p:txBody>
-      </p:sp>
-      <p:sp>
-        <p:nvSpPr>
-          <p:cNvPr id="22" name="Text Placeholder 4"/>
-          <p:cNvSpPr>
-            <a:spLocks noGrp="1"/>
-          </p:cNvSpPr>
-          <p:nvPr>
-            <p:ph type="body" sz="quarter" idx="3"/>
-          </p:nvPr>
-        </p:nvSpPr>
-        <p:spPr>
-          <a:xfrm>
-            <a:off x="4374263" y="4191000"/>
-            <a:ext cx="3448935" cy="682765"/>
-          </a:xfrm>
-        </p:spPr>
-        <p:txBody>
-          <a:bodyPr anchor="b">
-            <a:noAutofit/>
-          </a:bodyPr>
-          <a:lstStyle>
-            <a:lvl1pPr marL="0" indent="0">
-              <a:buNone/>
-              <a:defRPr sz="2400" b="0">
-                <a:solidFill>
-                  <a:schemeClr val="tx1"/>
+            <a:lvl1pPr marL="0" indent="0" algn="l">
+              <a:buNone/>
+              <a:defRPr sz="1800">
+                <a:solidFill>
+                  <a:schemeClr val="tx1">
+                    <a:lumMod val="50000"/>
+                    <a:lumOff val="50000"/>
+                  </a:schemeClr>
                 </a:solidFill>
               </a:defRPr>
             </a:lvl1pPr>
             <a:lvl2pPr marL="457200" indent="0">
               <a:buNone/>
-              <a:defRPr sz="2000" b="1"/>
+              <a:defRPr sz="1800">
+                <a:solidFill>
+                  <a:schemeClr val="tx1">
+                    <a:tint val="75000"/>
+                  </a:schemeClr>
+                </a:solidFill>
+              </a:defRPr>
             </a:lvl2pPr>
             <a:lvl3pPr marL="914400" indent="0">
               <a:buNone/>
-              <a:defRPr sz="1800" b="1"/>
+              <a:defRPr sz="1600">
+                <a:solidFill>
+                  <a:schemeClr val="tx1">
+                    <a:tint val="75000"/>
+                  </a:schemeClr>
+                </a:solidFill>
+              </a:defRPr>
             </a:lvl3pPr>
             <a:lvl4pPr marL="1371600" indent="0">
               <a:buNone/>
-              <a:defRPr sz="1600" b="1"/>
+              <a:defRPr sz="1400">
+                <a:solidFill>
+                  <a:schemeClr val="tx1">
+                    <a:tint val="75000"/>
+                  </a:schemeClr>
+                </a:solidFill>
+              </a:defRPr>
             </a:lvl4pPr>
             <a:lvl5pPr marL="1828800" indent="0">
               <a:buNone/>
-              <a:defRPr sz="1600" b="1"/>
+              <a:defRPr sz="1400">
+                <a:solidFill>
+                  <a:schemeClr val="tx1">
+                    <a:tint val="75000"/>
+                  </a:schemeClr>
+                </a:solidFill>
+              </a:defRPr>
             </a:lvl5pPr>
             <a:lvl6pPr marL="2286000" indent="0">
               <a:buNone/>
-              <a:defRPr sz="1600" b="1"/>
+              <a:defRPr sz="1400">
+                <a:solidFill>
+                  <a:schemeClr val="tx1">
+                    <a:tint val="75000"/>
+                  </a:schemeClr>
+                </a:solidFill>
+              </a:defRPr>
             </a:lvl6pPr>
             <a:lvl7pPr marL="2743200" indent="0">
               <a:buNone/>
-              <a:defRPr sz="1600" b="1"/>
+              <a:defRPr sz="1400">
+                <a:solidFill>
+                  <a:schemeClr val="tx1">
+                    <a:tint val="75000"/>
+                  </a:schemeClr>
+                </a:solidFill>
+              </a:defRPr>
             </a:lvl7pPr>
             <a:lvl8pPr marL="3200400" indent="0">
               <a:buNone/>
-              <a:defRPr sz="1600" b="1"/>
+              <a:defRPr sz="1400">
+                <a:solidFill>
+                  <a:schemeClr val="tx1">
+                    <a:tint val="75000"/>
+                  </a:schemeClr>
+                </a:solidFill>
+              </a:defRPr>
             </a:lvl8pPr>
             <a:lvl9pPr marL="3657600" indent="0">
               <a:buNone/>
-              <a:defRPr sz="1600" b="1"/>
+              <a:defRPr sz="1400">
+                <a:solidFill>
+                  <a:schemeClr val="tx1">
+                    <a:tint val="75000"/>
+                  </a:schemeClr>
+                </a:solidFill>
+              </a:defRPr>
             </a:lvl9pPr>
           </a:lstStyle>
           <a:p>
@@ -2509,370 +2422,7 @@
       </p:sp>
       <p:sp>
         <p:nvSpPr>
-          <p:cNvPr id="23" name="Picture Placeholder 2"/>
-          <p:cNvSpPr>
-            <a:spLocks noGrp="1" noChangeAspect="1"/>
-          </p:cNvSpPr>
-          <p:nvPr>
-            <p:ph type="pic" idx="21"/>
-          </p:nvPr>
-        </p:nvSpPr>
-        <p:spPr>
-          <a:xfrm>
-            <a:off x="4374263" y="2362200"/>
-            <a:ext cx="3448936" cy="1524000"/>
-          </a:xfrm>
-          <a:prstGeom prst="roundRect">
-            <a:avLst>
-              <a:gd name="adj" fmla="val 0"/>
-            </a:avLst>
-          </a:prstGeom>
-          <a:effectLst>
-            <a:outerShdw blurRad="50800" dist="50800" dir="5400000" algn="tl" rotWithShape="0">
-              <a:srgbClr val="000000">
-                <a:alpha val="43000"/>
-              </a:srgbClr>
-            </a:outerShdw>
-          </a:effectLst>
-        </p:spPr>
-        <p:txBody>
-          <a:bodyPr anchor="t">
-            <a:normAutofit/>
-          </a:bodyPr>
-          <a:lstStyle>
-            <a:lvl1pPr marL="0" indent="0" algn="ctr">
-              <a:buNone/>
-              <a:defRPr sz="1600"/>
-            </a:lvl1pPr>
-            <a:lvl2pPr marL="457200" indent="0">
-              <a:buNone/>
-              <a:defRPr sz="1600"/>
-            </a:lvl2pPr>
-            <a:lvl3pPr marL="914400" indent="0">
-              <a:buNone/>
-              <a:defRPr sz="1600"/>
-            </a:lvl3pPr>
-            <a:lvl4pPr marL="1371600" indent="0">
-              <a:buNone/>
-              <a:defRPr sz="1600"/>
-            </a:lvl4pPr>
-            <a:lvl5pPr marL="1828800" indent="0">
-              <a:buNone/>
-              <a:defRPr sz="1600"/>
-            </a:lvl5pPr>
-            <a:lvl6pPr marL="2286000" indent="0">
-              <a:buNone/>
-              <a:defRPr sz="1600"/>
-            </a:lvl6pPr>
-            <a:lvl7pPr marL="2743200" indent="0">
-              <a:buNone/>
-              <a:defRPr sz="1600"/>
-            </a:lvl7pPr>
-            <a:lvl8pPr marL="3200400" indent="0">
-              <a:buNone/>
-              <a:defRPr sz="1600"/>
-            </a:lvl8pPr>
-            <a:lvl9pPr marL="3657600" indent="0">
-              <a:buNone/>
-              <a:defRPr sz="1600"/>
-            </a:lvl9pPr>
-          </a:lstStyle>
-          <a:p>
-            <a:r>
-              <a:rPr lang="hu-HU"/>
-              <a:t>Kép beszúrásához kattintson az ikonra</a:t>
-            </a:r>
-            <a:endParaRPr lang="en-US" dirty="0"/>
-          </a:p>
-        </p:txBody>
-      </p:sp>
-      <p:sp>
-        <p:nvSpPr>
-          <p:cNvPr id="24" name="Text Placeholder 3"/>
-          <p:cNvSpPr>
-            <a:spLocks noGrp="1"/>
-          </p:cNvSpPr>
-          <p:nvPr>
-            <p:ph type="body" sz="half" idx="19"/>
-          </p:nvPr>
-        </p:nvSpPr>
-        <p:spPr>
-          <a:xfrm>
-            <a:off x="4374264" y="4873763"/>
-            <a:ext cx="3448935" cy="1344921"/>
-          </a:xfrm>
-        </p:spPr>
-        <p:txBody>
-          <a:bodyPr anchor="t">
-            <a:normAutofit/>
-          </a:bodyPr>
-          <a:lstStyle>
-            <a:lvl1pPr marL="0" indent="0">
-              <a:buNone/>
-              <a:defRPr sz="1400"/>
-            </a:lvl1pPr>
-            <a:lvl2pPr marL="457200" indent="0">
-              <a:buNone/>
-              <a:defRPr sz="1200"/>
-            </a:lvl2pPr>
-            <a:lvl3pPr marL="914400" indent="0">
-              <a:buNone/>
-              <a:defRPr sz="1000"/>
-            </a:lvl3pPr>
-            <a:lvl4pPr marL="1371600" indent="0">
-              <a:buNone/>
-              <a:defRPr sz="900"/>
-            </a:lvl4pPr>
-            <a:lvl5pPr marL="1828800" indent="0">
-              <a:buNone/>
-              <a:defRPr sz="900"/>
-            </a:lvl5pPr>
-            <a:lvl6pPr marL="2286000" indent="0">
-              <a:buNone/>
-              <a:defRPr sz="900"/>
-            </a:lvl6pPr>
-            <a:lvl7pPr marL="2743200" indent="0">
-              <a:buNone/>
-              <a:defRPr sz="900"/>
-            </a:lvl7pPr>
-            <a:lvl8pPr marL="3200400" indent="0">
-              <a:buNone/>
-              <a:defRPr sz="900"/>
-            </a:lvl8pPr>
-            <a:lvl9pPr marL="3657600" indent="0">
-              <a:buNone/>
-              <a:defRPr sz="900"/>
-            </a:lvl9pPr>
-          </a:lstStyle>
-          <a:p>
-            <a:pPr lvl="0"/>
-            <a:r>
-              <a:rPr lang="hu-HU"/>
-              <a:t>Mintaszöveg szerkesztése</a:t>
-            </a:r>
-          </a:p>
-        </p:txBody>
-      </p:sp>
-      <p:sp>
-        <p:nvSpPr>
-          <p:cNvPr id="25" name="Text Placeholder 4"/>
-          <p:cNvSpPr>
-            <a:spLocks noGrp="1"/>
-          </p:cNvSpPr>
-          <p:nvPr>
-            <p:ph type="body" sz="quarter" idx="13"/>
-          </p:nvPr>
-        </p:nvSpPr>
-        <p:spPr>
-          <a:xfrm>
-            <a:off x="8049731" y="4191000"/>
-            <a:ext cx="3456469" cy="682765"/>
-          </a:xfrm>
-        </p:spPr>
-        <p:txBody>
-          <a:bodyPr anchor="b">
-            <a:noAutofit/>
-          </a:bodyPr>
-          <a:lstStyle>
-            <a:lvl1pPr marL="0" indent="0">
-              <a:buNone/>
-              <a:defRPr sz="2400" b="0">
-                <a:solidFill>
-                  <a:schemeClr val="tx1"/>
-                </a:solidFill>
-              </a:defRPr>
-            </a:lvl1pPr>
-            <a:lvl2pPr marL="457200" indent="0">
-              <a:buNone/>
-              <a:defRPr sz="2000" b="1"/>
-            </a:lvl2pPr>
-            <a:lvl3pPr marL="914400" indent="0">
-              <a:buNone/>
-              <a:defRPr sz="1800" b="1"/>
-            </a:lvl3pPr>
-            <a:lvl4pPr marL="1371600" indent="0">
-              <a:buNone/>
-              <a:defRPr sz="1600" b="1"/>
-            </a:lvl4pPr>
-            <a:lvl5pPr marL="1828800" indent="0">
-              <a:buNone/>
-              <a:defRPr sz="1600" b="1"/>
-            </a:lvl5pPr>
-            <a:lvl6pPr marL="2286000" indent="0">
-              <a:buNone/>
-              <a:defRPr sz="1600" b="1"/>
-            </a:lvl6pPr>
-            <a:lvl7pPr marL="2743200" indent="0">
-              <a:buNone/>
-              <a:defRPr sz="1600" b="1"/>
-            </a:lvl7pPr>
-            <a:lvl8pPr marL="3200400" indent="0">
-              <a:buNone/>
-              <a:defRPr sz="1600" b="1"/>
-            </a:lvl8pPr>
-            <a:lvl9pPr marL="3657600" indent="0">
-              <a:buNone/>
-              <a:defRPr sz="1600" b="1"/>
-            </a:lvl9pPr>
-          </a:lstStyle>
-          <a:p>
-            <a:pPr lvl="0"/>
-            <a:r>
-              <a:rPr lang="hu-HU"/>
-              <a:t>Mintaszöveg szerkesztése</a:t>
-            </a:r>
-          </a:p>
-        </p:txBody>
-      </p:sp>
-      <p:sp>
-        <p:nvSpPr>
-          <p:cNvPr id="26" name="Picture Placeholder 2"/>
-          <p:cNvSpPr>
-            <a:spLocks noGrp="1" noChangeAspect="1"/>
-          </p:cNvSpPr>
-          <p:nvPr>
-            <p:ph type="pic" idx="22"/>
-          </p:nvPr>
-        </p:nvSpPr>
-        <p:spPr>
-          <a:xfrm>
-            <a:off x="8049855" y="2362200"/>
-            <a:ext cx="3447878" cy="1524000"/>
-          </a:xfrm>
-          <a:prstGeom prst="roundRect">
-            <a:avLst>
-              <a:gd name="adj" fmla="val 0"/>
-            </a:avLst>
-          </a:prstGeom>
-          <a:effectLst>
-            <a:outerShdw blurRad="50800" dist="50800" dir="5400000" algn="tl" rotWithShape="0">
-              <a:srgbClr val="000000">
-                <a:alpha val="43000"/>
-              </a:srgbClr>
-            </a:outerShdw>
-          </a:effectLst>
-        </p:spPr>
-        <p:txBody>
-          <a:bodyPr anchor="t">
-            <a:normAutofit/>
-          </a:bodyPr>
-          <a:lstStyle>
-            <a:lvl1pPr marL="0" indent="0" algn="ctr">
-              <a:buNone/>
-              <a:defRPr sz="1600"/>
-            </a:lvl1pPr>
-            <a:lvl2pPr marL="457200" indent="0">
-              <a:buNone/>
-              <a:defRPr sz="1600"/>
-            </a:lvl2pPr>
-            <a:lvl3pPr marL="914400" indent="0">
-              <a:buNone/>
-              <a:defRPr sz="1600"/>
-            </a:lvl3pPr>
-            <a:lvl4pPr marL="1371600" indent="0">
-              <a:buNone/>
-              <a:defRPr sz="1600"/>
-            </a:lvl4pPr>
-            <a:lvl5pPr marL="1828800" indent="0">
-              <a:buNone/>
-              <a:defRPr sz="1600"/>
-            </a:lvl5pPr>
-            <a:lvl6pPr marL="2286000" indent="0">
-              <a:buNone/>
-              <a:defRPr sz="1600"/>
-            </a:lvl6pPr>
-            <a:lvl7pPr marL="2743200" indent="0">
-              <a:buNone/>
-              <a:defRPr sz="1600"/>
-            </a:lvl7pPr>
-            <a:lvl8pPr marL="3200400" indent="0">
-              <a:buNone/>
-              <a:defRPr sz="1600"/>
-            </a:lvl8pPr>
-            <a:lvl9pPr marL="3657600" indent="0">
-              <a:buNone/>
-              <a:defRPr sz="1600"/>
-            </a:lvl9pPr>
-          </a:lstStyle>
-          <a:p>
-            <a:r>
-              <a:rPr lang="hu-HU"/>
-              <a:t>Kép beszúrásához kattintson az ikonra</a:t>
-            </a:r>
-            <a:endParaRPr lang="en-US" dirty="0"/>
-          </a:p>
-        </p:txBody>
-      </p:sp>
-      <p:sp>
-        <p:nvSpPr>
-          <p:cNvPr id="27" name="Text Placeholder 3"/>
-          <p:cNvSpPr>
-            <a:spLocks noGrp="1"/>
-          </p:cNvSpPr>
-          <p:nvPr>
-            <p:ph type="body" sz="half" idx="20"/>
-          </p:nvPr>
-        </p:nvSpPr>
-        <p:spPr>
-          <a:xfrm>
-            <a:off x="8049731" y="4873761"/>
-            <a:ext cx="3452445" cy="1344921"/>
-          </a:xfrm>
-        </p:spPr>
-        <p:txBody>
-          <a:bodyPr anchor="t">
-            <a:normAutofit/>
-          </a:bodyPr>
-          <a:lstStyle>
-            <a:lvl1pPr marL="0" indent="0">
-              <a:buNone/>
-              <a:defRPr sz="1400"/>
-            </a:lvl1pPr>
-            <a:lvl2pPr marL="457200" indent="0">
-              <a:buNone/>
-              <a:defRPr sz="1200"/>
-            </a:lvl2pPr>
-            <a:lvl3pPr marL="914400" indent="0">
-              <a:buNone/>
-              <a:defRPr sz="1000"/>
-            </a:lvl3pPr>
-            <a:lvl4pPr marL="1371600" indent="0">
-              <a:buNone/>
-              <a:defRPr sz="900"/>
-            </a:lvl4pPr>
-            <a:lvl5pPr marL="1828800" indent="0">
-              <a:buNone/>
-              <a:defRPr sz="900"/>
-            </a:lvl5pPr>
-            <a:lvl6pPr marL="2286000" indent="0">
-              <a:buNone/>
-              <a:defRPr sz="900"/>
-            </a:lvl6pPr>
-            <a:lvl7pPr marL="2743200" indent="0">
-              <a:buNone/>
-              <a:defRPr sz="900"/>
-            </a:lvl7pPr>
-            <a:lvl8pPr marL="3200400" indent="0">
-              <a:buNone/>
-              <a:defRPr sz="900"/>
-            </a:lvl8pPr>
-            <a:lvl9pPr marL="3657600" indent="0">
-              <a:buNone/>
-              <a:defRPr sz="900"/>
-            </a:lvl9pPr>
-          </a:lstStyle>
-          <a:p>
-            <a:pPr lvl="0"/>
-            <a:r>
-              <a:rPr lang="hu-HU"/>
-              <a:t>Mintaszöveg szerkesztése</a:t>
-            </a:r>
-          </a:p>
-        </p:txBody>
-      </p:sp>
-      <p:sp>
-        <p:nvSpPr>
-          <p:cNvPr id="3" name="Date Placeholder 2"/>
+          <p:cNvPr id="4" name="Date Placeholder 3"/>
           <p:cNvSpPr>
             <a:spLocks noGrp="1"/>
           </p:cNvSpPr>
@@ -2887,7 +2437,7 @@
           <a:p>
             <a:fld id="{7A9F1192-88F1-4A84-B1DE-40B39580FAB6}" type="datetimeFigureOut">
               <a:rPr lang="hu-HU" smtClean="0"/>
-              <a:t>2025. 12. 14.</a:t>
+              <a:t>2025. 12. 15.</a:t>
             </a:fld>
             <a:endParaRPr lang="hu-HU"/>
           </a:p>
@@ -2895,7 +2445,7 @@
       </p:sp>
       <p:sp>
         <p:nvSpPr>
-          <p:cNvPr id="4" name="Footer Placeholder 3"/>
+          <p:cNvPr id="5" name="Footer Placeholder 4"/>
           <p:cNvSpPr>
             <a:spLocks noGrp="1"/>
           </p:cNvSpPr>
@@ -2914,7 +2464,7 @@
       </p:sp>
       <p:sp>
         <p:nvSpPr>
-          <p:cNvPr id="5" name="Slide Number Placeholder 4"/>
+          <p:cNvPr id="6" name="Slide Number Placeholder 5"/>
           <p:cNvSpPr>
             <a:spLocks noGrp="1"/>
           </p:cNvSpPr>
@@ -2938,7 +2488,7 @@
     </p:spTree>
     <p:extLst>
       <p:ext uri="{BB962C8B-B14F-4D97-AF65-F5344CB8AC3E}">
-        <p14:creationId xmlns:p14="http://schemas.microsoft.com/office/powerpoint/2010/main" val="841157802"/>
+        <p14:creationId xmlns:p14="http://schemas.microsoft.com/office/powerpoint/2010/main" val="1299906741"/>
       </p:ext>
     </p:extLst>
   </p:cSld>
@@ -2948,7 +2498,7 @@
 </p:sldLayout>
 </file>
 
-<file path=ppt/slideLayouts/slideLayout16.xml><?xml version="1.0" encoding="utf-8"?>
+<file path=ppt/slideLayouts/slideLayout15.xml><?xml version="1.0" encoding="utf-8"?>
 <p:sldLayout xmlns:a="http://schemas.openxmlformats.org/drawingml/2006/main" xmlns:r="http://schemas.openxmlformats.org/officeDocument/2006/relationships" xmlns:p="http://schemas.openxmlformats.org/presentationml/2006/main" type="vertTx" preserve="1">
   <p:cSld name="Cím és függőleges szöveg">
     <p:spTree>
@@ -2998,12 +2548,7 @@
             <p:ph type="body" orient="vert" idx="1"/>
           </p:nvPr>
         </p:nvSpPr>
-        <p:spPr>
-          <a:xfrm>
-            <a:off x="685800" y="2194559"/>
-            <a:ext cx="10820400" cy="4024125"/>
-          </a:xfrm>
-        </p:spPr>
+        <p:spPr/>
         <p:txBody>
           <a:bodyPr vert="eaVert"/>
           <a:lstStyle/>
@@ -3062,7 +2607,7 @@
           <a:p>
             <a:fld id="{7A9F1192-88F1-4A84-B1DE-40B39580FAB6}" type="datetimeFigureOut">
               <a:rPr lang="hu-HU" smtClean="0"/>
-              <a:t>2025. 12. 14.</a:t>
+              <a:t>2025. 12. 15.</a:t>
             </a:fld>
             <a:endParaRPr lang="hu-HU"/>
           </a:p>
@@ -3113,7 +2658,7 @@
     </p:spTree>
     <p:extLst>
       <p:ext uri="{BB962C8B-B14F-4D97-AF65-F5344CB8AC3E}">
-        <p14:creationId xmlns:p14="http://schemas.microsoft.com/office/powerpoint/2010/main" val="3569011200"/>
+        <p14:creationId xmlns:p14="http://schemas.microsoft.com/office/powerpoint/2010/main" val="2211619124"/>
       </p:ext>
     </p:extLst>
   </p:cSld>
@@ -3123,8 +2668,8 @@
 </p:sldLayout>
 </file>
 
-<file path=ppt/slideLayouts/slideLayout17.xml><?xml version="1.0" encoding="utf-8"?>
-<p:sldLayout xmlns:a="http://schemas.openxmlformats.org/drawingml/2006/main" xmlns:r="http://schemas.openxmlformats.org/officeDocument/2006/relationships" xmlns:p="http://schemas.openxmlformats.org/presentationml/2006/main" showMasterSp="0" type="vertTitleAndTx" preserve="1">
+<file path=ppt/slideLayouts/slideLayout16.xml><?xml version="1.0" encoding="utf-8"?>
+<p:sldLayout xmlns:a="http://schemas.openxmlformats.org/drawingml/2006/main" xmlns:r="http://schemas.openxmlformats.org/officeDocument/2006/relationships" xmlns:p="http://schemas.openxmlformats.org/presentationml/2006/main" type="vertTitleAndTx" preserve="1">
   <p:cSld name="Függőleges cím és szöveg">
     <p:spTree>
       <p:nvGrpSpPr>
@@ -3140,63 +2685,86 @@
           <a:chExt cx="0" cy="0"/>
         </a:xfrm>
       </p:grpSpPr>
-      <p:pic>
-        <p:nvPicPr>
-          <p:cNvPr id="8" name="Picture 7" descr="C0-HD-BTM.png"/>
-          <p:cNvPicPr>
-            <a:picLocks noChangeAspect="1"/>
-          </p:cNvPicPr>
-          <p:nvPr/>
-        </p:nvPicPr>
-        <p:blipFill>
-          <a:blip r:embed="rId2">
-            <a:extLst>
-              <a:ext uri="{28A0092B-C50C-407E-A947-70E740481C1C}">
-                <a14:useLocalDpi xmlns:a14="http://schemas.microsoft.com/office/drawing/2010/main" val="0"/>
-              </a:ext>
-            </a:extLst>
-          </a:blip>
-          <a:stretch>
-            <a:fillRect/>
-          </a:stretch>
-        </p:blipFill>
+      <p:sp>
+        <p:nvSpPr>
+          <p:cNvPr id="2" name="Vertical Title 1"/>
+          <p:cNvSpPr>
+            <a:spLocks noGrp="1"/>
+          </p:cNvSpPr>
+          <p:nvPr>
+            <p:ph type="title" orient="vert"/>
+          </p:nvPr>
+        </p:nvSpPr>
         <p:spPr>
           <a:xfrm>
-            <a:off x="0" y="4375150"/>
-            <a:ext cx="12192000" cy="2482850"/>
+            <a:off x="7967673" y="609599"/>
+            <a:ext cx="1304743" cy="5251451"/>
           </a:xfrm>
-          <a:prstGeom prst="rect">
-            <a:avLst/>
-          </a:prstGeom>
         </p:spPr>
-      </p:pic>
-      <p:sp>
-        <p:nvSpPr>
-          <p:cNvPr id="2" name="Vertical Title 1"/>
-          <p:cNvSpPr>
-            <a:spLocks noGrp="1"/>
-          </p:cNvSpPr>
-          <p:nvPr>
-            <p:ph type="title" orient="vert"/>
+        <p:txBody>
+          <a:bodyPr vert="eaVert" anchor="ctr"/>
+          <a:lstStyle/>
+          <a:p>
+            <a:r>
+              <a:rPr lang="hu-HU"/>
+              <a:t>Mintacím szerkesztése</a:t>
+            </a:r>
+            <a:endParaRPr lang="en-US" dirty="0"/>
+          </a:p>
+        </p:txBody>
+      </p:sp>
+      <p:sp>
+        <p:nvSpPr>
+          <p:cNvPr id="3" name="Vertical Text Placeholder 2"/>
+          <p:cNvSpPr>
+            <a:spLocks noGrp="1"/>
+          </p:cNvSpPr>
+          <p:nvPr>
+            <p:ph type="body" orient="vert" idx="1"/>
           </p:nvPr>
         </p:nvSpPr>
         <p:spPr>
           <a:xfrm>
-            <a:off x="9448800" y="745066"/>
-            <a:ext cx="2057400" cy="3903133"/>
+            <a:off x="677335" y="609600"/>
+            <a:ext cx="7060150" cy="5251450"/>
           </a:xfrm>
         </p:spPr>
         <p:txBody>
           <a:bodyPr vert="eaVert"/>
-          <a:lstStyle>
-            <a:lvl1pPr algn="l">
-              <a:defRPr/>
-            </a:lvl1pPr>
-          </a:lstStyle>
-          <a:p>
-            <a:r>
-              <a:rPr lang="hu-HU"/>
-              <a:t>Mintacím szerkesztése</a:t>
+          <a:lstStyle/>
+          <a:p>
+            <a:pPr lvl="0"/>
+            <a:r>
+              <a:rPr lang="hu-HU"/>
+              <a:t>Mintaszöveg szerkesztése</a:t>
+            </a:r>
+          </a:p>
+          <a:p>
+            <a:pPr lvl="1"/>
+            <a:r>
+              <a:rPr lang="hu-HU"/>
+              <a:t>Második szint</a:t>
+            </a:r>
+          </a:p>
+          <a:p>
+            <a:pPr lvl="2"/>
+            <a:r>
+              <a:rPr lang="hu-HU"/>
+              <a:t>Harmadik szint</a:t>
+            </a:r>
+          </a:p>
+          <a:p>
+            <a:pPr lvl="3"/>
+            <a:r>
+              <a:rPr lang="hu-HU"/>
+              <a:t>Negyedik szint</a:t>
+            </a:r>
+          </a:p>
+          <a:p>
+            <a:pPr lvl="4"/>
+            <a:r>
+              <a:rPr lang="hu-HU"/>
+              <a:t>Ötödik szint</a:t>
             </a:r>
             <a:endParaRPr lang="en-US" dirty="0"/>
           </a:p>
@@ -3204,63 +2772,6 @@
       </p:sp>
       <p:sp>
         <p:nvSpPr>
-          <p:cNvPr id="3" name="Vertical Text Placeholder 2"/>
-          <p:cNvSpPr>
-            <a:spLocks noGrp="1"/>
-          </p:cNvSpPr>
-          <p:nvPr>
-            <p:ph type="body" orient="vert" idx="1"/>
-          </p:nvPr>
-        </p:nvSpPr>
-        <p:spPr>
-          <a:xfrm>
-            <a:off x="1024466" y="745067"/>
-            <a:ext cx="8204201" cy="3903133"/>
-          </a:xfrm>
-        </p:spPr>
-        <p:txBody>
-          <a:bodyPr vert="eaVert"/>
-          <a:lstStyle/>
-          <a:p>
-            <a:pPr lvl="0"/>
-            <a:r>
-              <a:rPr lang="hu-HU"/>
-              <a:t>Mintaszöveg szerkesztése</a:t>
-            </a:r>
-          </a:p>
-          <a:p>
-            <a:pPr lvl="1"/>
-            <a:r>
-              <a:rPr lang="hu-HU"/>
-              <a:t>Második szint</a:t>
-            </a:r>
-          </a:p>
-          <a:p>
-            <a:pPr lvl="2"/>
-            <a:r>
-              <a:rPr lang="hu-HU"/>
-              <a:t>Harmadik szint</a:t>
-            </a:r>
-          </a:p>
-          <a:p>
-            <a:pPr lvl="3"/>
-            <a:r>
-              <a:rPr lang="hu-HU"/>
-              <a:t>Negyedik szint</a:t>
-            </a:r>
-          </a:p>
-          <a:p>
-            <a:pPr lvl="4"/>
-            <a:r>
-              <a:rPr lang="hu-HU"/>
-              <a:t>Ötödik szint</a:t>
-            </a:r>
-            <a:endParaRPr lang="en-US" dirty="0"/>
-          </a:p>
-        </p:txBody>
-      </p:sp>
-      <p:sp>
-        <p:nvSpPr>
           <p:cNvPr id="4" name="Date Placeholder 3"/>
           <p:cNvSpPr>
             <a:spLocks noGrp="1"/>
@@ -3269,23 +2780,14 @@
             <p:ph type="dt" sz="half" idx="10"/>
           </p:nvPr>
         </p:nvSpPr>
-        <p:spPr>
-          <a:xfrm>
-            <a:off x="7814452" y="379941"/>
-            <a:ext cx="2910840" cy="365125"/>
-          </a:xfrm>
-        </p:spPr>
-        <p:txBody>
-          <a:bodyPr/>
-          <a:lstStyle>
-            <a:lvl1pPr algn="r">
-              <a:defRPr/>
-            </a:lvl1pPr>
-          </a:lstStyle>
+        <p:spPr/>
+        <p:txBody>
+          <a:bodyPr/>
+          <a:lstStyle/>
           <a:p>
             <a:fld id="{7A9F1192-88F1-4A84-B1DE-40B39580FAB6}" type="datetimeFigureOut">
               <a:rPr lang="hu-HU" smtClean="0"/>
-              <a:t>2025. 12. 14.</a:t>
+              <a:t>2025. 12. 15.</a:t>
             </a:fld>
             <a:endParaRPr lang="hu-HU"/>
           </a:p>
@@ -3301,12 +2803,7 @@
             <p:ph type="ftr" sz="quarter" idx="11"/>
           </p:nvPr>
         </p:nvSpPr>
-        <p:spPr>
-          <a:xfrm>
-            <a:off x="685800" y="381000"/>
-            <a:ext cx="6991492" cy="365125"/>
-          </a:xfrm>
-        </p:spPr>
+        <p:spPr/>
         <p:txBody>
           <a:bodyPr/>
           <a:lstStyle/>
@@ -3325,12 +2822,7 @@
             <p:ph type="sldNum" sz="quarter" idx="12"/>
           </p:nvPr>
         </p:nvSpPr>
-        <p:spPr>
-          <a:xfrm>
-            <a:off x="10862452" y="381000"/>
-            <a:ext cx="643748" cy="365125"/>
-          </a:xfrm>
-        </p:spPr>
+        <p:spPr/>
         <p:txBody>
           <a:bodyPr/>
           <a:lstStyle/>
@@ -3346,7 +2838,7 @@
     </p:spTree>
     <p:extLst>
       <p:ext uri="{BB962C8B-B14F-4D97-AF65-F5344CB8AC3E}">
-        <p14:creationId xmlns:p14="http://schemas.microsoft.com/office/powerpoint/2010/main" val="704751066"/>
+        <p14:creationId xmlns:p14="http://schemas.microsoft.com/office/powerpoint/2010/main" val="1122586714"/>
       </p:ext>
     </p:extLst>
   </p:cSld>
@@ -3385,8 +2877,14 @@
         </p:nvSpPr>
         <p:spPr/>
         <p:txBody>
-          <a:bodyPr/>
-          <a:lstStyle/>
+          <a:bodyPr>
+            <a:normAutofit/>
+          </a:bodyPr>
+          <a:lstStyle>
+            <a:lvl1pPr>
+              <a:defRPr sz="3600"/>
+            </a:lvl1pPr>
+          </a:lstStyle>
           <a:p>
             <a:r>
               <a:rPr lang="hu-HU"/>
@@ -3465,7 +2963,7 @@
           <a:p>
             <a:fld id="{7A9F1192-88F1-4A84-B1DE-40B39580FAB6}" type="datetimeFigureOut">
               <a:rPr lang="hu-HU" smtClean="0"/>
-              <a:t>2025. 12. 14.</a:t>
+              <a:t>2025. 12. 15.</a:t>
             </a:fld>
             <a:endParaRPr lang="hu-HU"/>
           </a:p>
@@ -3516,7 +3014,7 @@
     </p:spTree>
     <p:extLst>
       <p:ext uri="{BB962C8B-B14F-4D97-AF65-F5344CB8AC3E}">
-        <p14:creationId xmlns:p14="http://schemas.microsoft.com/office/powerpoint/2010/main" val="957092243"/>
+        <p14:creationId xmlns:p14="http://schemas.microsoft.com/office/powerpoint/2010/main" val="2979340983"/>
       </p:ext>
     </p:extLst>
   </p:cSld>
@@ -3527,7 +3025,7 @@
 </file>
 
 <file path=ppt/slideLayouts/slideLayout3.xml><?xml version="1.0" encoding="utf-8"?>
-<p:sldLayout xmlns:a="http://schemas.openxmlformats.org/drawingml/2006/main" xmlns:r="http://schemas.openxmlformats.org/officeDocument/2006/relationships" xmlns:p="http://schemas.openxmlformats.org/presentationml/2006/main" showMasterSp="0" type="secHead" preserve="1">
+<p:sldLayout xmlns:a="http://schemas.openxmlformats.org/drawingml/2006/main" xmlns:r="http://schemas.openxmlformats.org/officeDocument/2006/relationships" xmlns:p="http://schemas.openxmlformats.org/presentationml/2006/main" type="secHead" preserve="1">
   <p:cSld name="Szakaszfejléc">
     <p:spTree>
       <p:nvGrpSpPr>
@@ -3543,180 +3041,147 @@
           <a:chExt cx="0" cy="0"/>
         </a:xfrm>
       </p:grpSpPr>
-      <p:pic>
-        <p:nvPicPr>
-          <p:cNvPr id="9" name="Picture 8" descr="C0-HD-BTM.png"/>
-          <p:cNvPicPr>
-            <a:picLocks noChangeAspect="1"/>
-          </p:cNvPicPr>
-          <p:nvPr/>
-        </p:nvPicPr>
-        <p:blipFill>
-          <a:blip r:embed="rId2">
-            <a:extLst>
-              <a:ext uri="{28A0092B-C50C-407E-A947-70E740481C1C}">
-                <a14:useLocalDpi xmlns:a14="http://schemas.microsoft.com/office/drawing/2010/main" val="0"/>
-              </a:ext>
-            </a:extLst>
-          </a:blip>
-          <a:stretch>
-            <a:fillRect/>
-          </a:stretch>
-        </p:blipFill>
+      <p:sp>
+        <p:nvSpPr>
+          <p:cNvPr id="2" name="Title 1"/>
+          <p:cNvSpPr>
+            <a:spLocks noGrp="1"/>
+          </p:cNvSpPr>
+          <p:nvPr>
+            <p:ph type="title"/>
+          </p:nvPr>
+        </p:nvSpPr>
         <p:spPr>
           <a:xfrm>
-            <a:off x="0" y="4375150"/>
-            <a:ext cx="12192000" cy="2482850"/>
+            <a:off x="677335" y="2700867"/>
+            <a:ext cx="8596668" cy="1826581"/>
           </a:xfrm>
-          <a:prstGeom prst="rect">
-            <a:avLst/>
-          </a:prstGeom>
         </p:spPr>
-      </p:pic>
-      <p:sp>
-        <p:nvSpPr>
-          <p:cNvPr id="2" name="Title 1"/>
-          <p:cNvSpPr>
-            <a:spLocks noGrp="1"/>
-          </p:cNvSpPr>
-          <p:nvPr>
-            <p:ph type="title"/>
+        <p:txBody>
+          <a:bodyPr anchor="b"/>
+          <a:lstStyle>
+            <a:lvl1pPr algn="l">
+              <a:defRPr sz="4000" b="0" cap="none"/>
+            </a:lvl1pPr>
+          </a:lstStyle>
+          <a:p>
+            <a:r>
+              <a:rPr lang="hu-HU"/>
+              <a:t>Mintacím szerkesztése</a:t>
+            </a:r>
+            <a:endParaRPr lang="en-US" dirty="0"/>
+          </a:p>
+        </p:txBody>
+      </p:sp>
+      <p:sp>
+        <p:nvSpPr>
+          <p:cNvPr id="3" name="Text Placeholder 2"/>
+          <p:cNvSpPr>
+            <a:spLocks noGrp="1"/>
+          </p:cNvSpPr>
+          <p:nvPr>
+            <p:ph type="body" idx="1"/>
           </p:nvPr>
         </p:nvSpPr>
         <p:spPr>
           <a:xfrm>
-            <a:off x="685800" y="753533"/>
-            <a:ext cx="10820399" cy="2801935"/>
+            <a:off x="677335" y="4527448"/>
+            <a:ext cx="8596668" cy="860400"/>
           </a:xfrm>
         </p:spPr>
         <p:txBody>
-          <a:bodyPr anchor="b">
-            <a:normAutofit/>
-          </a:bodyPr>
+          <a:bodyPr anchor="t"/>
           <a:lstStyle>
-            <a:lvl1pPr algn="r">
-              <a:defRPr sz="4000"/>
+            <a:lvl1pPr marL="0" indent="0" algn="l">
+              <a:buNone/>
+              <a:defRPr sz="2000">
+                <a:solidFill>
+                  <a:schemeClr val="tx1">
+                    <a:lumMod val="50000"/>
+                    <a:lumOff val="50000"/>
+                  </a:schemeClr>
+                </a:solidFill>
+              </a:defRPr>
             </a:lvl1pPr>
-          </a:lstStyle>
-          <a:p>
-            <a:r>
-              <a:rPr lang="hu-HU"/>
-              <a:t>Mintacím szerkesztése</a:t>
-            </a:r>
-            <a:endParaRPr lang="en-US" dirty="0"/>
-          </a:p>
-        </p:txBody>
-      </p:sp>
-      <p:sp>
-        <p:nvSpPr>
-          <p:cNvPr id="3" name="Text Placeholder 2"/>
-          <p:cNvSpPr>
-            <a:spLocks noGrp="1"/>
-          </p:cNvSpPr>
-          <p:nvPr>
-            <p:ph type="body" idx="1"/>
-          </p:nvPr>
-        </p:nvSpPr>
-        <p:spPr>
-          <a:xfrm>
-            <a:off x="1024467" y="3641725"/>
-            <a:ext cx="10490200" cy="955675"/>
-          </a:xfrm>
-        </p:spPr>
-        <p:txBody>
-          <a:bodyPr>
-            <a:normAutofit/>
-          </a:bodyPr>
-          <a:lstStyle>
-            <a:lvl1pPr marL="0" indent="0" algn="r">
-              <a:buNone/>
-              <a:defRPr sz="2200">
+            <a:lvl2pPr marL="457200" indent="0">
+              <a:buNone/>
+              <a:defRPr sz="1800">
                 <a:solidFill>
                   <a:schemeClr val="tx1">
                     <a:tint val="75000"/>
                   </a:schemeClr>
                 </a:solidFill>
               </a:defRPr>
-            </a:lvl1pPr>
-            <a:lvl2pPr marL="457200" indent="0">
-              <a:buNone/>
-              <a:defRPr sz="2000">
+            </a:lvl2pPr>
+            <a:lvl3pPr marL="914400" indent="0">
+              <a:buNone/>
+              <a:defRPr sz="1600">
                 <a:solidFill>
                   <a:schemeClr val="tx1">
                     <a:tint val="75000"/>
                   </a:schemeClr>
                 </a:solidFill>
               </a:defRPr>
-            </a:lvl2pPr>
-            <a:lvl3pPr marL="914400" indent="0">
-              <a:buNone/>
-              <a:defRPr sz="1800">
+            </a:lvl3pPr>
+            <a:lvl4pPr marL="1371600" indent="0">
+              <a:buNone/>
+              <a:defRPr sz="1400">
                 <a:solidFill>
                   <a:schemeClr val="tx1">
                     <a:tint val="75000"/>
                   </a:schemeClr>
                 </a:solidFill>
               </a:defRPr>
-            </a:lvl3pPr>
-            <a:lvl4pPr marL="1371600" indent="0">
-              <a:buNone/>
-              <a:defRPr sz="1600">
+            </a:lvl4pPr>
+            <a:lvl5pPr marL="1828800" indent="0">
+              <a:buNone/>
+              <a:defRPr sz="1400">
                 <a:solidFill>
                   <a:schemeClr val="tx1">
                     <a:tint val="75000"/>
                   </a:schemeClr>
                 </a:solidFill>
               </a:defRPr>
-            </a:lvl4pPr>
-            <a:lvl5pPr marL="1828800" indent="0">
-              <a:buNone/>
-              <a:defRPr sz="1600">
+            </a:lvl5pPr>
+            <a:lvl6pPr marL="2286000" indent="0">
+              <a:buNone/>
+              <a:defRPr sz="1400">
                 <a:solidFill>
                   <a:schemeClr val="tx1">
                     <a:tint val="75000"/>
                   </a:schemeClr>
                 </a:solidFill>
               </a:defRPr>
-            </a:lvl5pPr>
-            <a:lvl6pPr marL="2286000" indent="0">
-              <a:buNone/>
-              <a:defRPr sz="1600">
+            </a:lvl6pPr>
+            <a:lvl7pPr marL="2743200" indent="0">
+              <a:buNone/>
+              <a:defRPr sz="1400">
                 <a:solidFill>
                   <a:schemeClr val="tx1">
                     <a:tint val="75000"/>
                   </a:schemeClr>
                 </a:solidFill>
               </a:defRPr>
-            </a:lvl6pPr>
-            <a:lvl7pPr marL="2743200" indent="0">
-              <a:buNone/>
-              <a:defRPr sz="1600">
+            </a:lvl7pPr>
+            <a:lvl8pPr marL="3200400" indent="0">
+              <a:buNone/>
+              <a:defRPr sz="1400">
                 <a:solidFill>
                   <a:schemeClr val="tx1">
                     <a:tint val="75000"/>
                   </a:schemeClr>
                 </a:solidFill>
               </a:defRPr>
-            </a:lvl7pPr>
-            <a:lvl8pPr marL="3200400" indent="0">
-              <a:buNone/>
-              <a:defRPr sz="1600">
+            </a:lvl8pPr>
+            <a:lvl9pPr marL="3657600" indent="0">
+              <a:buNone/>
+              <a:defRPr sz="1400">
                 <a:solidFill>
                   <a:schemeClr val="tx1">
                     <a:tint val="75000"/>
                   </a:schemeClr>
                 </a:solidFill>
               </a:defRPr>
-            </a:lvl8pPr>
-            <a:lvl9pPr marL="3657600" indent="0">
-              <a:buNone/>
-              <a:defRPr sz="1600">
-                <a:solidFill>
-                  <a:schemeClr val="tx1">
-                    <a:tint val="75000"/>
-                  </a:schemeClr>
-                </a:solidFill>
-              </a:defRPr>
             </a:lvl9pPr>
           </a:lstStyle>
           <a:p>
@@ -3738,23 +3203,14 @@
             <p:ph type="dt" sz="half" idx="10"/>
           </p:nvPr>
         </p:nvSpPr>
-        <p:spPr>
-          <a:xfrm>
-            <a:off x="7814452" y="381000"/>
-            <a:ext cx="2910840" cy="365125"/>
-          </a:xfrm>
-        </p:spPr>
-        <p:txBody>
-          <a:bodyPr/>
-          <a:lstStyle>
-            <a:lvl1pPr algn="r">
-              <a:defRPr/>
-            </a:lvl1pPr>
-          </a:lstStyle>
+        <p:spPr/>
+        <p:txBody>
+          <a:bodyPr/>
+          <a:lstStyle/>
           <a:p>
             <a:fld id="{7A9F1192-88F1-4A84-B1DE-40B39580FAB6}" type="datetimeFigureOut">
               <a:rPr lang="hu-HU" smtClean="0"/>
-              <a:t>2025. 12. 14.</a:t>
+              <a:t>2025. 12. 15.</a:t>
             </a:fld>
             <a:endParaRPr lang="hu-HU"/>
           </a:p>
@@ -3770,12 +3226,7 @@
             <p:ph type="ftr" sz="quarter" idx="11"/>
           </p:nvPr>
         </p:nvSpPr>
-        <p:spPr>
-          <a:xfrm>
-            <a:off x="685800" y="381001"/>
-            <a:ext cx="6991492" cy="364065"/>
-          </a:xfrm>
-        </p:spPr>
+        <p:spPr/>
         <p:txBody>
           <a:bodyPr/>
           <a:lstStyle/>
@@ -3794,12 +3245,7 @@
             <p:ph type="sldNum" sz="quarter" idx="12"/>
           </p:nvPr>
         </p:nvSpPr>
-        <p:spPr>
-          <a:xfrm>
-            <a:off x="10862452" y="381000"/>
-            <a:ext cx="643748" cy="365125"/>
-          </a:xfrm>
-        </p:spPr>
+        <p:spPr/>
         <p:txBody>
           <a:bodyPr/>
           <a:lstStyle/>
@@ -3815,7 +3261,7 @@
     </p:spTree>
     <p:extLst>
       <p:ext uri="{BB962C8B-B14F-4D97-AF65-F5344CB8AC3E}">
-        <p14:creationId xmlns:p14="http://schemas.microsoft.com/office/powerpoint/2010/main" val="3167308932"/>
+        <p14:creationId xmlns:p14="http://schemas.microsoft.com/office/powerpoint/2010/main" val="1739819900"/>
       </p:ext>
     </p:extLst>
   </p:cSld>
@@ -3877,8 +3323,8 @@
         </p:nvSpPr>
         <p:spPr>
           <a:xfrm>
-            <a:off x="685800" y="2194559"/>
-            <a:ext cx="5334000" cy="4024125"/>
+            <a:off x="677334" y="2160589"/>
+            <a:ext cx="4184035" cy="3880772"/>
           </a:xfrm>
         </p:spPr>
         <p:txBody>
@@ -3934,8 +3380,8 @@
         </p:nvSpPr>
         <p:spPr>
           <a:xfrm>
-            <a:off x="6172200" y="2194559"/>
-            <a:ext cx="5334000" cy="4024125"/>
+            <a:off x="5089970" y="2160589"/>
+            <a:ext cx="4184034" cy="3880773"/>
           </a:xfrm>
         </p:spPr>
         <p:txBody>
@@ -3996,7 +3442,7 @@
           <a:p>
             <a:fld id="{7A9F1192-88F1-4A84-B1DE-40B39580FAB6}" type="datetimeFigureOut">
               <a:rPr lang="hu-HU" smtClean="0"/>
-              <a:t>2025. 12. 14.</a:t>
+              <a:t>2025. 12. 15.</a:t>
             </a:fld>
             <a:endParaRPr lang="hu-HU"/>
           </a:p>
@@ -4047,7 +3493,7 @@
     </p:spTree>
     <p:extLst>
       <p:ext uri="{BB962C8B-B14F-4D97-AF65-F5344CB8AC3E}">
-        <p14:creationId xmlns:p14="http://schemas.microsoft.com/office/powerpoint/2010/main" val="1671187669"/>
+        <p14:creationId xmlns:p14="http://schemas.microsoft.com/office/powerpoint/2010/main" val="213481928"/>
       </p:ext>
     </p:extLst>
   </p:cSld>
@@ -4084,52 +3530,47 @@
             <p:ph type="title"/>
           </p:nvPr>
         </p:nvSpPr>
+        <p:spPr/>
+        <p:txBody>
+          <a:bodyPr/>
+          <a:lstStyle>
+            <a:lvl1pPr>
+              <a:defRPr/>
+            </a:lvl1pPr>
+          </a:lstStyle>
+          <a:p>
+            <a:r>
+              <a:rPr lang="hu-HU"/>
+              <a:t>Mintacím szerkesztése</a:t>
+            </a:r>
+            <a:endParaRPr lang="en-US" dirty="0"/>
+          </a:p>
+        </p:txBody>
+      </p:sp>
+      <p:sp>
+        <p:nvSpPr>
+          <p:cNvPr id="3" name="Text Placeholder 2"/>
+          <p:cNvSpPr>
+            <a:spLocks noGrp="1"/>
+          </p:cNvSpPr>
+          <p:nvPr>
+            <p:ph type="body" idx="1"/>
+          </p:nvPr>
+        </p:nvSpPr>
         <p:spPr>
           <a:xfrm>
-            <a:off x="2895600" y="762000"/>
-            <a:ext cx="8610600" cy="1295400"/>
+            <a:off x="675745" y="2160983"/>
+            <a:ext cx="4185623" cy="576262"/>
           </a:xfrm>
         </p:spPr>
         <p:txBody>
-          <a:bodyPr/>
-          <a:lstStyle/>
-          <a:p>
-            <a:r>
-              <a:rPr lang="hu-HU"/>
-              <a:t>Mintacím szerkesztése</a:t>
-            </a:r>
-            <a:endParaRPr lang="en-US" dirty="0"/>
-          </a:p>
-        </p:txBody>
-      </p:sp>
-      <p:sp>
-        <p:nvSpPr>
-          <p:cNvPr id="3" name="Text Placeholder 2"/>
-          <p:cNvSpPr>
-            <a:spLocks noGrp="1"/>
-          </p:cNvSpPr>
-          <p:nvPr>
-            <p:ph type="body" idx="1"/>
-          </p:nvPr>
-        </p:nvSpPr>
-        <p:spPr>
-          <a:xfrm>
-            <a:off x="914409" y="2183802"/>
-            <a:ext cx="5079991" cy="823912"/>
-          </a:xfrm>
-        </p:spPr>
-        <p:txBody>
           <a:bodyPr anchor="b">
-            <a:normAutofit/>
+            <a:noAutofit/>
           </a:bodyPr>
           <a:lstStyle>
             <a:lvl1pPr marL="0" indent="0">
               <a:buNone/>
-              <a:defRPr sz="2800" b="0">
-                <a:solidFill>
-                  <a:schemeClr val="tx1"/>
-                </a:solidFill>
-              </a:defRPr>
+              <a:defRPr sz="2400" b="0"/>
             </a:lvl1pPr>
             <a:lvl2pPr marL="457200" indent="0">
               <a:buNone/>
@@ -4185,12 +3626,14 @@
         </p:nvSpPr>
         <p:spPr>
           <a:xfrm>
-            <a:off x="685800" y="3132666"/>
-            <a:ext cx="5311775" cy="3086019"/>
+            <a:off x="675745" y="2737245"/>
+            <a:ext cx="4185623" cy="3304117"/>
           </a:xfrm>
         </p:spPr>
         <p:txBody>
-          <a:bodyPr/>
+          <a:bodyPr>
+            <a:normAutofit/>
+          </a:bodyPr>
           <a:lstStyle/>
           <a:p>
             <a:pPr lvl="0"/>
@@ -4242,22 +3685,18 @@
         </p:nvSpPr>
         <p:spPr>
           <a:xfrm>
-            <a:off x="6400800" y="2183802"/>
-            <a:ext cx="5105400" cy="823912"/>
+            <a:off x="5088383" y="2160983"/>
+            <a:ext cx="4185618" cy="576262"/>
           </a:xfrm>
         </p:spPr>
         <p:txBody>
           <a:bodyPr anchor="b">
-            <a:normAutofit/>
+            <a:noAutofit/>
           </a:bodyPr>
           <a:lstStyle>
             <a:lvl1pPr marL="0" indent="0">
               <a:buNone/>
-              <a:defRPr sz="2800" b="0">
-                <a:solidFill>
-                  <a:schemeClr val="tx1"/>
-                </a:solidFill>
-              </a:defRPr>
+              <a:defRPr sz="2400" b="0"/>
             </a:lvl1pPr>
             <a:lvl2pPr marL="457200" indent="0">
               <a:buNone/>
@@ -4313,12 +3752,14 @@
         </p:nvSpPr>
         <p:spPr>
           <a:xfrm>
-            <a:off x="6172200" y="3132666"/>
-            <a:ext cx="5334000" cy="3086019"/>
+            <a:off x="5088384" y="2737245"/>
+            <a:ext cx="4185617" cy="3304117"/>
           </a:xfrm>
         </p:spPr>
         <p:txBody>
-          <a:bodyPr/>
+          <a:bodyPr>
+            <a:normAutofit/>
+          </a:bodyPr>
           <a:lstStyle/>
           <a:p>
             <a:pPr lvl="0"/>
@@ -4375,7 +3816,7 @@
           <a:p>
             <a:fld id="{7A9F1192-88F1-4A84-B1DE-40B39580FAB6}" type="datetimeFigureOut">
               <a:rPr lang="hu-HU" smtClean="0"/>
-              <a:t>2025. 12. 14.</a:t>
+              <a:t>2025. 12. 15.</a:t>
             </a:fld>
             <a:endParaRPr lang="hu-HU"/>
           </a:p>
@@ -4426,7 +3867,7 @@
     </p:spTree>
     <p:extLst>
       <p:ext uri="{BB962C8B-B14F-4D97-AF65-F5344CB8AC3E}">
-        <p14:creationId xmlns:p14="http://schemas.microsoft.com/office/powerpoint/2010/main" val="670204564"/>
+        <p14:creationId xmlns:p14="http://schemas.microsoft.com/office/powerpoint/2010/main" val="3304740210"/>
       </p:ext>
     </p:extLst>
   </p:cSld>
@@ -4463,7 +3904,12 @@
             <p:ph type="title"/>
           </p:nvPr>
         </p:nvSpPr>
-        <p:spPr/>
+        <p:spPr>
+          <a:xfrm>
+            <a:off x="677334" y="609600"/>
+            <a:ext cx="8596668" cy="1320800"/>
+          </a:xfrm>
+        </p:spPr>
         <p:txBody>
           <a:bodyPr/>
           <a:lstStyle/>
@@ -4493,7 +3939,7 @@
           <a:p>
             <a:fld id="{7A9F1192-88F1-4A84-B1DE-40B39580FAB6}" type="datetimeFigureOut">
               <a:rPr lang="hu-HU" smtClean="0"/>
-              <a:t>2025. 12. 14.</a:t>
+              <a:t>2025. 12. 15.</a:t>
             </a:fld>
             <a:endParaRPr lang="hu-HU"/>
           </a:p>
@@ -4544,7 +3990,7 @@
     </p:spTree>
     <p:extLst>
       <p:ext uri="{BB962C8B-B14F-4D97-AF65-F5344CB8AC3E}">
-        <p14:creationId xmlns:p14="http://schemas.microsoft.com/office/powerpoint/2010/main" val="182396563"/>
+        <p14:creationId xmlns:p14="http://schemas.microsoft.com/office/powerpoint/2010/main" val="2187106270"/>
       </p:ext>
     </p:extLst>
   </p:cSld>
@@ -4588,7 +4034,7 @@
           <a:p>
             <a:fld id="{7A9F1192-88F1-4A84-B1DE-40B39580FAB6}" type="datetimeFigureOut">
               <a:rPr lang="hu-HU" smtClean="0"/>
-              <a:t>2025. 12. 14.</a:t>
+              <a:t>2025. 12. 15.</a:t>
             </a:fld>
             <a:endParaRPr lang="hu-HU"/>
           </a:p>
@@ -4639,7 +4085,7 @@
     </p:spTree>
     <p:extLst>
       <p:ext uri="{BB962C8B-B14F-4D97-AF65-F5344CB8AC3E}">
-        <p14:creationId xmlns:p14="http://schemas.microsoft.com/office/powerpoint/2010/main" val="2181182402"/>
+        <p14:creationId xmlns:p14="http://schemas.microsoft.com/office/powerpoint/2010/main" val="3947290975"/>
       </p:ext>
     </p:extLst>
   </p:cSld>
@@ -4678,15 +4124,17 @@
         </p:nvSpPr>
         <p:spPr>
           <a:xfrm>
-            <a:off x="685800" y="1524000"/>
-            <a:ext cx="4114800" cy="1600200"/>
+            <a:off x="677334" y="1498604"/>
+            <a:ext cx="3854528" cy="1278466"/>
           </a:xfrm>
         </p:spPr>
         <p:txBody>
-          <a:bodyPr anchor="b"/>
+          <a:bodyPr anchor="b">
+            <a:normAutofit/>
+          </a:bodyPr>
           <a:lstStyle>
-            <a:lvl1pPr algn="l">
-              <a:defRPr sz="3200"/>
+            <a:lvl1pPr>
+              <a:defRPr sz="2000"/>
             </a:lvl1pPr>
           </a:lstStyle>
           <a:p>
@@ -4710,12 +4158,14 @@
         </p:nvSpPr>
         <p:spPr>
           <a:xfrm>
-            <a:off x="4995582" y="746759"/>
-            <a:ext cx="6510618" cy="5471925"/>
+            <a:off x="4760461" y="514924"/>
+            <a:ext cx="4513541" cy="5526437"/>
           </a:xfrm>
         </p:spPr>
         <p:txBody>
-          <a:bodyPr anchor="ctr"/>
+          <a:bodyPr>
+            <a:normAutofit/>
+          </a:bodyPr>
           <a:lstStyle/>
           <a:p>
             <a:pPr lvl="0"/>
@@ -4767,46 +4217,48 @@
         </p:nvSpPr>
         <p:spPr>
           <a:xfrm>
-            <a:off x="685800" y="3124199"/>
-            <a:ext cx="4114800" cy="3094485"/>
+            <a:off x="677334" y="2777069"/>
+            <a:ext cx="3854528" cy="2584449"/>
           </a:xfrm>
         </p:spPr>
         <p:txBody>
-          <a:bodyPr/>
+          <a:bodyPr>
+            <a:normAutofit/>
+          </a:bodyPr>
           <a:lstStyle>
             <a:lvl1pPr marL="0" indent="0">
               <a:buNone/>
-              <a:defRPr sz="1600"/>
+              <a:defRPr sz="1400"/>
             </a:lvl1pPr>
-            <a:lvl2pPr marL="457200" indent="0">
+            <a:lvl2pPr marL="457063" indent="0">
               <a:buNone/>
               <a:defRPr sz="1400"/>
             </a:lvl2pPr>
-            <a:lvl3pPr marL="914400" indent="0">
+            <a:lvl3pPr marL="914126" indent="0">
               <a:buNone/>
               <a:defRPr sz="1200"/>
             </a:lvl3pPr>
-            <a:lvl4pPr marL="1371600" indent="0">
+            <a:lvl4pPr marL="1371189" indent="0">
               <a:buNone/>
               <a:defRPr sz="1000"/>
             </a:lvl4pPr>
-            <a:lvl5pPr marL="1828800" indent="0">
+            <a:lvl5pPr marL="1828251" indent="0">
               <a:buNone/>
               <a:defRPr sz="1000"/>
             </a:lvl5pPr>
-            <a:lvl6pPr marL="2286000" indent="0">
+            <a:lvl6pPr marL="2285314" indent="0">
               <a:buNone/>
               <a:defRPr sz="1000"/>
             </a:lvl6pPr>
-            <a:lvl7pPr marL="2743200" indent="0">
+            <a:lvl7pPr marL="2742377" indent="0">
               <a:buNone/>
               <a:defRPr sz="1000"/>
             </a:lvl7pPr>
-            <a:lvl8pPr marL="3200400" indent="0">
+            <a:lvl8pPr marL="3199440" indent="0">
               <a:buNone/>
               <a:defRPr sz="1000"/>
             </a:lvl8pPr>
-            <a:lvl9pPr marL="3657600" indent="0">
+            <a:lvl9pPr marL="3656503" indent="0">
               <a:buNone/>
               <a:defRPr sz="1000"/>
             </a:lvl9pPr>
@@ -4837,7 +4289,7 @@
           <a:p>
             <a:fld id="{7A9F1192-88F1-4A84-B1DE-40B39580FAB6}" type="datetimeFigureOut">
               <a:rPr lang="hu-HU" smtClean="0"/>
-              <a:t>2025. 12. 14.</a:t>
+              <a:t>2025. 12. 15.</a:t>
             </a:fld>
             <a:endParaRPr lang="hu-HU"/>
           </a:p>
@@ -4888,7 +4340,7 @@
     </p:spTree>
     <p:extLst>
       <p:ext uri="{BB962C8B-B14F-4D97-AF65-F5344CB8AC3E}">
-        <p14:creationId xmlns:p14="http://schemas.microsoft.com/office/powerpoint/2010/main" val="3047449912"/>
+        <p14:creationId xmlns:p14="http://schemas.microsoft.com/office/powerpoint/2010/main" val="1869249537"/>
       </p:ext>
     </p:extLst>
   </p:cSld>
@@ -4927,15 +4379,17 @@
         </p:nvSpPr>
         <p:spPr>
           <a:xfrm>
-            <a:off x="685800" y="1524000"/>
-            <a:ext cx="6873240" cy="1600200"/>
+            <a:off x="677334" y="4800600"/>
+            <a:ext cx="8596667" cy="566738"/>
           </a:xfrm>
         </p:spPr>
         <p:txBody>
-          <a:bodyPr anchor="b"/>
+          <a:bodyPr anchor="b">
+            <a:normAutofit/>
+          </a:bodyPr>
           <a:lstStyle>
             <a:lvl1pPr algn="l">
-              <a:defRPr sz="3200"/>
+              <a:defRPr sz="2400" b="0"/>
             </a:lvl1pPr>
           </a:lstStyle>
           <a:p>
@@ -4959,116 +4413,120 @@
         </p:nvSpPr>
         <p:spPr>
           <a:xfrm>
-            <a:off x="7861238" y="751241"/>
-            <a:ext cx="3644962" cy="5467443"/>
+            <a:off x="677334" y="609600"/>
+            <a:ext cx="8596668" cy="3845718"/>
           </a:xfrm>
         </p:spPr>
         <p:txBody>
-          <a:bodyPr anchor="t"/>
+          <a:bodyPr anchor="t">
+            <a:normAutofit/>
+          </a:bodyPr>
           <a:lstStyle>
-            <a:lvl1pPr marL="0" indent="0">
-              <a:buNone/>
-              <a:defRPr sz="3200"/>
-            </a:lvl1pPr>
-            <a:lvl2pPr marL="457200" indent="0">
-              <a:buNone/>
-              <a:defRPr sz="2800"/>
-            </a:lvl2pPr>
-            <a:lvl3pPr marL="914400" indent="0">
-              <a:buNone/>
-              <a:defRPr sz="2400"/>
-            </a:lvl3pPr>
-            <a:lvl4pPr marL="1371600" indent="0">
-              <a:buNone/>
-              <a:defRPr sz="2000"/>
-            </a:lvl4pPr>
-            <a:lvl5pPr marL="1828800" indent="0">
-              <a:buNone/>
-              <a:defRPr sz="2000"/>
-            </a:lvl5pPr>
-            <a:lvl6pPr marL="2286000" indent="0">
-              <a:buNone/>
-              <a:defRPr sz="2000"/>
-            </a:lvl6pPr>
-            <a:lvl7pPr marL="2743200" indent="0">
-              <a:buNone/>
-              <a:defRPr sz="2000"/>
-            </a:lvl7pPr>
-            <a:lvl8pPr marL="3200400" indent="0">
-              <a:buNone/>
-              <a:defRPr sz="2000"/>
-            </a:lvl8pPr>
-            <a:lvl9pPr marL="3657600" indent="0">
-              <a:buNone/>
-              <a:defRPr sz="2000"/>
-            </a:lvl9pPr>
-          </a:lstStyle>
-          <a:p>
-            <a:r>
-              <a:rPr lang="hu-HU"/>
-              <a:t>Kép beszúrásához kattintson az ikonra</a:t>
-            </a:r>
-            <a:endParaRPr lang="en-US" dirty="0"/>
-          </a:p>
-        </p:txBody>
-      </p:sp>
-      <p:sp>
-        <p:nvSpPr>
-          <p:cNvPr id="4" name="Text Placeholder 3"/>
-          <p:cNvSpPr>
-            <a:spLocks noGrp="1"/>
-          </p:cNvSpPr>
-          <p:nvPr>
-            <p:ph type="body" sz="half" idx="2"/>
-          </p:nvPr>
-        </p:nvSpPr>
-        <p:spPr>
-          <a:xfrm>
-            <a:off x="685800" y="3124199"/>
-            <a:ext cx="6873240" cy="3094485"/>
-          </a:xfrm>
-        </p:spPr>
-        <p:txBody>
-          <a:bodyPr/>
-          <a:lstStyle>
-            <a:lvl1pPr marL="0" indent="0">
+            <a:lvl1pPr marL="0" indent="0" algn="ctr">
               <a:buNone/>
               <a:defRPr sz="1600"/>
             </a:lvl1pPr>
             <a:lvl2pPr marL="457200" indent="0">
               <a:buNone/>
-              <a:defRPr sz="1400"/>
+              <a:defRPr sz="1600"/>
             </a:lvl2pPr>
             <a:lvl3pPr marL="914400" indent="0">
               <a:buNone/>
-              <a:defRPr sz="1200"/>
+              <a:defRPr sz="1600"/>
             </a:lvl3pPr>
             <a:lvl4pPr marL="1371600" indent="0">
               <a:buNone/>
-              <a:defRPr sz="1000"/>
+              <a:defRPr sz="1600"/>
             </a:lvl4pPr>
             <a:lvl5pPr marL="1828800" indent="0">
               <a:buNone/>
-              <a:defRPr sz="1000"/>
+              <a:defRPr sz="1600"/>
             </a:lvl5pPr>
             <a:lvl6pPr marL="2286000" indent="0">
               <a:buNone/>
-              <a:defRPr sz="1000"/>
+              <a:defRPr sz="1600"/>
             </a:lvl6pPr>
             <a:lvl7pPr marL="2743200" indent="0">
               <a:buNone/>
-              <a:defRPr sz="1000"/>
+              <a:defRPr sz="1600"/>
             </a:lvl7pPr>
             <a:lvl8pPr marL="3200400" indent="0">
               <a:buNone/>
-              <a:defRPr sz="1000"/>
+              <a:defRPr sz="1600"/>
             </a:lvl8pPr>
             <a:lvl9pPr marL="3657600" indent="0">
               <a:buNone/>
-              <a:defRPr sz="1000"/>
+              <a:defRPr sz="1600"/>
             </a:lvl9pPr>
           </a:lstStyle>
           <a:p>
+            <a:r>
+              <a:rPr lang="hu-HU"/>
+              <a:t>Kép beszúrásához kattintson az ikonra</a:t>
+            </a:r>
+            <a:endParaRPr lang="en-US" dirty="0"/>
+          </a:p>
+        </p:txBody>
+      </p:sp>
+      <p:sp>
+        <p:nvSpPr>
+          <p:cNvPr id="4" name="Text Placeholder 3"/>
+          <p:cNvSpPr>
+            <a:spLocks noGrp="1"/>
+          </p:cNvSpPr>
+          <p:nvPr>
+            <p:ph type="body" sz="half" idx="2"/>
+          </p:nvPr>
+        </p:nvSpPr>
+        <p:spPr>
+          <a:xfrm>
+            <a:off x="677334" y="5367338"/>
+            <a:ext cx="8596667" cy="674024"/>
+          </a:xfrm>
+        </p:spPr>
+        <p:txBody>
+          <a:bodyPr>
+            <a:normAutofit/>
+          </a:bodyPr>
+          <a:lstStyle>
+            <a:lvl1pPr marL="0" indent="0">
+              <a:buNone/>
+              <a:defRPr sz="1200"/>
+            </a:lvl1pPr>
+            <a:lvl2pPr marL="457200" indent="0">
+              <a:buNone/>
+              <a:defRPr sz="1200"/>
+            </a:lvl2pPr>
+            <a:lvl3pPr marL="914400" indent="0">
+              <a:buNone/>
+              <a:defRPr sz="1000"/>
+            </a:lvl3pPr>
+            <a:lvl4pPr marL="1371600" indent="0">
+              <a:buNone/>
+              <a:defRPr sz="900"/>
+            </a:lvl4pPr>
+            <a:lvl5pPr marL="1828800" indent="0">
+              <a:buNone/>
+              <a:defRPr sz="900"/>
+            </a:lvl5pPr>
+            <a:lvl6pPr marL="2286000" indent="0">
+              <a:buNone/>
+              <a:defRPr sz="900"/>
+            </a:lvl6pPr>
+            <a:lvl7pPr marL="2743200" indent="0">
+              <a:buNone/>
+              <a:defRPr sz="900"/>
+            </a:lvl7pPr>
+            <a:lvl8pPr marL="3200400" indent="0">
+              <a:buNone/>
+              <a:defRPr sz="900"/>
+            </a:lvl8pPr>
+            <a:lvl9pPr marL="3657600" indent="0">
+              <a:buNone/>
+              <a:defRPr sz="900"/>
+            </a:lvl9pPr>
+          </a:lstStyle>
+          <a:p>
             <a:pPr lvl="0"/>
             <a:r>
               <a:rPr lang="hu-HU"/>
@@ -5094,7 +4552,7 @@
           <a:p>
             <a:fld id="{7A9F1192-88F1-4A84-B1DE-40B39580FAB6}" type="datetimeFigureOut">
               <a:rPr lang="hu-HU" smtClean="0"/>
-              <a:t>2025. 12. 14.</a:t>
+              <a:t>2025. 12. 15.</a:t>
             </a:fld>
             <a:endParaRPr lang="hu-HU"/>
           </a:p>
@@ -5145,7 +4603,7 @@
     </p:spTree>
     <p:extLst>
       <p:ext uri="{BB962C8B-B14F-4D97-AF65-F5344CB8AC3E}">
-        <p14:creationId xmlns:p14="http://schemas.microsoft.com/office/powerpoint/2010/main" val="3278055635"/>
+        <p14:creationId xmlns:p14="http://schemas.microsoft.com/office/powerpoint/2010/main" val="155056940"/>
       </p:ext>
     </p:extLst>
   </p:cSld>
@@ -5160,7 +4618,7 @@
   <p:cSld>
     <p:bg>
       <p:bgRef idx="1001">
-        <a:schemeClr val="bg1"/>
+        <a:schemeClr val="bg2"/>
       </p:bgRef>
     </p:bg>
     <p:spTree>
@@ -5177,64 +4635,628 @@
           <a:chExt cx="0" cy="0"/>
         </a:xfrm>
       </p:grpSpPr>
-      <p:pic>
-        <p:nvPicPr>
-          <p:cNvPr id="7" name="Picture 6" descr="C0-HD-TOP.png"/>
-          <p:cNvPicPr>
-            <a:picLocks noChangeAspect="1"/>
-          </p:cNvPicPr>
+      <p:grpSp>
+        <p:nvGrpSpPr>
+          <p:cNvPr id="8" name="Group 7"/>
+          <p:cNvGrpSpPr/>
           <p:nvPr/>
-        </p:nvPicPr>
-        <p:blipFill>
-          <a:blip r:embed="rId19">
-            <a:extLst>
-              <a:ext uri="{28A0092B-C50C-407E-A947-70E740481C1C}">
-                <a14:useLocalDpi xmlns:a14="http://schemas.microsoft.com/office/drawing/2010/main" val="0"/>
-              </a:ext>
-            </a:extLst>
-          </a:blip>
-          <a:stretch>
-            <a:fillRect/>
-          </a:stretch>
-        </p:blipFill>
+        </p:nvGrpSpPr>
+        <p:grpSpPr>
+          <a:xfrm>
+            <a:off x="0" y="-8467"/>
+            <a:ext cx="12192000" cy="6866467"/>
+            <a:chOff x="0" y="-8467"/>
+            <a:chExt cx="12192000" cy="6866467"/>
+          </a:xfrm>
+        </p:grpSpPr>
+        <p:cxnSp>
+          <p:nvCxnSpPr>
+            <p:cNvPr id="20" name="Straight Connector 19"/>
+            <p:cNvCxnSpPr/>
+            <p:nvPr/>
+          </p:nvCxnSpPr>
+          <p:spPr>
+            <a:xfrm>
+              <a:off x="9371012" y="0"/>
+              <a:ext cx="1219200" cy="6858000"/>
+            </a:xfrm>
+            <a:prstGeom prst="line">
+              <a:avLst/>
+            </a:prstGeom>
+            <a:ln w="9525">
+              <a:solidFill>
+                <a:schemeClr val="bg1">
+                  <a:lumMod val="85000"/>
+                  <a:lumOff val="15000"/>
+                </a:schemeClr>
+              </a:solidFill>
+            </a:ln>
+          </p:spPr>
+          <p:style>
+            <a:lnRef idx="2">
+              <a:schemeClr val="accent1"/>
+            </a:lnRef>
+            <a:fillRef idx="0">
+              <a:schemeClr val="accent1"/>
+            </a:fillRef>
+            <a:effectRef idx="1">
+              <a:schemeClr val="accent1"/>
+            </a:effectRef>
+            <a:fontRef idx="minor">
+              <a:schemeClr val="tx1"/>
+            </a:fontRef>
+          </p:style>
+        </p:cxnSp>
+        <p:cxnSp>
+          <p:nvCxnSpPr>
+            <p:cNvPr id="21" name="Straight Connector 20"/>
+            <p:cNvCxnSpPr/>
+            <p:nvPr/>
+          </p:nvCxnSpPr>
+          <p:spPr>
+            <a:xfrm flipH="1">
+              <a:off x="7425267" y="3681413"/>
+              <a:ext cx="4763558" cy="3176587"/>
+            </a:xfrm>
+            <a:prstGeom prst="line">
+              <a:avLst/>
+            </a:prstGeom>
+            <a:ln w="9525">
+              <a:solidFill>
+                <a:schemeClr val="bg1">
+                  <a:lumMod val="85000"/>
+                  <a:lumOff val="15000"/>
+                </a:schemeClr>
+              </a:solidFill>
+            </a:ln>
+          </p:spPr>
+          <p:style>
+            <a:lnRef idx="2">
+              <a:schemeClr val="accent1"/>
+            </a:lnRef>
+            <a:fillRef idx="0">
+              <a:schemeClr val="accent1"/>
+            </a:fillRef>
+            <a:effectRef idx="1">
+              <a:schemeClr val="accent1"/>
+            </a:effectRef>
+            <a:fontRef idx="minor">
+              <a:schemeClr val="tx1"/>
+            </a:fontRef>
+          </p:style>
+        </p:cxnSp>
+        <p:sp>
+          <p:nvSpPr>
+            <p:cNvPr id="22" name="Rectangle 23"/>
+            <p:cNvSpPr/>
+            <p:nvPr/>
+          </p:nvSpPr>
+          <p:spPr>
+            <a:xfrm>
+              <a:off x="9181476" y="-8467"/>
+              <a:ext cx="3007349" cy="6866467"/>
+            </a:xfrm>
+            <a:custGeom>
+              <a:avLst/>
+              <a:gdLst/>
+              <a:ahLst/>
+              <a:cxnLst/>
+              <a:rect l="l" t="t" r="r" b="b"/>
+              <a:pathLst>
+                <a:path w="3007349" h="6866467">
+                  <a:moveTo>
+                    <a:pt x="2045532" y="0"/>
+                  </a:moveTo>
+                  <a:lnTo>
+                    <a:pt x="3007349" y="0"/>
+                  </a:lnTo>
+                  <a:lnTo>
+                    <a:pt x="3007349" y="6866467"/>
+                  </a:lnTo>
+                  <a:lnTo>
+                    <a:pt x="0" y="6866467"/>
+                  </a:lnTo>
+                  <a:lnTo>
+                    <a:pt x="2045532" y="0"/>
+                  </a:lnTo>
+                  <a:close/>
+                </a:path>
+              </a:pathLst>
+            </a:custGeom>
+            <a:solidFill>
+              <a:schemeClr val="accent1">
+                <a:alpha val="30000"/>
+              </a:schemeClr>
+            </a:solidFill>
+            <a:ln>
+              <a:noFill/>
+            </a:ln>
+            <a:effectLst/>
+          </p:spPr>
+          <p:style>
+            <a:lnRef idx="1">
+              <a:schemeClr val="accent1"/>
+            </a:lnRef>
+            <a:fillRef idx="3">
+              <a:schemeClr val="accent1"/>
+            </a:fillRef>
+            <a:effectRef idx="2">
+              <a:schemeClr val="accent1"/>
+            </a:effectRef>
+            <a:fontRef idx="minor">
+              <a:schemeClr val="lt1"/>
+            </a:fontRef>
+          </p:style>
+        </p:sp>
+        <p:sp>
+          <p:nvSpPr>
+            <p:cNvPr id="23" name="Rectangle 25"/>
+            <p:cNvSpPr/>
+            <p:nvPr/>
+          </p:nvSpPr>
+          <p:spPr>
+            <a:xfrm>
+              <a:off x="9603442" y="-8467"/>
+              <a:ext cx="2588558" cy="6866467"/>
+            </a:xfrm>
+            <a:custGeom>
+              <a:avLst/>
+              <a:gdLst/>
+              <a:ahLst/>
+              <a:cxnLst/>
+              <a:rect l="l" t="t" r="r" b="b"/>
+              <a:pathLst>
+                <a:path w="2573311" h="6866467">
+                  <a:moveTo>
+                    <a:pt x="0" y="0"/>
+                  </a:moveTo>
+                  <a:lnTo>
+                    <a:pt x="2573311" y="0"/>
+                  </a:lnTo>
+                  <a:lnTo>
+                    <a:pt x="2573311" y="6866467"/>
+                  </a:lnTo>
+                  <a:lnTo>
+                    <a:pt x="1202336" y="6866467"/>
+                  </a:lnTo>
+                  <a:lnTo>
+                    <a:pt x="0" y="0"/>
+                  </a:lnTo>
+                  <a:close/>
+                </a:path>
+              </a:pathLst>
+            </a:custGeom>
+            <a:solidFill>
+              <a:schemeClr val="accent1">
+                <a:alpha val="20000"/>
+              </a:schemeClr>
+            </a:solidFill>
+            <a:ln>
+              <a:noFill/>
+            </a:ln>
+            <a:effectLst/>
+          </p:spPr>
+          <p:style>
+            <a:lnRef idx="1">
+              <a:schemeClr val="accent1"/>
+            </a:lnRef>
+            <a:fillRef idx="3">
+              <a:schemeClr val="accent1"/>
+            </a:fillRef>
+            <a:effectRef idx="2">
+              <a:schemeClr val="accent1"/>
+            </a:effectRef>
+            <a:fontRef idx="minor">
+              <a:schemeClr val="lt1"/>
+            </a:fontRef>
+          </p:style>
+        </p:sp>
+        <p:sp>
+          <p:nvSpPr>
+            <p:cNvPr id="24" name="Isosceles Triangle 23"/>
+            <p:cNvSpPr/>
+            <p:nvPr/>
+          </p:nvSpPr>
+          <p:spPr>
+            <a:xfrm>
+              <a:off x="8932333" y="3048000"/>
+              <a:ext cx="3259667" cy="3810000"/>
+            </a:xfrm>
+            <a:prstGeom prst="triangle">
+              <a:avLst>
+                <a:gd name="adj" fmla="val 100000"/>
+              </a:avLst>
+            </a:prstGeom>
+            <a:solidFill>
+              <a:schemeClr val="accent2">
+                <a:alpha val="72000"/>
+              </a:schemeClr>
+            </a:solidFill>
+            <a:ln>
+              <a:noFill/>
+            </a:ln>
+            <a:effectLst/>
+          </p:spPr>
+          <p:style>
+            <a:lnRef idx="1">
+              <a:schemeClr val="accent1"/>
+            </a:lnRef>
+            <a:fillRef idx="3">
+              <a:schemeClr val="accent1"/>
+            </a:fillRef>
+            <a:effectRef idx="2">
+              <a:schemeClr val="accent1"/>
+            </a:effectRef>
+            <a:fontRef idx="minor">
+              <a:schemeClr val="lt1"/>
+            </a:fontRef>
+          </p:style>
+        </p:sp>
+        <p:sp>
+          <p:nvSpPr>
+            <p:cNvPr id="25" name="Rectangle 27"/>
+            <p:cNvSpPr/>
+            <p:nvPr/>
+          </p:nvSpPr>
+          <p:spPr>
+            <a:xfrm>
+              <a:off x="9334500" y="-8467"/>
+              <a:ext cx="2854326" cy="6866467"/>
+            </a:xfrm>
+            <a:custGeom>
+              <a:avLst/>
+              <a:gdLst/>
+              <a:ahLst/>
+              <a:cxnLst/>
+              <a:rect l="l" t="t" r="r" b="b"/>
+              <a:pathLst>
+                <a:path w="2858013" h="6866467">
+                  <a:moveTo>
+                    <a:pt x="0" y="0"/>
+                  </a:moveTo>
+                  <a:lnTo>
+                    <a:pt x="2858013" y="0"/>
+                  </a:lnTo>
+                  <a:lnTo>
+                    <a:pt x="2858013" y="6866467"/>
+                  </a:lnTo>
+                  <a:lnTo>
+                    <a:pt x="2473942" y="6866467"/>
+                  </a:lnTo>
+                  <a:lnTo>
+                    <a:pt x="0" y="0"/>
+                  </a:lnTo>
+                  <a:close/>
+                </a:path>
+              </a:pathLst>
+            </a:custGeom>
+            <a:solidFill>
+              <a:schemeClr val="accent2">
+                <a:lumMod val="75000"/>
+                <a:alpha val="70000"/>
+              </a:schemeClr>
+            </a:solidFill>
+            <a:ln>
+              <a:noFill/>
+            </a:ln>
+            <a:effectLst/>
+          </p:spPr>
+          <p:style>
+            <a:lnRef idx="1">
+              <a:schemeClr val="accent1"/>
+            </a:lnRef>
+            <a:fillRef idx="3">
+              <a:schemeClr val="accent1"/>
+            </a:fillRef>
+            <a:effectRef idx="2">
+              <a:schemeClr val="accent1"/>
+            </a:effectRef>
+            <a:fontRef idx="minor">
+              <a:schemeClr val="lt1"/>
+            </a:fontRef>
+          </p:style>
+        </p:sp>
+        <p:sp>
+          <p:nvSpPr>
+            <p:cNvPr id="26" name="Rectangle 28"/>
+            <p:cNvSpPr/>
+            <p:nvPr/>
+          </p:nvSpPr>
+          <p:spPr>
+            <a:xfrm>
+              <a:off x="10898730" y="-8467"/>
+              <a:ext cx="1290094" cy="6866467"/>
+            </a:xfrm>
+            <a:custGeom>
+              <a:avLst/>
+              <a:gdLst/>
+              <a:ahLst/>
+              <a:cxnLst/>
+              <a:rect l="l" t="t" r="r" b="b"/>
+              <a:pathLst>
+                <a:path w="1290094" h="6858000">
+                  <a:moveTo>
+                    <a:pt x="1019735" y="0"/>
+                  </a:moveTo>
+                  <a:lnTo>
+                    <a:pt x="1290094" y="0"/>
+                  </a:lnTo>
+                  <a:lnTo>
+                    <a:pt x="1290094" y="6858000"/>
+                  </a:lnTo>
+                  <a:lnTo>
+                    <a:pt x="0" y="6858000"/>
+                  </a:lnTo>
+                  <a:lnTo>
+                    <a:pt x="1019735" y="0"/>
+                  </a:lnTo>
+                  <a:close/>
+                </a:path>
+              </a:pathLst>
+            </a:custGeom>
+            <a:solidFill>
+              <a:schemeClr val="accent1">
+                <a:lumMod val="60000"/>
+                <a:lumOff val="40000"/>
+                <a:alpha val="70000"/>
+              </a:schemeClr>
+            </a:solidFill>
+            <a:ln>
+              <a:noFill/>
+            </a:ln>
+            <a:effectLst/>
+          </p:spPr>
+          <p:style>
+            <a:lnRef idx="1">
+              <a:schemeClr val="accent1"/>
+            </a:lnRef>
+            <a:fillRef idx="3">
+              <a:schemeClr val="accent1"/>
+            </a:fillRef>
+            <a:effectRef idx="2">
+              <a:schemeClr val="accent1"/>
+            </a:effectRef>
+            <a:fontRef idx="minor">
+              <a:schemeClr val="lt1"/>
+            </a:fontRef>
+          </p:style>
+        </p:sp>
+        <p:sp>
+          <p:nvSpPr>
+            <p:cNvPr id="27" name="Rectangle 29"/>
+            <p:cNvSpPr/>
+            <p:nvPr/>
+          </p:nvSpPr>
+          <p:spPr>
+            <a:xfrm>
+              <a:off x="10938999" y="-8467"/>
+              <a:ext cx="1249825" cy="6866467"/>
+            </a:xfrm>
+            <a:custGeom>
+              <a:avLst/>
+              <a:gdLst/>
+              <a:ahLst/>
+              <a:cxnLst/>
+              <a:rect l="l" t="t" r="r" b="b"/>
+              <a:pathLst>
+                <a:path w="1249825" h="6858000">
+                  <a:moveTo>
+                    <a:pt x="0" y="0"/>
+                  </a:moveTo>
+                  <a:lnTo>
+                    <a:pt x="1249825" y="0"/>
+                  </a:lnTo>
+                  <a:lnTo>
+                    <a:pt x="1249825" y="6858000"/>
+                  </a:lnTo>
+                  <a:lnTo>
+                    <a:pt x="1109382" y="6858000"/>
+                  </a:lnTo>
+                  <a:lnTo>
+                    <a:pt x="0" y="0"/>
+                  </a:lnTo>
+                  <a:close/>
+                </a:path>
+              </a:pathLst>
+            </a:custGeom>
+            <a:solidFill>
+              <a:schemeClr val="accent1">
+                <a:alpha val="65000"/>
+              </a:schemeClr>
+            </a:solidFill>
+            <a:ln>
+              <a:noFill/>
+            </a:ln>
+            <a:effectLst/>
+          </p:spPr>
+          <p:style>
+            <a:lnRef idx="1">
+              <a:schemeClr val="accent1"/>
+            </a:lnRef>
+            <a:fillRef idx="3">
+              <a:schemeClr val="accent1"/>
+            </a:fillRef>
+            <a:effectRef idx="2">
+              <a:schemeClr val="accent1"/>
+            </a:effectRef>
+            <a:fontRef idx="minor">
+              <a:schemeClr val="lt1"/>
+            </a:fontRef>
+          </p:style>
+        </p:sp>
+        <p:sp>
+          <p:nvSpPr>
+            <p:cNvPr id="28" name="Isosceles Triangle 27"/>
+            <p:cNvSpPr/>
+            <p:nvPr/>
+          </p:nvSpPr>
+          <p:spPr>
+            <a:xfrm>
+              <a:off x="10371666" y="3589867"/>
+              <a:ext cx="1817159" cy="3268133"/>
+            </a:xfrm>
+            <a:prstGeom prst="triangle">
+              <a:avLst>
+                <a:gd name="adj" fmla="val 100000"/>
+              </a:avLst>
+            </a:prstGeom>
+            <a:solidFill>
+              <a:schemeClr val="accent1">
+                <a:alpha val="80000"/>
+              </a:schemeClr>
+            </a:solidFill>
+            <a:ln>
+              <a:noFill/>
+            </a:ln>
+            <a:effectLst/>
+          </p:spPr>
+          <p:style>
+            <a:lnRef idx="1">
+              <a:schemeClr val="accent1"/>
+            </a:lnRef>
+            <a:fillRef idx="3">
+              <a:schemeClr val="accent1"/>
+            </a:fillRef>
+            <a:effectRef idx="2">
+              <a:schemeClr val="accent1"/>
+            </a:effectRef>
+            <a:fontRef idx="minor">
+              <a:schemeClr val="lt1"/>
+            </a:fontRef>
+          </p:style>
+        </p:sp>
+        <p:sp>
+          <p:nvSpPr>
+            <p:cNvPr id="29" name="Isosceles Triangle 28"/>
+            <p:cNvSpPr/>
+            <p:nvPr/>
+          </p:nvSpPr>
+          <p:spPr>
+            <a:xfrm>
+              <a:off x="0" y="4013200"/>
+              <a:ext cx="448733" cy="2844800"/>
+            </a:xfrm>
+            <a:prstGeom prst="triangle">
+              <a:avLst>
+                <a:gd name="adj" fmla="val 0"/>
+              </a:avLst>
+            </a:prstGeom>
+            <a:solidFill>
+              <a:schemeClr val="accent1">
+                <a:alpha val="85000"/>
+              </a:schemeClr>
+            </a:solidFill>
+            <a:ln>
+              <a:noFill/>
+            </a:ln>
+            <a:effectLst/>
+          </p:spPr>
+          <p:style>
+            <a:lnRef idx="1">
+              <a:schemeClr val="accent1"/>
+            </a:lnRef>
+            <a:fillRef idx="3">
+              <a:schemeClr val="accent1"/>
+            </a:fillRef>
+            <a:effectRef idx="2">
+              <a:schemeClr val="accent1"/>
+            </a:effectRef>
+            <a:fontRef idx="minor">
+              <a:schemeClr val="lt1"/>
+            </a:fontRef>
+          </p:style>
+        </p:sp>
+      </p:grpSp>
+      <p:sp>
+        <p:nvSpPr>
+          <p:cNvPr id="2" name="Title Placeholder 1"/>
+          <p:cNvSpPr>
+            <a:spLocks noGrp="1"/>
+          </p:cNvSpPr>
+          <p:nvPr>
+            <p:ph type="title"/>
+          </p:nvPr>
+        </p:nvSpPr>
         <p:spPr>
           <a:xfrm>
-            <a:off x="0" y="0"/>
-            <a:ext cx="12192000" cy="1441450"/>
+            <a:off x="677334" y="609600"/>
+            <a:ext cx="8596668" cy="1320800"/>
           </a:xfrm>
           <a:prstGeom prst="rect">
             <a:avLst/>
           </a:prstGeom>
         </p:spPr>
-      </p:pic>
-      <p:sp>
-        <p:nvSpPr>
-          <p:cNvPr id="2" name="Title Placeholder 1"/>
-          <p:cNvSpPr>
-            <a:spLocks noGrp="1"/>
-          </p:cNvSpPr>
-          <p:nvPr>
-            <p:ph type="title"/>
+        <p:txBody>
+          <a:bodyPr vert="horz" lIns="91440" tIns="45720" rIns="91440" bIns="45720" rtlCol="0" anchor="t">
+            <a:normAutofit/>
+          </a:bodyPr>
+          <a:lstStyle/>
+          <a:p>
+            <a:r>
+              <a:rPr lang="hu-HU"/>
+              <a:t>Mintacím szerkesztése</a:t>
+            </a:r>
+            <a:endParaRPr lang="en-US" dirty="0"/>
+          </a:p>
+        </p:txBody>
+      </p:sp>
+      <p:sp>
+        <p:nvSpPr>
+          <p:cNvPr id="3" name="Text Placeholder 2"/>
+          <p:cNvSpPr>
+            <a:spLocks noGrp="1"/>
+          </p:cNvSpPr>
+          <p:nvPr>
+            <p:ph type="body" idx="1"/>
           </p:nvPr>
         </p:nvSpPr>
         <p:spPr>
           <a:xfrm>
-            <a:off x="2895600" y="764373"/>
-            <a:ext cx="8610600" cy="1293028"/>
+            <a:off x="677334" y="2160589"/>
+            <a:ext cx="8596668" cy="3880773"/>
           </a:xfrm>
           <a:prstGeom prst="rect">
             <a:avLst/>
           </a:prstGeom>
         </p:spPr>
         <p:txBody>
-          <a:bodyPr vert="horz" lIns="91440" tIns="45720" rIns="91440" bIns="45720" rtlCol="0" anchor="ctr">
+          <a:bodyPr vert="horz" lIns="91440" tIns="45720" rIns="91440" bIns="45720" rtlCol="0">
             <a:normAutofit/>
           </a:bodyPr>
           <a:lstStyle/>
           <a:p>
-            <a:r>
-              <a:rPr lang="hu-HU"/>
-              <a:t>Mintacím szerkesztése</a:t>
+            <a:pPr lvl="0"/>
+            <a:r>
+              <a:rPr lang="hu-HU"/>
+              <a:t>Mintaszöveg szerkesztése</a:t>
+            </a:r>
+          </a:p>
+          <a:p>
+            <a:pPr lvl="1"/>
+            <a:r>
+              <a:rPr lang="hu-HU"/>
+              <a:t>Második szint</a:t>
+            </a:r>
+          </a:p>
+          <a:p>
+            <a:pPr lvl="2"/>
+            <a:r>
+              <a:rPr lang="hu-HU"/>
+              <a:t>Harmadik szint</a:t>
+            </a:r>
+          </a:p>
+          <a:p>
+            <a:pPr lvl="3"/>
+            <a:r>
+              <a:rPr lang="hu-HU"/>
+              <a:t>Negyedik szint</a:t>
+            </a:r>
+          </a:p>
+          <a:p>
+            <a:pPr lvl="4"/>
+            <a:r>
+              <a:rPr lang="hu-HU"/>
+              <a:t>Ötödik szint</a:t>
             </a:r>
             <a:endParaRPr lang="en-US" dirty="0"/>
           </a:p>
@@ -5242,80 +5264,59 @@
       </p:sp>
       <p:sp>
         <p:nvSpPr>
-          <p:cNvPr id="3" name="Text Placeholder 2"/>
-          <p:cNvSpPr>
-            <a:spLocks noGrp="1"/>
-          </p:cNvSpPr>
-          <p:nvPr>
-            <p:ph type="body" idx="1"/>
+          <p:cNvPr id="4" name="Date Placeholder 3"/>
+          <p:cNvSpPr>
+            <a:spLocks noGrp="1"/>
+          </p:cNvSpPr>
+          <p:nvPr>
+            <p:ph type="dt" sz="half" idx="2"/>
           </p:nvPr>
         </p:nvSpPr>
         <p:spPr>
           <a:xfrm>
-            <a:off x="685800" y="2194560"/>
-            <a:ext cx="10820400" cy="4024125"/>
+            <a:off x="7205133" y="6041362"/>
+            <a:ext cx="911939" cy="365125"/>
           </a:xfrm>
           <a:prstGeom prst="rect">
             <a:avLst/>
           </a:prstGeom>
         </p:spPr>
         <p:txBody>
-          <a:bodyPr vert="horz" lIns="91440" tIns="45720" rIns="91440" bIns="45720" rtlCol="0">
-            <a:normAutofit/>
-          </a:bodyPr>
-          <a:lstStyle/>
-          <a:p>
-            <a:pPr lvl="0"/>
-            <a:r>
-              <a:rPr lang="hu-HU"/>
-              <a:t>Mintaszöveg szerkesztése</a:t>
-            </a:r>
-          </a:p>
-          <a:p>
-            <a:pPr lvl="1"/>
-            <a:r>
-              <a:rPr lang="hu-HU"/>
-              <a:t>Második szint</a:t>
-            </a:r>
-          </a:p>
-          <a:p>
-            <a:pPr lvl="2"/>
-            <a:r>
-              <a:rPr lang="hu-HU"/>
-              <a:t>Harmadik szint</a:t>
-            </a:r>
-          </a:p>
-          <a:p>
-            <a:pPr lvl="3"/>
-            <a:r>
-              <a:rPr lang="hu-HU"/>
-              <a:t>Negyedik szint</a:t>
-            </a:r>
-          </a:p>
-          <a:p>
-            <a:pPr lvl="4"/>
-            <a:r>
-              <a:rPr lang="hu-HU"/>
-              <a:t>Ötödik szint</a:t>
-            </a:r>
-            <a:endParaRPr lang="en-US" dirty="0"/>
-          </a:p>
-        </p:txBody>
-      </p:sp>
-      <p:sp>
-        <p:nvSpPr>
-          <p:cNvPr id="4" name="Date Placeholder 3"/>
-          <p:cNvSpPr>
-            <a:spLocks noGrp="1"/>
-          </p:cNvSpPr>
-          <p:nvPr>
-            <p:ph type="dt" sz="half" idx="2"/>
+          <a:bodyPr vert="horz" lIns="91440" tIns="45720" rIns="91440" bIns="45720" rtlCol="0" anchor="ctr"/>
+          <a:lstStyle>
+            <a:lvl1pPr algn="r">
+              <a:defRPr sz="900">
+                <a:solidFill>
+                  <a:schemeClr val="tx1">
+                    <a:tint val="75000"/>
+                  </a:schemeClr>
+                </a:solidFill>
+              </a:defRPr>
+            </a:lvl1pPr>
+          </a:lstStyle>
+          <a:p>
+            <a:fld id="{7A9F1192-88F1-4A84-B1DE-40B39580FAB6}" type="datetimeFigureOut">
+              <a:rPr lang="hu-HU" smtClean="0"/>
+              <a:t>2025. 12. 15.</a:t>
+            </a:fld>
+            <a:endParaRPr lang="hu-HU"/>
+          </a:p>
+        </p:txBody>
+      </p:sp>
+      <p:sp>
+        <p:nvSpPr>
+          <p:cNvPr id="5" name="Footer Placeholder 4"/>
+          <p:cNvSpPr>
+            <a:spLocks noGrp="1"/>
+          </p:cNvSpPr>
+          <p:nvPr>
+            <p:ph type="ftr" sz="quarter" idx="3"/>
           </p:nvPr>
         </p:nvSpPr>
         <p:spPr>
           <a:xfrm>
-            <a:off x="8595360" y="6356350"/>
-            <a:ext cx="2910840" cy="365125"/>
+            <a:off x="677334" y="6041362"/>
+            <a:ext cx="6297612" cy="365125"/>
           </a:xfrm>
           <a:prstGeom prst="rect">
             <a:avLst/>
@@ -5324,8 +5325,8 @@
         <p:txBody>
           <a:bodyPr vert="horz" lIns="91440" tIns="45720" rIns="91440" bIns="45720" rtlCol="0" anchor="ctr"/>
           <a:lstStyle>
-            <a:lvl1pPr algn="r">
-              <a:defRPr sz="1050">
+            <a:lvl1pPr algn="l">
+              <a:defRPr sz="900">
                 <a:solidFill>
                   <a:schemeClr val="tx1">
                     <a:tint val="75000"/>
@@ -5335,28 +5336,24 @@
             </a:lvl1pPr>
           </a:lstStyle>
           <a:p>
-            <a:fld id="{7A9F1192-88F1-4A84-B1DE-40B39580FAB6}" type="datetimeFigureOut">
-              <a:rPr lang="hu-HU" smtClean="0"/>
-              <a:t>2025. 12. 14.</a:t>
-            </a:fld>
             <a:endParaRPr lang="hu-HU"/>
           </a:p>
         </p:txBody>
       </p:sp>
       <p:sp>
         <p:nvSpPr>
-          <p:cNvPr id="5" name="Footer Placeholder 4"/>
-          <p:cNvSpPr>
-            <a:spLocks noGrp="1"/>
-          </p:cNvSpPr>
-          <p:nvPr>
-            <p:ph type="ftr" sz="quarter" idx="3"/>
+          <p:cNvPr id="6" name="Slide Number Placeholder 5"/>
+          <p:cNvSpPr>
+            <a:spLocks noGrp="1"/>
+          </p:cNvSpPr>
+          <p:nvPr>
+            <p:ph type="sldNum" sz="quarter" idx="4"/>
           </p:nvPr>
         </p:nvSpPr>
         <p:spPr>
           <a:xfrm>
-            <a:off x="685800" y="6355845"/>
-            <a:ext cx="7772400" cy="365125"/>
+            <a:off x="8590663" y="6041362"/>
+            <a:ext cx="683339" cy="365125"/>
           </a:xfrm>
           <a:prstGeom prst="rect">
             <a:avLst/>
@@ -5365,49 +5362,10 @@
         <p:txBody>
           <a:bodyPr vert="horz" lIns="91440" tIns="45720" rIns="91440" bIns="45720" rtlCol="0" anchor="ctr"/>
           <a:lstStyle>
-            <a:lvl1pPr algn="l">
-              <a:defRPr sz="1050">
-                <a:solidFill>
-                  <a:schemeClr val="tx1">
-                    <a:tint val="75000"/>
-                  </a:schemeClr>
-                </a:solidFill>
-              </a:defRPr>
-            </a:lvl1pPr>
-          </a:lstStyle>
-          <a:p>
-            <a:endParaRPr lang="hu-HU"/>
-          </a:p>
-        </p:txBody>
-      </p:sp>
-      <p:sp>
-        <p:nvSpPr>
-          <p:cNvPr id="6" name="Slide Number Placeholder 5"/>
-          <p:cNvSpPr>
-            <a:spLocks noGrp="1"/>
-          </p:cNvSpPr>
-          <p:nvPr>
-            <p:ph type="sldNum" sz="quarter" idx="4"/>
-          </p:nvPr>
-        </p:nvSpPr>
-        <p:spPr>
-          <a:xfrm>
-            <a:off x="8763000" y="381000"/>
-            <a:ext cx="2743200" cy="365125"/>
-          </a:xfrm>
-          <a:prstGeom prst="rect">
-            <a:avLst/>
-          </a:prstGeom>
-        </p:spPr>
-        <p:txBody>
-          <a:bodyPr vert="horz" lIns="91440" tIns="45720" rIns="91440" bIns="45720" rtlCol="0" anchor="ctr"/>
-          <a:lstStyle>
             <a:lvl1pPr algn="r">
-              <a:defRPr sz="1050">
-                <a:solidFill>
-                  <a:schemeClr val="tx1">
-                    <a:tint val="75000"/>
-                  </a:schemeClr>
+              <a:defRPr sz="900">
+                <a:solidFill>
+                  <a:schemeClr val="accent1"/>
                 </a:solidFill>
               </a:defRPr>
             </a:lvl1pPr>
@@ -5424,207 +5382,322 @@
     </p:spTree>
     <p:extLst>
       <p:ext uri="{BB962C8B-B14F-4D97-AF65-F5344CB8AC3E}">
-        <p14:creationId xmlns:p14="http://schemas.microsoft.com/office/powerpoint/2010/main" val="2810220607"/>
+        <p14:creationId xmlns:p14="http://schemas.microsoft.com/office/powerpoint/2010/main" val="3567754578"/>
       </p:ext>
     </p:extLst>
   </p:cSld>
   <p:clrMap bg1="dk1" tx1="lt1" bg2="dk2" tx2="lt2" accent1="accent1" accent2="accent2" accent3="accent3" accent4="accent4" accent5="accent5" accent6="accent6" hlink="hlink" folHlink="folHlink"/>
   <p:sldLayoutIdLst>
-    <p:sldLayoutId id="2147483661" r:id="rId1"/>
-    <p:sldLayoutId id="2147483662" r:id="rId2"/>
-    <p:sldLayoutId id="2147483663" r:id="rId3"/>
-    <p:sldLayoutId id="2147483664" r:id="rId4"/>
-    <p:sldLayoutId id="2147483665" r:id="rId5"/>
-    <p:sldLayoutId id="2147483666" r:id="rId6"/>
-    <p:sldLayoutId id="2147483667" r:id="rId7"/>
-    <p:sldLayoutId id="2147483668" r:id="rId8"/>
-    <p:sldLayoutId id="2147483669" r:id="rId9"/>
-    <p:sldLayoutId id="2147483670" r:id="rId10"/>
-    <p:sldLayoutId id="2147483671" r:id="rId11"/>
-    <p:sldLayoutId id="2147483672" r:id="rId12"/>
-    <p:sldLayoutId id="2147483673" r:id="rId13"/>
-    <p:sldLayoutId id="2147483674" r:id="rId14"/>
-    <p:sldLayoutId id="2147483675" r:id="rId15"/>
-    <p:sldLayoutId id="2147483676" r:id="rId16"/>
-    <p:sldLayoutId id="2147483677" r:id="rId17"/>
+    <p:sldLayoutId id="2147483713" r:id="rId1"/>
+    <p:sldLayoutId id="2147483714" r:id="rId2"/>
+    <p:sldLayoutId id="2147483715" r:id="rId3"/>
+    <p:sldLayoutId id="2147483716" r:id="rId4"/>
+    <p:sldLayoutId id="2147483717" r:id="rId5"/>
+    <p:sldLayoutId id="2147483718" r:id="rId6"/>
+    <p:sldLayoutId id="2147483719" r:id="rId7"/>
+    <p:sldLayoutId id="2147483720" r:id="rId8"/>
+    <p:sldLayoutId id="2147483721" r:id="rId9"/>
+    <p:sldLayoutId id="2147483722" r:id="rId10"/>
+    <p:sldLayoutId id="2147483723" r:id="rId11"/>
+    <p:sldLayoutId id="2147483724" r:id="rId12"/>
+    <p:sldLayoutId id="2147483725" r:id="rId13"/>
+    <p:sldLayoutId id="2147483726" r:id="rId14"/>
+    <p:sldLayoutId id="2147483727" r:id="rId15"/>
+    <p:sldLayoutId id="2147483728" r:id="rId16"/>
   </p:sldLayoutIdLst>
   <p:txStyles>
     <p:titleStyle>
-      <a:lvl1pPr algn="r" defTabSz="914400" rtl="0" eaLnBrk="1" latinLnBrk="0" hangingPunct="1">
-        <a:lnSpc>
-          <a:spcPct val="90000"/>
-        </a:lnSpc>
+      <a:lvl1pPr algn="l" defTabSz="457200" rtl="0" eaLnBrk="1" latinLnBrk="0" hangingPunct="1">
         <a:spcBef>
           <a:spcPct val="0"/>
         </a:spcBef>
         <a:buNone/>
-        <a:defRPr sz="4000" kern="1200" cap="all" baseline="0">
+        <a:defRPr sz="3600" kern="1200">
           <a:solidFill>
-            <a:schemeClr val="tx1"/>
+            <a:schemeClr val="accent1"/>
           </a:solidFill>
           <a:latin typeface="+mj-lt"/>
           <a:ea typeface="+mj-ea"/>
           <a:cs typeface="+mj-cs"/>
         </a:defRPr>
       </a:lvl1pPr>
+      <a:lvl2pPr eaLnBrk="1" hangingPunct="1">
+        <a:defRPr>
+          <a:solidFill>
+            <a:schemeClr val="tx2"/>
+          </a:solidFill>
+        </a:defRPr>
+      </a:lvl2pPr>
+      <a:lvl3pPr eaLnBrk="1" hangingPunct="1">
+        <a:defRPr>
+          <a:solidFill>
+            <a:schemeClr val="tx2"/>
+          </a:solidFill>
+        </a:defRPr>
+      </a:lvl3pPr>
+      <a:lvl4pPr eaLnBrk="1" hangingPunct="1">
+        <a:defRPr>
+          <a:solidFill>
+            <a:schemeClr val="tx2"/>
+          </a:solidFill>
+        </a:defRPr>
+      </a:lvl4pPr>
+      <a:lvl5pPr eaLnBrk="1" hangingPunct="1">
+        <a:defRPr>
+          <a:solidFill>
+            <a:schemeClr val="tx2"/>
+          </a:solidFill>
+        </a:defRPr>
+      </a:lvl5pPr>
+      <a:lvl6pPr eaLnBrk="1" hangingPunct="1">
+        <a:defRPr>
+          <a:solidFill>
+            <a:schemeClr val="tx2"/>
+          </a:solidFill>
+        </a:defRPr>
+      </a:lvl6pPr>
+      <a:lvl7pPr eaLnBrk="1" hangingPunct="1">
+        <a:defRPr>
+          <a:solidFill>
+            <a:schemeClr val="tx2"/>
+          </a:solidFill>
+        </a:defRPr>
+      </a:lvl7pPr>
+      <a:lvl8pPr eaLnBrk="1" hangingPunct="1">
+        <a:defRPr>
+          <a:solidFill>
+            <a:schemeClr val="tx2"/>
+          </a:solidFill>
+        </a:defRPr>
+      </a:lvl8pPr>
+      <a:lvl9pPr eaLnBrk="1" hangingPunct="1">
+        <a:defRPr>
+          <a:solidFill>
+            <a:schemeClr val="tx2"/>
+          </a:solidFill>
+        </a:defRPr>
+      </a:lvl9pPr>
     </p:titleStyle>
     <p:bodyStyle>
-      <a:lvl1pPr marL="228600" indent="-228600" algn="l" defTabSz="914400" rtl="0" eaLnBrk="1" latinLnBrk="0" hangingPunct="1">
-        <a:lnSpc>
-          <a:spcPct val="90000"/>
-        </a:lnSpc>
+      <a:lvl1pPr marL="342900" indent="-342900" algn="l" defTabSz="457200" rtl="0" eaLnBrk="1" latinLnBrk="0" hangingPunct="1">
         <a:spcBef>
           <a:spcPts val="1000"/>
         </a:spcBef>
-        <a:buFont typeface="Arial" panose="020B0604020202020204" pitchFamily="34" charset="0"/>
-        <a:buChar char="•"/>
-        <a:defRPr sz="2200" kern="1200">
+        <a:spcAft>
+          <a:spcPts val="0"/>
+        </a:spcAft>
+        <a:buClr>
+          <a:schemeClr val="accent1"/>
+        </a:buClr>
+        <a:buSzPct val="80000"/>
+        <a:buFont typeface="Wingdings 3" charset="2"/>
+        <a:buChar char=""/>
+        <a:defRPr sz="1800" kern="1200">
           <a:solidFill>
-            <a:schemeClr val="tx1"/>
+            <a:schemeClr val="tx1">
+              <a:lumMod val="75000"/>
+              <a:lumOff val="25000"/>
+            </a:schemeClr>
           </a:solidFill>
           <a:latin typeface="+mn-lt"/>
           <a:ea typeface="+mn-ea"/>
           <a:cs typeface="+mn-cs"/>
         </a:defRPr>
       </a:lvl1pPr>
-      <a:lvl2pPr marL="685800" indent="-228600" algn="l" defTabSz="914400" rtl="0" eaLnBrk="1" latinLnBrk="0" hangingPunct="1">
-        <a:lnSpc>
-          <a:spcPct val="90000"/>
-        </a:lnSpc>
+      <a:lvl2pPr marL="742950" indent="-285750" algn="l" defTabSz="457200" rtl="0" eaLnBrk="1" latinLnBrk="0" hangingPunct="1">
         <a:spcBef>
-          <a:spcPts val="500"/>
+          <a:spcPts val="1000"/>
         </a:spcBef>
-        <a:buFont typeface="Arial" panose="020B0604020202020204" pitchFamily="34" charset="0"/>
-        <a:buChar char="•"/>
-        <a:defRPr sz="2000" kern="1200">
+        <a:spcAft>
+          <a:spcPts val="0"/>
+        </a:spcAft>
+        <a:buClr>
+          <a:schemeClr val="accent1"/>
+        </a:buClr>
+        <a:buSzPct val="80000"/>
+        <a:buFont typeface="Wingdings 3" charset="2"/>
+        <a:buChar char=""/>
+        <a:defRPr sz="1600" kern="1200">
           <a:solidFill>
-            <a:schemeClr val="tx1"/>
+            <a:schemeClr val="tx1">
+              <a:lumMod val="75000"/>
+              <a:lumOff val="25000"/>
+            </a:schemeClr>
           </a:solidFill>
           <a:latin typeface="+mn-lt"/>
           <a:ea typeface="+mn-ea"/>
           <a:cs typeface="+mn-cs"/>
         </a:defRPr>
       </a:lvl2pPr>
-      <a:lvl3pPr marL="1143000" indent="-228600" algn="l" defTabSz="914400" rtl="0" eaLnBrk="1" latinLnBrk="0" hangingPunct="1">
-        <a:lnSpc>
-          <a:spcPct val="90000"/>
-        </a:lnSpc>
+      <a:lvl3pPr marL="1143000" indent="-228600" algn="l" defTabSz="457200" rtl="0" eaLnBrk="1" latinLnBrk="0" hangingPunct="1">
         <a:spcBef>
-          <a:spcPts val="500"/>
+          <a:spcPts val="1000"/>
         </a:spcBef>
-        <a:buFont typeface="Arial" panose="020B0604020202020204" pitchFamily="34" charset="0"/>
-        <a:buChar char="•"/>
-        <a:defRPr sz="1800" kern="1200">
+        <a:spcAft>
+          <a:spcPts val="0"/>
+        </a:spcAft>
+        <a:buClr>
+          <a:schemeClr val="accent1"/>
+        </a:buClr>
+        <a:buSzPct val="80000"/>
+        <a:buFont typeface="Wingdings 3" charset="2"/>
+        <a:buChar char=""/>
+        <a:defRPr sz="1400" kern="1200">
           <a:solidFill>
-            <a:schemeClr val="tx1"/>
+            <a:schemeClr val="tx1">
+              <a:lumMod val="75000"/>
+              <a:lumOff val="25000"/>
+            </a:schemeClr>
           </a:solidFill>
           <a:latin typeface="+mn-lt"/>
           <a:ea typeface="+mn-ea"/>
           <a:cs typeface="+mn-cs"/>
         </a:defRPr>
       </a:lvl3pPr>
-      <a:lvl4pPr marL="1600200" indent="-228600" algn="l" defTabSz="914400" rtl="0" eaLnBrk="1" latinLnBrk="0" hangingPunct="1">
-        <a:lnSpc>
-          <a:spcPct val="90000"/>
-        </a:lnSpc>
+      <a:lvl4pPr marL="1600200" indent="-228600" algn="l" defTabSz="457200" rtl="0" eaLnBrk="1" latinLnBrk="0" hangingPunct="1">
         <a:spcBef>
-          <a:spcPts val="500"/>
+          <a:spcPts val="1000"/>
         </a:spcBef>
-        <a:buFont typeface="Arial" panose="020B0604020202020204" pitchFamily="34" charset="0"/>
-        <a:buChar char="•"/>
-        <a:defRPr sz="1600" kern="1200">
+        <a:spcAft>
+          <a:spcPts val="0"/>
+        </a:spcAft>
+        <a:buClr>
+          <a:schemeClr val="accent1"/>
+        </a:buClr>
+        <a:buSzPct val="80000"/>
+        <a:buFont typeface="Wingdings 3" charset="2"/>
+        <a:buChar char=""/>
+        <a:defRPr sz="1200" kern="1200">
           <a:solidFill>
-            <a:schemeClr val="tx1"/>
+            <a:schemeClr val="tx1">
+              <a:lumMod val="75000"/>
+              <a:lumOff val="25000"/>
+            </a:schemeClr>
           </a:solidFill>
           <a:latin typeface="+mn-lt"/>
           <a:ea typeface="+mn-ea"/>
           <a:cs typeface="+mn-cs"/>
         </a:defRPr>
       </a:lvl4pPr>
-      <a:lvl5pPr marL="2057400" indent="-228600" algn="l" defTabSz="914400" rtl="0" eaLnBrk="1" latinLnBrk="0" hangingPunct="1">
-        <a:lnSpc>
-          <a:spcPct val="90000"/>
-        </a:lnSpc>
+      <a:lvl5pPr marL="2057400" indent="-228600" algn="l" defTabSz="457200" rtl="0" eaLnBrk="1" latinLnBrk="0" hangingPunct="1">
         <a:spcBef>
-          <a:spcPts val="500"/>
+          <a:spcPts val="1000"/>
         </a:spcBef>
-        <a:buFont typeface="Arial" panose="020B0604020202020204" pitchFamily="34" charset="0"/>
-        <a:buChar char="•"/>
-        <a:defRPr sz="1600" kern="1200">
+        <a:spcAft>
+          <a:spcPts val="0"/>
+        </a:spcAft>
+        <a:buClr>
+          <a:schemeClr val="accent1"/>
+        </a:buClr>
+        <a:buSzPct val="80000"/>
+        <a:buFont typeface="Wingdings 3" charset="2"/>
+        <a:buChar char=""/>
+        <a:defRPr sz="1200" kern="1200">
           <a:solidFill>
-            <a:schemeClr val="tx1"/>
+            <a:schemeClr val="tx1">
+              <a:lumMod val="75000"/>
+              <a:lumOff val="25000"/>
+            </a:schemeClr>
           </a:solidFill>
           <a:latin typeface="+mn-lt"/>
           <a:ea typeface="+mn-ea"/>
           <a:cs typeface="+mn-cs"/>
         </a:defRPr>
       </a:lvl5pPr>
-      <a:lvl6pPr marL="2514600" indent="-228600" algn="l" defTabSz="914400" rtl="0" eaLnBrk="1" latinLnBrk="0" hangingPunct="1">
-        <a:lnSpc>
-          <a:spcPct val="90000"/>
-        </a:lnSpc>
+      <a:lvl6pPr marL="2514600" indent="-228600" algn="l" defTabSz="457200" rtl="0" eaLnBrk="1" latinLnBrk="0" hangingPunct="1">
         <a:spcBef>
-          <a:spcPts val="500"/>
+          <a:spcPts val="1000"/>
         </a:spcBef>
-        <a:buFont typeface="Arial" panose="020B0604020202020204" pitchFamily="34" charset="0"/>
-        <a:buChar char="•"/>
-        <a:defRPr sz="1600" kern="1200">
+        <a:spcAft>
+          <a:spcPts val="0"/>
+        </a:spcAft>
+        <a:buClr>
+          <a:schemeClr val="accent1"/>
+        </a:buClr>
+        <a:buSzPct val="80000"/>
+        <a:buFont typeface="Wingdings 3" charset="2"/>
+        <a:buChar char=""/>
+        <a:defRPr sz="1200" kern="1200">
           <a:solidFill>
-            <a:schemeClr val="tx1"/>
+            <a:schemeClr val="tx1">
+              <a:lumMod val="75000"/>
+              <a:lumOff val="25000"/>
+            </a:schemeClr>
           </a:solidFill>
           <a:latin typeface="+mn-lt"/>
           <a:ea typeface="+mn-ea"/>
           <a:cs typeface="+mn-cs"/>
         </a:defRPr>
       </a:lvl6pPr>
-      <a:lvl7pPr marL="2971800" indent="-228600" algn="l" defTabSz="914400" rtl="0" eaLnBrk="1" latinLnBrk="0" hangingPunct="1">
-        <a:lnSpc>
-          <a:spcPct val="90000"/>
-        </a:lnSpc>
+      <a:lvl7pPr marL="2971800" indent="-228600" algn="l" defTabSz="457200" rtl="0" eaLnBrk="1" latinLnBrk="0" hangingPunct="1">
         <a:spcBef>
-          <a:spcPts val="500"/>
+          <a:spcPts val="1000"/>
         </a:spcBef>
-        <a:buFont typeface="Arial" panose="020B0604020202020204" pitchFamily="34" charset="0"/>
-        <a:buChar char="•"/>
-        <a:defRPr sz="1600" kern="1200">
+        <a:spcAft>
+          <a:spcPts val="0"/>
+        </a:spcAft>
+        <a:buClr>
+          <a:schemeClr val="accent1"/>
+        </a:buClr>
+        <a:buSzPct val="80000"/>
+        <a:buFont typeface="Wingdings 3" charset="2"/>
+        <a:buChar char=""/>
+        <a:defRPr sz="1200" kern="1200">
           <a:solidFill>
-            <a:schemeClr val="tx1"/>
+            <a:schemeClr val="tx1">
+              <a:lumMod val="75000"/>
+              <a:lumOff val="25000"/>
+            </a:schemeClr>
           </a:solidFill>
           <a:latin typeface="+mn-lt"/>
           <a:ea typeface="+mn-ea"/>
           <a:cs typeface="+mn-cs"/>
         </a:defRPr>
       </a:lvl7pPr>
-      <a:lvl8pPr marL="3429000" indent="-228600" algn="l" defTabSz="914400" rtl="0" eaLnBrk="1" latinLnBrk="0" hangingPunct="1">
-        <a:lnSpc>
-          <a:spcPct val="90000"/>
-        </a:lnSpc>
+      <a:lvl8pPr marL="3429000" indent="-228600" algn="l" defTabSz="457200" rtl="0" eaLnBrk="1" latinLnBrk="0" hangingPunct="1">
         <a:spcBef>
-          <a:spcPts val="500"/>
+          <a:spcPts val="1000"/>
         </a:spcBef>
-        <a:buFont typeface="Arial" panose="020B0604020202020204" pitchFamily="34" charset="0"/>
-        <a:buChar char="•"/>
-        <a:defRPr sz="1600" kern="1200">
+        <a:spcAft>
+          <a:spcPts val="0"/>
+        </a:spcAft>
+        <a:buClr>
+          <a:schemeClr val="accent1"/>
+        </a:buClr>
+        <a:buSzPct val="80000"/>
+        <a:buFont typeface="Wingdings 3" charset="2"/>
+        <a:buChar char=""/>
+        <a:defRPr sz="1200" kern="1200">
           <a:solidFill>
-            <a:schemeClr val="tx1"/>
+            <a:schemeClr val="tx1">
+              <a:lumMod val="75000"/>
+              <a:lumOff val="25000"/>
+            </a:schemeClr>
           </a:solidFill>
           <a:latin typeface="+mn-lt"/>
           <a:ea typeface="+mn-ea"/>
           <a:cs typeface="+mn-cs"/>
         </a:defRPr>
       </a:lvl8pPr>
-      <a:lvl9pPr marL="3886200" indent="-228600" algn="l" defTabSz="914400" rtl="0" eaLnBrk="1" latinLnBrk="0" hangingPunct="1">
-        <a:lnSpc>
-          <a:spcPct val="90000"/>
-        </a:lnSpc>
+      <a:lvl9pPr marL="3886200" indent="-228600" algn="l" defTabSz="457200" rtl="0" eaLnBrk="1" latinLnBrk="0" hangingPunct="1">
         <a:spcBef>
-          <a:spcPts val="500"/>
+          <a:spcPts val="1000"/>
         </a:spcBef>
-        <a:buFont typeface="Arial" panose="020B0604020202020204" pitchFamily="34" charset="0"/>
-        <a:buChar char="•"/>
-        <a:defRPr sz="1600" kern="1200">
+        <a:spcAft>
+          <a:spcPts val="0"/>
+        </a:spcAft>
+        <a:buClr>
+          <a:schemeClr val="accent1"/>
+        </a:buClr>
+        <a:buSzPct val="80000"/>
+        <a:buFont typeface="Wingdings 3" charset="2"/>
+        <a:buChar char=""/>
+        <a:defRPr sz="1200" kern="1200">
           <a:solidFill>
-            <a:schemeClr val="tx1"/>
+            <a:schemeClr val="tx1">
+              <a:lumMod val="75000"/>
+              <a:lumOff val="25000"/>
+            </a:schemeClr>
           </a:solidFill>
           <a:latin typeface="+mn-lt"/>
           <a:ea typeface="+mn-ea"/>
@@ -5636,7 +5709,7 @@
       <a:defPPr>
         <a:defRPr lang="en-US"/>
       </a:defPPr>
-      <a:lvl1pPr marL="0" algn="l" defTabSz="914400" rtl="0" eaLnBrk="1" latinLnBrk="0" hangingPunct="1">
+      <a:lvl1pPr marL="0" algn="l" defTabSz="457200" rtl="0" eaLnBrk="1" latinLnBrk="0" hangingPunct="1">
         <a:defRPr sz="1800" kern="1200">
           <a:solidFill>
             <a:schemeClr val="tx1"/>
@@ -5646,7 +5719,7 @@
           <a:cs typeface="+mn-cs"/>
         </a:defRPr>
       </a:lvl1pPr>
-      <a:lvl2pPr marL="457200" algn="l" defTabSz="914400" rtl="0" eaLnBrk="1" latinLnBrk="0" hangingPunct="1">
+      <a:lvl2pPr marL="457200" algn="l" defTabSz="457200" rtl="0" eaLnBrk="1" latinLnBrk="0" hangingPunct="1">
         <a:defRPr sz="1800" kern="1200">
           <a:solidFill>
             <a:schemeClr val="tx1"/>
@@ -5656,7 +5729,7 @@
           <a:cs typeface="+mn-cs"/>
         </a:defRPr>
       </a:lvl2pPr>
-      <a:lvl3pPr marL="914400" algn="l" defTabSz="914400" rtl="0" eaLnBrk="1" latinLnBrk="0" hangingPunct="1">
+      <a:lvl3pPr marL="914400" algn="l" defTabSz="457200" rtl="0" eaLnBrk="1" latinLnBrk="0" hangingPunct="1">
         <a:defRPr sz="1800" kern="1200">
           <a:solidFill>
             <a:schemeClr val="tx1"/>
@@ -5666,7 +5739,7 @@
           <a:cs typeface="+mn-cs"/>
         </a:defRPr>
       </a:lvl3pPr>
-      <a:lvl4pPr marL="1371600" algn="l" defTabSz="914400" rtl="0" eaLnBrk="1" latinLnBrk="0" hangingPunct="1">
+      <a:lvl4pPr marL="1371600" algn="l" defTabSz="457200" rtl="0" eaLnBrk="1" latinLnBrk="0" hangingPunct="1">
         <a:defRPr sz="1800" kern="1200">
           <a:solidFill>
             <a:schemeClr val="tx1"/>
@@ -5676,7 +5749,7 @@
           <a:cs typeface="+mn-cs"/>
         </a:defRPr>
       </a:lvl4pPr>
-      <a:lvl5pPr marL="1828800" algn="l" defTabSz="914400" rtl="0" eaLnBrk="1" latinLnBrk="0" hangingPunct="1">
+      <a:lvl5pPr marL="1828800" algn="l" defTabSz="457200" rtl="0" eaLnBrk="1" latinLnBrk="0" hangingPunct="1">
         <a:defRPr sz="1800" kern="1200">
           <a:solidFill>
             <a:schemeClr val="tx1"/>
@@ -5686,7 +5759,7 @@
           <a:cs typeface="+mn-cs"/>
         </a:defRPr>
       </a:lvl5pPr>
-      <a:lvl6pPr marL="2286000" algn="l" defTabSz="914400" rtl="0" eaLnBrk="1" latinLnBrk="0" hangingPunct="1">
+      <a:lvl6pPr marL="2286000" algn="l" defTabSz="457200" rtl="0" eaLnBrk="1" latinLnBrk="0" hangingPunct="1">
         <a:defRPr sz="1800" kern="1200">
           <a:solidFill>
             <a:schemeClr val="tx1"/>
@@ -5696,7 +5769,7 @@
           <a:cs typeface="+mn-cs"/>
         </a:defRPr>
       </a:lvl6pPr>
-      <a:lvl7pPr marL="2743200" algn="l" defTabSz="914400" rtl="0" eaLnBrk="1" latinLnBrk="0" hangingPunct="1">
+      <a:lvl7pPr marL="2743200" algn="l" defTabSz="457200" rtl="0" eaLnBrk="1" latinLnBrk="0" hangingPunct="1">
         <a:defRPr sz="1800" kern="1200">
           <a:solidFill>
             <a:schemeClr val="tx1"/>
@@ -5706,7 +5779,7 @@
           <a:cs typeface="+mn-cs"/>
         </a:defRPr>
       </a:lvl7pPr>
-      <a:lvl8pPr marL="3200400" algn="l" defTabSz="914400" rtl="0" eaLnBrk="1" latinLnBrk="0" hangingPunct="1">
+      <a:lvl8pPr marL="3200400" algn="l" defTabSz="457200" rtl="0" eaLnBrk="1" latinLnBrk="0" hangingPunct="1">
         <a:defRPr sz="1800" kern="1200">
           <a:solidFill>
             <a:schemeClr val="tx1"/>
@@ -5716,7 +5789,7 @@
           <a:cs typeface="+mn-cs"/>
         </a:defRPr>
       </a:lvl8pPr>
-      <a:lvl9pPr marL="3657600" algn="l" defTabSz="914400" rtl="0" eaLnBrk="1" latinLnBrk="0" hangingPunct="1">
+      <a:lvl9pPr marL="3657600" algn="l" defTabSz="457200" rtl="0" eaLnBrk="1" latinLnBrk="0" hangingPunct="1">
         <a:defRPr sz="1800" kern="1200">
           <a:solidFill>
             <a:schemeClr val="tx1"/>
@@ -5771,13 +5844,8 @@
           <a:p>
             <a:r>
               <a:rPr lang="hu-HU" dirty="0"/>
-              <a:t>Kapcsolati </a:t>
-            </a:r>
-            <a:r>
-              <a:rPr lang="hu-HU" dirty="0" err="1"/>
-              <a:t>ALkalmazás</a:t>
-            </a:r>
-            <a:endParaRPr lang="hu-HU" dirty="0"/>
+              <a:t>Kapcsolati Alkalmazás</a:t>
+            </a:r>
           </a:p>
         </p:txBody>
       </p:sp>
@@ -5804,12 +5872,8 @@
           <a:p>
             <a:pPr algn="r"/>
             <a:r>
-              <a:rPr lang="hu-HU" dirty="0" err="1"/>
-              <a:t>FiguraPéter,Papp</a:t>
-            </a:r>
-            <a:r>
               <a:rPr lang="hu-HU" dirty="0"/>
-              <a:t> Ádám</a:t>
+              <a:t>Figura Péter, Papp Ádám</a:t>
             </a:r>
           </a:p>
         </p:txBody>
@@ -5904,15 +5968,7 @@
           <a:p>
             <a:r>
               <a:rPr lang="hu-HU" dirty="0"/>
-              <a:t>Hogyan </a:t>
-            </a:r>
-            <a:r>
-              <a:rPr lang="hu-HU" dirty="0" err="1"/>
-              <a:t>müködik</a:t>
-            </a:r>
-            <a:r>
-              <a:rPr lang="hu-HU" dirty="0"/>
-              <a:t>?</a:t>
+              <a:t>Hogyan működik?</a:t>
             </a:r>
           </a:p>
           <a:p>
@@ -6016,39 +6072,7 @@
           <a:p>
             <a:r>
               <a:rPr lang="hu-HU" dirty="0"/>
-              <a:t>A szoftver egy </a:t>
-            </a:r>
-            <a:r>
-              <a:rPr lang="hu-HU" dirty="0" err="1"/>
-              <a:t>androidos</a:t>
-            </a:r>
-            <a:r>
-              <a:rPr lang="hu-HU" dirty="0"/>
-              <a:t> alapú névjegyzék </a:t>
-            </a:r>
-            <a:r>
-              <a:rPr lang="hu-HU" dirty="0" err="1"/>
-              <a:t>lebutitott</a:t>
-            </a:r>
-            <a:r>
-              <a:rPr lang="hu-HU" dirty="0"/>
-              <a:t> változata. A program célja alap bevitel majd </a:t>
-            </a:r>
-            <a:r>
-              <a:rPr lang="hu-HU" dirty="0" err="1"/>
-              <a:t>modositások</a:t>
-            </a:r>
-            <a:r>
-              <a:rPr lang="hu-HU" dirty="0"/>
-              <a:t> parancsban GUI </a:t>
-            </a:r>
-            <a:r>
-              <a:rPr lang="hu-HU" dirty="0" err="1"/>
-              <a:t>felulten</a:t>
-            </a:r>
-            <a:r>
-              <a:rPr lang="hu-HU" dirty="0"/>
-              <a:t>.</a:t>
+              <a:t>A szoftver egy Androidos alapú névjegyzék le butított változata. A program célja alap bevitel majd módosítások parancsban GUI felültén.</a:t>
             </a:r>
           </a:p>
           <a:p>
@@ -6077,6 +6101,18 @@
   <p:clrMapOvr>
     <a:masterClrMapping/>
   </p:clrMapOvr>
+  <mc:AlternateContent xmlns:mc="http://schemas.openxmlformats.org/markup-compatibility/2006">
+    <mc:Choice xmlns:p159="http://schemas.microsoft.com/office/powerpoint/2015/09/main" Requires="p159">
+      <p:transition xmlns:p14="http://schemas.microsoft.com/office/powerpoint/2010/main" spd="slow" p14:dur="2000">
+        <p159:morph option="byObject"/>
+      </p:transition>
+    </mc:Choice>
+    <mc:Fallback>
+      <p:transition spd="slow">
+        <p:fade/>
+      </p:transition>
+    </mc:Fallback>
+  </mc:AlternateContent>
 </p:sld>
 </file>
 
@@ -6120,15 +6156,7 @@
           <a:p>
             <a:r>
               <a:rPr lang="hu-HU" dirty="0"/>
-              <a:t>Hogyan </a:t>
-            </a:r>
-            <a:r>
-              <a:rPr lang="hu-HU" dirty="0" err="1"/>
-              <a:t>mükodik</a:t>
-            </a:r>
-            <a:r>
-              <a:rPr lang="hu-HU" dirty="0"/>
-              <a:t>?</a:t>
+              <a:t>Hogyan működik?</a:t>
             </a:r>
           </a:p>
         </p:txBody>
@@ -6156,103 +6184,7 @@
           <a:p>
             <a:r>
               <a:rPr lang="hu-HU" dirty="0"/>
-              <a:t>A program net-8.0 vs2022 </a:t>
-            </a:r>
-            <a:r>
-              <a:rPr lang="hu-HU" dirty="0" err="1"/>
-              <a:t>ben</a:t>
-            </a:r>
-            <a:r>
-              <a:rPr lang="hu-HU" dirty="0"/>
-              <a:t> </a:t>
-            </a:r>
-            <a:r>
-              <a:rPr lang="hu-HU" dirty="0" err="1"/>
-              <a:t>irodott</a:t>
-            </a:r>
-            <a:r>
-              <a:rPr lang="hu-HU" dirty="0"/>
-              <a:t> dec 6 an delutan1300kor. A program lényege amikor elindul egy ablakban van egy </a:t>
-            </a:r>
-            <a:r>
-              <a:rPr lang="hu-HU" dirty="0" err="1"/>
-              <a:t>sotet</a:t>
-            </a:r>
-            <a:r>
-              <a:rPr lang="hu-HU" dirty="0"/>
-              <a:t> </a:t>
-            </a:r>
-            <a:r>
-              <a:rPr lang="hu-HU" dirty="0" err="1"/>
-              <a:t>kezelofelulet</a:t>
-            </a:r>
-            <a:r>
-              <a:rPr lang="hu-HU" dirty="0"/>
-              <a:t> es rajta egy </a:t>
-            </a:r>
-            <a:r>
-              <a:rPr lang="hu-HU" dirty="0" err="1"/>
-              <a:t>uj</a:t>
-            </a:r>
-            <a:r>
-              <a:rPr lang="hu-HU" dirty="0"/>
-              <a:t> kapcsolat gomb </a:t>
-            </a:r>
-            <a:r>
-              <a:rPr lang="hu-HU" dirty="0" err="1"/>
-              <a:t>zold</a:t>
-            </a:r>
-            <a:r>
-              <a:rPr lang="hu-HU" dirty="0"/>
-              <a:t> </a:t>
-            </a:r>
-            <a:r>
-              <a:rPr lang="hu-HU" dirty="0" err="1"/>
-              <a:t>hatterel.Arra</a:t>
-            </a:r>
-            <a:r>
-              <a:rPr lang="hu-HU" dirty="0"/>
-              <a:t> kattintva lehet bevinni email </a:t>
-            </a:r>
-            <a:r>
-              <a:rPr lang="hu-HU" dirty="0" err="1"/>
-              <a:t>nev</a:t>
-            </a:r>
-            <a:r>
-              <a:rPr lang="hu-HU" dirty="0"/>
-              <a:t> es </a:t>
-            </a:r>
-            <a:r>
-              <a:rPr lang="hu-HU" dirty="0" err="1"/>
-              <a:t>telefonszamot</a:t>
-            </a:r>
-            <a:r>
-              <a:rPr lang="hu-HU" dirty="0"/>
-              <a:t> ezeket lehet torolni illetve </a:t>
-            </a:r>
-            <a:r>
-              <a:rPr lang="hu-HU" dirty="0" err="1"/>
-              <a:t>modositani</a:t>
-            </a:r>
-            <a:r>
-              <a:rPr lang="hu-HU" dirty="0"/>
-              <a:t> a program </a:t>
-            </a:r>
-            <a:r>
-              <a:rPr lang="hu-HU" dirty="0" err="1"/>
-              <a:t>egyszeru</a:t>
-            </a:r>
-            <a:r>
-              <a:rPr lang="hu-HU" dirty="0"/>
-              <a:t> praktikus igaz sokak szerint nincs haszna de alkotáskor ez vált remek ötletté hogy a nosztalgia hangulat es a régi alkalmazások fussanak modern </a:t>
-            </a:r>
-            <a:r>
-              <a:rPr lang="hu-HU" dirty="0" err="1"/>
-              <a:t>windowson</a:t>
-            </a:r>
-            <a:r>
-              <a:rPr lang="hu-HU" dirty="0"/>
-              <a:t> is</a:t>
+              <a:t>A program net-8.0 Visual Studio 2022-ben íródott dec 6 an délután13.00 kor. A program lényege amikor elindul egy ablakban van egy sötét kezelő felület es rajta egy új kapcsolat gomb zöld háttérrel .Arra kattintva lehet bevinni email név es telefonszámot ezeket lehet torolni illetve módosítani a program egyszerű praktikus igaz sokak szerint nincs haszna de alkotáskor ez vált remek ötletté hogy a nosztalgia hangulat es a régi alkalmazások fussanak modern Windowson is</a:t>
             </a:r>
           </a:p>
         </p:txBody>
@@ -6267,6 +6199,18 @@
   <p:clrMapOvr>
     <a:masterClrMapping/>
   </p:clrMapOvr>
+  <mc:AlternateContent xmlns:mc="http://schemas.openxmlformats.org/markup-compatibility/2006">
+    <mc:Choice xmlns:p14="http://schemas.microsoft.com/office/powerpoint/2010/main" Requires="p14">
+      <p:transition spd="med" p14:dur="700">
+        <p:fade/>
+      </p:transition>
+    </mc:Choice>
+    <mc:Fallback>
+      <p:transition spd="med">
+        <p:fade/>
+      </p:transition>
+    </mc:Fallback>
+  </mc:AlternateContent>
 </p:sld>
 </file>
 
@@ -6342,107 +6286,11 @@
             </a:r>
             <a:r>
               <a:rPr lang="hu-HU" dirty="0" err="1"/>
-              <a:t>classroomban</a:t>
+              <a:t>classroom</a:t>
             </a:r>
             <a:r>
               <a:rPr lang="hu-HU" dirty="0"/>
-              <a:t> illetve a 12.02 </a:t>
-            </a:r>
-            <a:r>
-              <a:rPr lang="hu-HU" dirty="0" err="1"/>
-              <a:t>tanoran</a:t>
-            </a:r>
-            <a:r>
-              <a:rPr lang="hu-HU" dirty="0"/>
-              <a:t> lattam egy </a:t>
-            </a:r>
-            <a:r>
-              <a:rPr lang="hu-HU" dirty="0" err="1"/>
-              <a:t>hasonlo</a:t>
-            </a:r>
-            <a:r>
-              <a:rPr lang="hu-HU" dirty="0"/>
-              <a:t> bar kicsit </a:t>
-            </a:r>
-            <a:r>
-              <a:rPr lang="hu-HU" dirty="0" err="1"/>
-              <a:t>bena</a:t>
-            </a:r>
-            <a:r>
-              <a:rPr lang="hu-HU" dirty="0"/>
-              <a:t> </a:t>
-            </a:r>
-            <a:r>
-              <a:rPr lang="hu-HU" dirty="0" err="1"/>
-              <a:t>megoldast</a:t>
-            </a:r>
-            <a:r>
-              <a:rPr lang="hu-HU" dirty="0"/>
-              <a:t> es ahogy </a:t>
-            </a:r>
-            <a:r>
-              <a:rPr lang="hu-HU" dirty="0" err="1"/>
-              <a:t>irtam</a:t>
-            </a:r>
-            <a:r>
-              <a:rPr lang="hu-HU" dirty="0"/>
-              <a:t> 05 </a:t>
-            </a:r>
-            <a:r>
-              <a:rPr lang="hu-HU" dirty="0" err="1"/>
-              <a:t>en</a:t>
-            </a:r>
-            <a:r>
-              <a:rPr lang="hu-HU" dirty="0"/>
-              <a:t> </a:t>
-            </a:r>
-            <a:r>
-              <a:rPr lang="hu-HU" dirty="0" err="1"/>
-              <a:t>jott</a:t>
-            </a:r>
-            <a:r>
-              <a:rPr lang="hu-HU" dirty="0"/>
-              <a:t> el a pillanat eme programra </a:t>
-            </a:r>
-            <a:r>
-              <a:rPr lang="hu-HU" dirty="0" err="1"/>
-              <a:t>celom</a:t>
-            </a:r>
-            <a:r>
-              <a:rPr lang="hu-HU" dirty="0"/>
-              <a:t> ezt a  programot majd fejleszteni es kiadni </a:t>
-            </a:r>
-            <a:r>
-              <a:rPr lang="hu-HU" dirty="0" err="1"/>
-              <a:t>regi</a:t>
-            </a:r>
-            <a:r>
-              <a:rPr lang="hu-HU" dirty="0"/>
-              <a:t> </a:t>
-            </a:r>
-            <a:r>
-              <a:rPr lang="hu-HU" dirty="0" err="1"/>
-              <a:t>eszkozokre</a:t>
-            </a:r>
-            <a:r>
-              <a:rPr lang="hu-HU" dirty="0"/>
-              <a:t> es </a:t>
-            </a:r>
-            <a:r>
-              <a:rPr lang="hu-HU" dirty="0" err="1"/>
-              <a:t>integralni</a:t>
-            </a:r>
-            <a:r>
-              <a:rPr lang="hu-HU" dirty="0"/>
-              <a:t> az </a:t>
-            </a:r>
-            <a:r>
-              <a:rPr lang="hu-HU" dirty="0" err="1"/>
-              <a:t>operacios</a:t>
-            </a:r>
-            <a:r>
-              <a:rPr lang="hu-HU" dirty="0"/>
-              <a:t> rendszerembe mint elem.</a:t>
+              <a:t>-ban illetve a 12.02 tanórán láttam egy hasonló megoldást es ahogy írtam 05-én jött el a pillanat eme programra célunk ezt a programot majd fejleszteni es kiadni régi eszközökre es integrálni az operációs rendszerembe mint elem.</a:t>
             </a:r>
           </a:p>
         </p:txBody>
@@ -6457,6 +6305,18 @@
   <p:clrMapOvr>
     <a:masterClrMapping/>
   </p:clrMapOvr>
+  <mc:AlternateContent xmlns:mc="http://schemas.openxmlformats.org/markup-compatibility/2006">
+    <mc:Choice xmlns:p14="http://schemas.microsoft.com/office/powerpoint/2010/main" Requires="p14">
+      <p:transition spd="slow" p14:dur="1500">
+        <p:split orient="vert"/>
+      </p:transition>
+    </mc:Choice>
+    <mc:Fallback>
+      <p:transition spd="slow">
+        <p:split orient="vert"/>
+      </p:transition>
+    </mc:Fallback>
+  </mc:AlternateContent>
 </p:sld>
 </file>
 
@@ -6499,18 +6359,9 @@
           <a:lstStyle/>
           <a:p>
             <a:r>
-              <a:rPr lang="hu-HU" dirty="0" err="1"/>
-              <a:t>Bövebb</a:t>
-            </a:r>
-            <a:r>
               <a:rPr lang="hu-HU" dirty="0"/>
-              <a:t> </a:t>
-            </a:r>
-            <a:r>
-              <a:rPr lang="hu-HU" dirty="0" err="1"/>
-              <a:t>kifejtes</a:t>
-            </a:r>
-            <a:endParaRPr lang="hu-HU" dirty="0"/>
+              <a:t>Bővebb kifejtess</a:t>
+            </a:r>
           </a:p>
         </p:txBody>
       </p:sp>
@@ -6537,69 +6388,8 @@
           <a:p>
             <a:r>
               <a:rPr lang="hu-HU" dirty="0"/>
-              <a:t>Maga a programban rengeteg volt a baj, a </a:t>
-            </a:r>
-            <a:r>
-              <a:rPr lang="hu-HU" dirty="0" err="1"/>
-              <a:t>maui</a:t>
-            </a:r>
-            <a:r>
-              <a:rPr lang="hu-HU" dirty="0"/>
-              <a:t> app </a:t>
-            </a:r>
-            <a:r>
-              <a:rPr lang="hu-HU" dirty="0" err="1"/>
-              <a:t>egyeszeruen</a:t>
-            </a:r>
-            <a:r>
-              <a:rPr lang="hu-HU" dirty="0"/>
-              <a:t> </a:t>
-            </a:r>
-            <a:r>
-              <a:rPr lang="hu-HU" dirty="0" err="1"/>
-              <a:t>szornyu</a:t>
-            </a:r>
-            <a:r>
-              <a:rPr lang="hu-HU" dirty="0"/>
-              <a:t> volt a kislaptopomnak és rengeteg volt a </a:t>
-            </a:r>
-            <a:r>
-              <a:rPr lang="hu-HU" dirty="0" err="1"/>
-              <a:t>kompatiblitasi</a:t>
-            </a:r>
-            <a:r>
-              <a:rPr lang="hu-HU" dirty="0"/>
-              <a:t> baj nagy futtatás és sok háttérfolyamat és persze az </a:t>
-            </a:r>
-            <a:r>
-              <a:rPr lang="hu-HU" dirty="0" err="1"/>
-              <a:t>állando</a:t>
-            </a:r>
-            <a:r>
-              <a:rPr lang="hu-HU" dirty="0"/>
-              <a:t> </a:t>
-            </a:r>
-            <a:r>
-              <a:rPr lang="hu-HU" dirty="0" err="1"/>
-              <a:t>frissitesek</a:t>
-            </a:r>
-            <a:r>
-              <a:rPr lang="hu-HU" dirty="0"/>
-              <a:t> amik </a:t>
-            </a:r>
-            <a:r>
-              <a:rPr lang="hu-HU" dirty="0" err="1"/>
-              <a:t>megnehezitették</a:t>
-            </a:r>
-            <a:r>
-              <a:rPr lang="hu-HU" dirty="0"/>
-              <a:t> a program </a:t>
-            </a:r>
-            <a:r>
-              <a:rPr lang="hu-HU" dirty="0" err="1"/>
-              <a:t>elkesziteset</a:t>
-            </a:r>
-            <a:endParaRPr lang="hu-HU" dirty="0"/>
+              <a:t>Maga a programban rengeteg volt a baj, a maui app egyezerűen szörnyű volt a kislaptopomnak és rengeteg volt a kompatibilitási baj nagy futtatás és sok háttérfolyamat és persze az állandó frissítések amik megnehezítettek a program elkészítését</a:t>
+            </a:r>
           </a:p>
         </p:txBody>
       </p:sp>
@@ -6613,6 +6403,18 @@
   <p:clrMapOvr>
     <a:masterClrMapping/>
   </p:clrMapOvr>
+  <mc:AlternateContent xmlns:mc="http://schemas.openxmlformats.org/markup-compatibility/2006">
+    <mc:Choice xmlns:p14="http://schemas.microsoft.com/office/powerpoint/2010/main" Requires="p14">
+      <p:transition p14:dur="100">
+        <p:cut/>
+      </p:transition>
+    </mc:Choice>
+    <mc:Fallback>
+      <p:transition>
+        <p:cut/>
+      </p:transition>
+    </mc:Fallback>
+  </mc:AlternateContent>
 </p:sld>
 </file>
 
@@ -6655,10 +6457,9 @@
           <a:lstStyle/>
           <a:p>
             <a:r>
-              <a:rPr lang="hu-HU" dirty="0" err="1"/>
-              <a:t>Hibak</a:t>
-            </a:r>
-            <a:endParaRPr lang="hu-HU" dirty="0"/>
+              <a:rPr lang="hu-HU" dirty="0"/>
+              <a:t>Hibák</a:t>
+            </a:r>
           </a:p>
         </p:txBody>
       </p:sp>
@@ -6685,215 +6486,7 @@
           <a:p>
             <a:r>
               <a:rPr lang="hu-HU" dirty="0"/>
-              <a:t>Elég sok volt. Mint </a:t>
-            </a:r>
-            <a:r>
-              <a:rPr lang="hu-HU" dirty="0" err="1"/>
-              <a:t>irtuk</a:t>
-            </a:r>
-            <a:r>
-              <a:rPr lang="hu-HU" dirty="0"/>
-              <a:t> a </a:t>
-            </a:r>
-            <a:r>
-              <a:rPr lang="hu-HU" dirty="0" err="1"/>
-              <a:t>maui</a:t>
-            </a:r>
-            <a:r>
-              <a:rPr lang="hu-HU" dirty="0"/>
-              <a:t> rengeteg erőforrást evett a gépen nekem szinte a 87% </a:t>
-            </a:r>
-            <a:r>
-              <a:rPr lang="hu-HU" dirty="0" err="1"/>
-              <a:t>atlag</a:t>
-            </a:r>
-            <a:r>
-              <a:rPr lang="hu-HU" dirty="0"/>
-              <a:t> </a:t>
-            </a:r>
-            <a:r>
-              <a:rPr lang="hu-HU" dirty="0" err="1"/>
-              <a:t>cpu</a:t>
-            </a:r>
-            <a:r>
-              <a:rPr lang="hu-HU" dirty="0"/>
-              <a:t> es 60% ram ment el csak a </a:t>
-            </a:r>
-            <a:r>
-              <a:rPr lang="hu-HU" dirty="0" err="1"/>
-              <a:t>maui</a:t>
-            </a:r>
-            <a:r>
-              <a:rPr lang="hu-HU" dirty="0"/>
-              <a:t> </a:t>
-            </a:r>
-            <a:r>
-              <a:rPr lang="hu-HU" dirty="0" err="1"/>
-              <a:t>betoltesere</a:t>
-            </a:r>
-            <a:r>
-              <a:rPr lang="hu-HU" dirty="0"/>
-              <a:t> es </a:t>
-            </a:r>
-            <a:r>
-              <a:rPr lang="hu-HU" dirty="0" err="1"/>
-              <a:t>mas</a:t>
-            </a:r>
-            <a:r>
-              <a:rPr lang="hu-HU" dirty="0"/>
-              <a:t> oldalt sem tudtam megnyitni majd </a:t>
-            </a:r>
-            <a:r>
-              <a:rPr lang="hu-HU" dirty="0" err="1"/>
-              <a:t>tobbszor</a:t>
-            </a:r>
-            <a:r>
-              <a:rPr lang="hu-HU" dirty="0"/>
-              <a:t> is </a:t>
-            </a:r>
-            <a:r>
-              <a:rPr lang="hu-HU" dirty="0" err="1"/>
-              <a:t>osszeomlott</a:t>
-            </a:r>
-            <a:r>
-              <a:rPr lang="hu-HU" dirty="0"/>
-              <a:t> a </a:t>
-            </a:r>
-            <a:r>
-              <a:rPr lang="hu-HU" dirty="0" err="1"/>
-              <a:t>progi</a:t>
-            </a:r>
-            <a:r>
-              <a:rPr lang="hu-HU" dirty="0"/>
-              <a:t> </a:t>
-            </a:r>
-            <a:r>
-              <a:rPr lang="hu-HU" dirty="0" err="1"/>
-              <a:t>hiaba</a:t>
-            </a:r>
-            <a:r>
-              <a:rPr lang="hu-HU" dirty="0"/>
-              <a:t> </a:t>
-            </a:r>
-            <a:r>
-              <a:rPr lang="hu-HU" dirty="0" err="1"/>
-              <a:t>probalkoztam</a:t>
-            </a:r>
-            <a:r>
-              <a:rPr lang="hu-HU" dirty="0"/>
-              <a:t> a 9.0 csak rontott a 8.0 a sulis </a:t>
-            </a:r>
-            <a:r>
-              <a:rPr lang="hu-HU" dirty="0" err="1"/>
-              <a:t>gepen</a:t>
-            </a:r>
-            <a:r>
-              <a:rPr lang="hu-HU" dirty="0"/>
-              <a:t> nem volt baj az itthonin es </a:t>
-            </a:r>
-            <a:r>
-              <a:rPr lang="hu-HU" dirty="0" err="1"/>
-              <a:t>tarsam</a:t>
-            </a:r>
-            <a:r>
-              <a:rPr lang="hu-HU" dirty="0"/>
-              <a:t> </a:t>
-            </a:r>
-            <a:r>
-              <a:rPr lang="hu-HU" dirty="0" err="1"/>
-              <a:t>gepen</a:t>
-            </a:r>
-            <a:r>
-              <a:rPr lang="hu-HU" dirty="0"/>
-              <a:t> ismeretlen es furcsa </a:t>
-            </a:r>
-            <a:r>
-              <a:rPr lang="hu-HU" dirty="0" err="1"/>
-              <a:t>kompatibilitas</a:t>
-            </a:r>
-            <a:r>
-              <a:rPr lang="hu-HU" dirty="0"/>
-              <a:t> volt </a:t>
-            </a:r>
-            <a:r>
-              <a:rPr lang="hu-HU" dirty="0" err="1"/>
-              <a:t>szakertok</a:t>
-            </a:r>
-            <a:r>
-              <a:rPr lang="hu-HU" dirty="0"/>
-              <a:t> sem </a:t>
-            </a:r>
-            <a:r>
-              <a:rPr lang="hu-HU" dirty="0" err="1"/>
-              <a:t>értettek.tegnapi</a:t>
-            </a:r>
-            <a:r>
-              <a:rPr lang="hu-HU" dirty="0"/>
-              <a:t> egy vs2026 </a:t>
-            </a:r>
-            <a:r>
-              <a:rPr lang="hu-HU" dirty="0" err="1"/>
-              <a:t>frissites</a:t>
-            </a:r>
-            <a:r>
-              <a:rPr lang="hu-HU" dirty="0"/>
-              <a:t> akaratom </a:t>
-            </a:r>
-            <a:r>
-              <a:rPr lang="hu-HU" dirty="0" err="1"/>
-              <a:t>ellenere</a:t>
-            </a:r>
-            <a:r>
-              <a:rPr lang="hu-HU" dirty="0"/>
-              <a:t> </a:t>
-            </a:r>
-            <a:r>
-              <a:rPr lang="hu-HU" dirty="0" err="1"/>
-              <a:t>toltette</a:t>
-            </a:r>
-            <a:r>
-              <a:rPr lang="hu-HU" dirty="0"/>
-              <a:t> le </a:t>
-            </a:r>
-            <a:r>
-              <a:rPr lang="hu-HU" dirty="0" err="1"/>
-              <a:t>magat</a:t>
-            </a:r>
-            <a:r>
-              <a:rPr lang="hu-HU" dirty="0"/>
-              <a:t> es a 8.0 </a:t>
-            </a:r>
-            <a:r>
-              <a:rPr lang="hu-HU" dirty="0" err="1"/>
-              <a:t>maui</a:t>
-            </a:r>
-            <a:r>
-              <a:rPr lang="hu-HU" dirty="0"/>
-              <a:t> </a:t>
-            </a:r>
-            <a:r>
-              <a:rPr lang="hu-HU" dirty="0" err="1"/>
-              <a:t>progi</a:t>
-            </a:r>
-            <a:r>
-              <a:rPr lang="hu-HU" dirty="0"/>
-              <a:t> meghalt nem lehetett futtatni csak 10.0 </a:t>
-            </a:r>
-            <a:r>
-              <a:rPr lang="hu-HU" dirty="0" err="1"/>
-              <a:t>val</a:t>
-            </a:r>
-            <a:r>
-              <a:rPr lang="hu-HU" dirty="0"/>
-              <a:t> ami </a:t>
-            </a:r>
-            <a:r>
-              <a:rPr lang="hu-HU" dirty="0" err="1"/>
-              <a:t>méginkább</a:t>
-            </a:r>
-            <a:r>
-              <a:rPr lang="hu-HU" dirty="0"/>
-              <a:t> bosszantott minket.</a:t>
+              <a:t>Elég sok volt. Mint írtuk a maui rengeteg erőforrást evett a gépen nekem szinte a 87% átlag cpu es 60% ram ment el csak a maui betöltésére es más oldalt sem tudtam megnyitni majd többször is összeomlott a progi hiába próbálkoztam a 9.0 csak rontott a 8.0 a sulis gépen nem volt baj az itthonin es társam gépen ismeretlen es furcsa kompatibilitás volt szakértők sem értettek. Tegnapi egy vs2026 frissítés akaratom ellenére töltetté le magát es a 8.0 maui progi meghalt nem lehetett futtatni csak 10.0 val ami meg inkább bosszantott minket.</a:t>
             </a:r>
           </a:p>
         </p:txBody>
@@ -6908,6 +6501,9 @@
   <p:clrMapOvr>
     <a:masterClrMapping/>
   </p:clrMapOvr>
+  <p:transition spd="slow">
+    <p:randomBar dir="vert"/>
+  </p:transition>
 </p:sld>
 </file>
 
@@ -6950,10 +6546,9 @@
           <a:lstStyle/>
           <a:p>
             <a:r>
-              <a:rPr lang="hu-HU" dirty="0" err="1"/>
-              <a:t>Tapasztalaink</a:t>
-            </a:r>
-            <a:endParaRPr lang="hu-HU" dirty="0"/>
+              <a:rPr lang="hu-HU" dirty="0"/>
+              <a:t>Tapasztalatink</a:t>
+            </a:r>
           </a:p>
         </p:txBody>
       </p:sp>
@@ -6980,47 +6575,7 @@
           <a:p>
             <a:r>
               <a:rPr lang="hu-HU" dirty="0"/>
-              <a:t>Az </a:t>
-            </a:r>
-            <a:r>
-              <a:rPr lang="hu-HU" dirty="0" err="1"/>
-              <a:t>elottekhez</a:t>
-            </a:r>
-            <a:r>
-              <a:rPr lang="hu-HU" dirty="0"/>
-              <a:t> </a:t>
-            </a:r>
-            <a:r>
-              <a:rPr lang="hu-HU" dirty="0" err="1"/>
-              <a:t>irodott</a:t>
-            </a:r>
-            <a:r>
-              <a:rPr lang="hu-HU" dirty="0"/>
-              <a:t> </a:t>
-            </a:r>
-            <a:r>
-              <a:rPr lang="hu-HU" dirty="0" err="1"/>
-              <a:t>soran</a:t>
-            </a:r>
-            <a:r>
-              <a:rPr lang="hu-HU" dirty="0"/>
-              <a:t> engem maga a rendszer es ez a program </a:t>
-            </a:r>
-            <a:r>
-              <a:rPr lang="hu-HU" dirty="0" err="1"/>
-              <a:t>kovetelmenye</a:t>
-            </a:r>
-            <a:r>
-              <a:rPr lang="hu-HU" dirty="0"/>
-              <a:t> okozta a bajt </a:t>
-            </a:r>
-            <a:r>
-              <a:rPr lang="hu-HU" dirty="0" err="1"/>
-              <a:t>igyekesztunk</a:t>
-            </a:r>
-            <a:r>
-              <a:rPr lang="hu-HU" dirty="0"/>
-              <a:t> mindent belerakni.</a:t>
+              <a:t>Az előttiekhez íródott során engem maga a rendszer es ez a program követelményé okozta a bajt igyekeztünk mindent belerakni.</a:t>
             </a:r>
           </a:p>
         </p:txBody>
@@ -7035,6 +6590,18 @@
   <p:clrMapOvr>
     <a:masterClrMapping/>
   </p:clrMapOvr>
+  <mc:AlternateContent xmlns:mc="http://schemas.openxmlformats.org/markup-compatibility/2006">
+    <mc:Choice xmlns:p14="http://schemas.microsoft.com/office/powerpoint/2010/main" Requires="p14">
+      <p:transition spd="slow" p14:dur="800">
+        <p:circle/>
+      </p:transition>
+    </mc:Choice>
+    <mc:Fallback>
+      <p:transition spd="slow">
+        <p:circle/>
+      </p:transition>
+    </mc:Fallback>
+  </mc:AlternateContent>
 </p:sld>
 </file>
 
@@ -7105,20 +6672,8 @@
           <a:lstStyle/>
           <a:p>
             <a:r>
-              <a:rPr lang="hu-HU" dirty="0" err="1"/>
-              <a:t>Remeljuk</a:t>
-            </a:r>
-            <a:r>
               <a:rPr lang="hu-HU" dirty="0"/>
-              <a:t> tetszeni fog es </a:t>
-            </a:r>
-            <a:r>
-              <a:rPr lang="hu-HU" dirty="0" err="1"/>
-              <a:t>hasznalni</a:t>
-            </a:r>
-            <a:r>
-              <a:rPr lang="hu-HU" dirty="0"/>
-              <a:t> is fogjak</a:t>
+              <a:t>Reméljük tetszeni fog es használni is fogjak</a:t>
             </a:r>
             <a:r>
               <a:rPr lang="hu-HU" dirty="0">
@@ -7140,13 +6695,16 @@
   <p:clrMapOvr>
     <a:masterClrMapping/>
   </p:clrMapOvr>
+  <p:transition spd="slow">
+    <p:cover/>
+  </p:transition>
 </p:sld>
 </file>
 
 <file path=ppt/theme/theme1.xml><?xml version="1.0" encoding="utf-8"?>
-<a:theme xmlns:a="http://schemas.openxmlformats.org/drawingml/2006/main" name="Kondenzcsík">
+<a:theme xmlns:a="http://schemas.openxmlformats.org/drawingml/2006/main" name="Dimenzió">
   <a:themeElements>
-    <a:clrScheme name="Kondenzcsík">
+    <a:clrScheme name="Szürkeárnyalatos">
       <a:dk1>
         <a:sysClr val="windowText" lastClr="000000"/>
       </a:dk1>
@@ -7154,52 +6712,52 @@
         <a:sysClr val="window" lastClr="FFFFFF"/>
       </a:lt1>
       <a:dk2>
-        <a:srgbClr val="454545"/>
+        <a:srgbClr val="000000"/>
       </a:dk2>
       <a:lt2>
-        <a:srgbClr val="DADADA"/>
+        <a:srgbClr val="F8F8F8"/>
       </a:lt2>
       <a:accent1>
-        <a:srgbClr val="DF2E28"/>
+        <a:srgbClr val="DDDDDD"/>
       </a:accent1>
       <a:accent2>
-        <a:srgbClr val="FE801A"/>
+        <a:srgbClr val="B2B2B2"/>
       </a:accent2>
       <a:accent3>
-        <a:srgbClr val="E9BF35"/>
+        <a:srgbClr val="969696"/>
       </a:accent3>
       <a:accent4>
-        <a:srgbClr val="81BB42"/>
+        <a:srgbClr val="808080"/>
       </a:accent4>
       <a:accent5>
-        <a:srgbClr val="32C7A9"/>
+        <a:srgbClr val="5F5F5F"/>
       </a:accent5>
       <a:accent6>
-        <a:srgbClr val="4A9BDC"/>
+        <a:srgbClr val="4D4D4D"/>
       </a:accent6>
       <a:hlink>
-        <a:srgbClr val="F0532B"/>
+        <a:srgbClr val="5F5F5F"/>
       </a:hlink>
       <a:folHlink>
-        <a:srgbClr val="F38B53"/>
+        <a:srgbClr val="919191"/>
       </a:folHlink>
     </a:clrScheme>
-    <a:fontScheme name="Kondenzcsík">
+    <a:fontScheme name="Dimenzió">
       <a:majorFont>
-        <a:latin typeface="Century Gothic" panose="020B0502020202020204"/>
+        <a:latin typeface="Trebuchet MS" panose="020B0603020202020204"/>
         <a:ea typeface=""/>
         <a:cs typeface=""/>
-        <a:font script="Jpan" typeface="ＭＳ Ｐゴシック"/>
+        <a:font script="Jpan" typeface="メイリオ"/>
         <a:font script="Hang" typeface="맑은 고딕"/>
-        <a:font script="Hans" typeface="宋体"/>
-        <a:font script="Hant" typeface="新細明體"/>
-        <a:font script="Arab" typeface="Times New Roman"/>
-        <a:font script="Hebr" typeface="Times New Roman"/>
-        <a:font script="Thai" typeface="Angsana New"/>
+        <a:font script="Hans" typeface="方正姚体"/>
+        <a:font script="Hant" typeface="微軟正黑體"/>
+        <a:font script="Arab" typeface="Tahoma"/>
+        <a:font script="Hebr" typeface="Arial"/>
+        <a:font script="Thai" typeface="Cordia New"/>
         <a:font script="Ethi" typeface="Nyala"/>
         <a:font script="Beng" typeface="Vrinda"/>
         <a:font script="Gujr" typeface="Shruti"/>
-        <a:font script="Khmr" typeface="MoolBoran"/>
+        <a:font script="Khmr" typeface="DaunPenh"/>
         <a:font script="Knda" typeface="Tunga"/>
         <a:font script="Guru" typeface="Raavi"/>
         <a:font script="Cans" typeface="Euphemia"/>
@@ -7216,21 +6774,21 @@
         <a:font script="Laoo" typeface="DokChampa"/>
         <a:font script="Sinh" typeface="Iskoola Pota"/>
         <a:font script="Mong" typeface="Mongolian Baiti"/>
-        <a:font script="Viet" typeface="Times New Roman"/>
+        <a:font script="Viet" typeface="Tahoma"/>
         <a:font script="Uigh" typeface="Microsoft Uighur"/>
         <a:font script="Geor" typeface="Sylfaen"/>
       </a:majorFont>
       <a:minorFont>
-        <a:latin typeface="Century Gothic" panose="020B0502020202020204"/>
+        <a:latin typeface="Trebuchet MS" panose="020B0603020202020204"/>
         <a:ea typeface=""/>
         <a:cs typeface=""/>
-        <a:font script="Jpan" typeface="ＭＳ Ｐゴシック"/>
-        <a:font script="Hang" typeface="맑은 고딕"/>
-        <a:font script="Hans" typeface="宋体"/>
-        <a:font script="Hant" typeface="新細明體"/>
-        <a:font script="Arab" typeface="Arial"/>
-        <a:font script="Hebr" typeface="Arial"/>
-        <a:font script="Thai" typeface="Cordia New"/>
+        <a:font script="Jpan" typeface="メイリオ"/>
+        <a:font script="Hang" typeface="HY그래픽M"/>
+        <a:font script="Hans" typeface="华文新魏"/>
+        <a:font script="Hant" typeface="微軟正黑體"/>
+        <a:font script="Arab" typeface="Tahoma"/>
+        <a:font script="Hebr" typeface="Gisha"/>
+        <a:font script="Thai" typeface="IrisUPC"/>
         <a:font script="Ethi" typeface="Nyala"/>
         <a:font script="Beng" typeface="Vrinda"/>
         <a:font script="Gujr" typeface="Shruti"/>
@@ -7256,7 +6814,7 @@
         <a:font script="Geor" typeface="Sylfaen"/>
       </a:minorFont>
     </a:fontScheme>
-    <a:fmtScheme name="Kondenzcsík">
+    <a:fmtScheme name="Dimenzió">
       <a:fillStyleLst>
         <a:solidFill>
           <a:schemeClr val="phClr"/>
@@ -7265,24 +6823,13 @@
           <a:gsLst>
             <a:gs pos="0">
               <a:schemeClr val="phClr">
-                <a:tint val="69000"/>
-                <a:alpha val="100000"/>
-                <a:satMod val="109000"/>
+                <a:tint val="65000"/>
                 <a:lumMod val="110000"/>
               </a:schemeClr>
             </a:gs>
-            <a:gs pos="52000">
+            <a:gs pos="88000">
               <a:schemeClr val="phClr">
-                <a:tint val="74000"/>
-                <a:satMod val="100000"/>
-                <a:lumMod val="104000"/>
-              </a:schemeClr>
-            </a:gs>
-            <a:gs pos="100000">
-              <a:schemeClr val="phClr">
-                <a:tint val="78000"/>
-                <a:satMod val="100000"/>
-                <a:lumMod val="100000"/>
+                <a:tint val="90000"/>
               </a:schemeClr>
             </a:gs>
           </a:gsLst>
@@ -7293,15 +6840,13 @@
             <a:gs pos="0">
               <a:schemeClr val="phClr">
                 <a:tint val="96000"/>
-                <a:satMod val="100000"/>
-                <a:lumMod val="104000"/>
+                <a:lumMod val="100000"/>
               </a:schemeClr>
             </a:gs>
             <a:gs pos="78000">
               <a:schemeClr val="phClr">
-                <a:shade val="100000"/>
-                <a:satMod val="110000"/>
-                <a:lumMod val="100000"/>
+                <a:shade val="94000"/>
+                <a:lumMod val="94000"/>
               </a:schemeClr>
             </a:gs>
           </a:gsLst>
@@ -7309,19 +6854,19 @@
         </a:gradFill>
       </a:fillStyleLst>
       <a:lnStyleLst>
-        <a:ln w="9525" cap="flat" cmpd="sng" algn="ctr">
+        <a:ln w="12700" cap="rnd" cmpd="sng" algn="ctr">
           <a:solidFill>
             <a:schemeClr val="phClr"/>
           </a:solidFill>
           <a:prstDash val="solid"/>
         </a:ln>
-        <a:ln w="12700" cap="flat" cmpd="sng" algn="ctr">
+        <a:ln w="19050" cap="rnd" cmpd="sng" algn="ctr">
           <a:solidFill>
             <a:schemeClr val="phClr"/>
           </a:solidFill>
           <a:prstDash val="solid"/>
         </a:ln>
-        <a:ln w="19050" cap="flat" cmpd="sng" algn="ctr">
+        <a:ln w="25400" cap="rnd" cmpd="sng" algn="ctr">
           <a:solidFill>
             <a:schemeClr val="phClr"/>
           </a:solidFill>
@@ -7333,22 +6878,19 @@
           <a:effectLst/>
         </a:effectStyle>
         <a:effectStyle>
-          <a:effectLst/>
-          <a:scene3d>
-            <a:camera prst="orthographicFront">
-              <a:rot lat="0" lon="0" rev="0"/>
-            </a:camera>
-            <a:lightRig rig="threePt" dir="t"/>
-          </a:scene3d>
-          <a:sp3d>
-            <a:bevelT w="25400" h="12700"/>
-          </a:sp3d>
+          <a:effectLst>
+            <a:outerShdw blurRad="38100" dist="25400" dir="5400000" rotWithShape="0">
+              <a:srgbClr val="000000">
+                <a:alpha val="35000"/>
+              </a:srgbClr>
+            </a:outerShdw>
+          </a:effectLst>
         </a:effectStyle>
         <a:effectStyle>
           <a:effectLst>
-            <a:outerShdw blurRad="57150" dist="19050" dir="5400000" algn="ctr" rotWithShape="0">
+            <a:outerShdw blurRad="50800" dist="38100" dir="5400000" rotWithShape="0">
               <a:srgbClr val="000000">
-                <a:alpha val="48000"/>
+                <a:alpha val="35000"/>
               </a:srgbClr>
             </a:outerShdw>
           </a:effectLst>
@@ -7356,10 +6898,10 @@
             <a:camera prst="orthographicFront">
               <a:rot lat="0" lon="0" rev="0"/>
             </a:camera>
-            <a:lightRig rig="threePt" dir="t"/>
+            <a:lightRig rig="threePt" dir="tl"/>
           </a:scene3d>
-          <a:sp3d>
-            <a:bevelT w="50800" h="25400"/>
+          <a:sp3d prstMaterial="plastic">
+            <a:bevelT w="0" h="0"/>
           </a:sp3d>
         </a:effectStyle>
       </a:effectStyleLst>
@@ -7367,38 +6909,41 @@
         <a:solidFill>
           <a:schemeClr val="phClr"/>
         </a:solidFill>
-        <a:solidFill>
-          <a:schemeClr val="phClr">
-            <a:tint val="95000"/>
-            <a:satMod val="170000"/>
-          </a:schemeClr>
-        </a:solidFill>
         <a:gradFill rotWithShape="1">
           <a:gsLst>
             <a:gs pos="0">
               <a:schemeClr val="phClr">
-                <a:tint val="93000"/>
-                <a:shade val="98000"/>
-                <a:satMod val="150000"/>
-                <a:lumMod val="102000"/>
+                <a:tint val="90000"/>
+                <a:lumMod val="104000"/>
               </a:schemeClr>
             </a:gs>
-            <a:gs pos="50000">
+            <a:gs pos="94000">
               <a:schemeClr val="phClr">
-                <a:tint val="98000"/>
-                <a:shade val="90000"/>
-                <a:satMod val="130000"/>
-                <a:lumMod val="103000"/>
+                <a:shade val="96000"/>
+                <a:lumMod val="82000"/>
+              </a:schemeClr>
+            </a:gs>
+          </a:gsLst>
+          <a:lin ang="5400000" scaled="0"/>
+        </a:gradFill>
+        <a:gradFill rotWithShape="1">
+          <a:gsLst>
+            <a:gs pos="0">
+              <a:schemeClr val="phClr">
+                <a:tint val="90000"/>
+                <a:lumMod val="110000"/>
               </a:schemeClr>
             </a:gs>
             <a:gs pos="100000">
               <a:schemeClr val="phClr">
-                <a:shade val="63000"/>
-                <a:satMod val="120000"/>
+                <a:shade val="94000"/>
+                <a:lumMod val="96000"/>
               </a:schemeClr>
             </a:gs>
           </a:gsLst>
-          <a:lin ang="5400000" scaled="0"/>
+          <a:path path="circle">
+            <a:fillToRect l="50000" t="50000" r="100000" b="100000"/>
+          </a:path>
         </a:gradFill>
       </a:bgFillStyleLst>
     </a:fmtScheme>
@@ -7407,7 +6952,7 @@
   <a:extraClrSchemeLst/>
   <a:extLst>
     <a:ext uri="{05A4C25C-085E-4340-85A3-A5531E510DB2}">
-      <thm15:themeFamily xmlns:thm15="http://schemas.microsoft.com/office/thememl/2012/main" name="Vapor Trail" id="{4FDF2955-7D9C-493C-B9F9-C205151B46CD}" vid="{8F31A783-2159-4870-BC29-2BA7D038EA44}"/>
+      <thm15:themeFamily xmlns:thm15="http://schemas.microsoft.com/office/thememl/2012/main" name="Facet" id="{C0C680CD-088A-49FC-A102-D699147F32B2}" vid="{8C59B386-999D-4CB6-B907-9F3997C027CC}"/>
     </a:ext>
   </a:extLst>
 </a:theme>
